--- a/Breaking Dependencies Chapter 9 Part 2 406.pptx
+++ b/Breaking Dependencies Chapter 9 Part 2 406.pptx
@@ -1,28 +1,28 @@
 
 <file path=ppt/presentation.xml><?xml version="1.0" encoding="utf-8"?>
-<p:presentation xmlns:a="http://schemas.openxmlformats.org/drawingml/2006/main" xmlns:r="http://schemas.openxmlformats.org/officeDocument/2006/relationships" xmlns:p="http://schemas.openxmlformats.org/presentationml/2006/main" xmlns:m="http://schemas.openxmlformats.org/officeDocument/2006/math" xmlns:a14="http://schemas.microsoft.com/office/drawing/2010/main">
+<p:presentation xmlns:a="http://schemas.openxmlformats.org/drawingml/2006/main" xmlns:r="http://schemas.openxmlformats.org/officeDocument/2006/relationships" xmlns:p="http://schemas.openxmlformats.org/presentationml/2006/main">
   <p:sldMasterIdLst>
-    <p:sldMasterId id="2147483648" r:id="rId5"/>
+    <p:sldMasterId id="2147483648" r:id="rId1"/>
   </p:sldMasterIdLst>
   <p:notesMasterIdLst>
-    <p:notesMasterId r:id="rId7"/>
+    <p:notesMasterId r:id="rId17"/>
   </p:notesMasterIdLst>
   <p:sldIdLst>
-    <p:sldId id="256" r:id="rId8"/>
-    <p:sldId id="257" r:id="rId9"/>
-    <p:sldId id="258" r:id="rId10"/>
-    <p:sldId id="259" r:id="rId11"/>
-    <p:sldId id="260" r:id="rId12"/>
-    <p:sldId id="261" r:id="rId13"/>
-    <p:sldId id="262" r:id="rId14"/>
-    <p:sldId id="263" r:id="rId15"/>
-    <p:sldId id="264" r:id="rId16"/>
-    <p:sldId id="265" r:id="rId17"/>
-    <p:sldId id="266" r:id="rId18"/>
-    <p:sldId id="267" r:id="rId19"/>
-    <p:sldId id="268" r:id="rId20"/>
-    <p:sldId id="269" r:id="rId21"/>
-    <p:sldId id="270" r:id="rId22"/>
+    <p:sldId id="256" r:id="rId2"/>
+    <p:sldId id="257" r:id="rId3"/>
+    <p:sldId id="258" r:id="rId4"/>
+    <p:sldId id="259" r:id="rId5"/>
+    <p:sldId id="260" r:id="rId6"/>
+    <p:sldId id="261" r:id="rId7"/>
+    <p:sldId id="262" r:id="rId8"/>
+    <p:sldId id="263" r:id="rId9"/>
+    <p:sldId id="264" r:id="rId10"/>
+    <p:sldId id="265" r:id="rId11"/>
+    <p:sldId id="266" r:id="rId12"/>
+    <p:sldId id="267" r:id="rId13"/>
+    <p:sldId id="268" r:id="rId14"/>
+    <p:sldId id="269" r:id="rId15"/>
+    <p:sldId id="270" r:id="rId16"/>
   </p:sldIdLst>
   <p:sldSz cx="24384000" cy="13716000"/>
   <p:notesSz cx="6858000" cy="9144000"/>
@@ -42,7 +42,7 @@
       <a:buFontTx/>
       <a:buNone/>
       <a:tabLst/>
-      <a:defRPr b="0" baseline="0" cap="none" i="0" spc="0" strike="noStrike" sz="1800" u="none" kumimoji="0" normalizeH="0">
+      <a:defRPr kumimoji="0" sz="1800" b="0" i="0" u="none" strike="noStrike" cap="none" spc="0" normalizeH="0" baseline="0">
         <a:ln>
           <a:noFill/>
         </a:ln>
@@ -68,7 +68,7 @@
       <a:buFontTx/>
       <a:buNone/>
       <a:tabLst/>
-      <a:defRPr b="0" baseline="0" cap="none" i="0" spc="0" strike="noStrike" sz="4000" u="none" kumimoji="0" normalizeH="0">
+      <a:defRPr kumimoji="0" sz="4000" b="0" i="0" u="none" strike="noStrike" cap="none" spc="0" normalizeH="0" baseline="0">
         <a:ln>
           <a:noFill/>
         </a:ln>
@@ -77,9 +77,9 @@
         </a:solidFill>
         <a:effectLst/>
         <a:uFillTx/>
-        <a:latin typeface="Graphik Light"/>
-        <a:ea typeface="Graphik Light"/>
-        <a:cs typeface="Graphik Light"/>
+        <a:latin typeface="Graphik-Light"/>
+        <a:ea typeface="Graphik-Light"/>
+        <a:cs typeface="Graphik-Light"/>
         <a:sym typeface="Graphik Light"/>
       </a:defRPr>
     </a:lvl1pPr>
@@ -98,7 +98,7 @@
       <a:buFontTx/>
       <a:buNone/>
       <a:tabLst/>
-      <a:defRPr b="0" baseline="0" cap="none" i="0" spc="0" strike="noStrike" sz="4000" u="none" kumimoji="0" normalizeH="0">
+      <a:defRPr kumimoji="0" sz="4000" b="0" i="0" u="none" strike="noStrike" cap="none" spc="0" normalizeH="0" baseline="0">
         <a:ln>
           <a:noFill/>
         </a:ln>
@@ -107,9 +107,9 @@
         </a:solidFill>
         <a:effectLst/>
         <a:uFillTx/>
-        <a:latin typeface="Graphik Light"/>
-        <a:ea typeface="Graphik Light"/>
-        <a:cs typeface="Graphik Light"/>
+        <a:latin typeface="Graphik-Light"/>
+        <a:ea typeface="Graphik-Light"/>
+        <a:cs typeface="Graphik-Light"/>
         <a:sym typeface="Graphik Light"/>
       </a:defRPr>
     </a:lvl2pPr>
@@ -128,7 +128,7 @@
       <a:buFontTx/>
       <a:buNone/>
       <a:tabLst/>
-      <a:defRPr b="0" baseline="0" cap="none" i="0" spc="0" strike="noStrike" sz="4000" u="none" kumimoji="0" normalizeH="0">
+      <a:defRPr kumimoji="0" sz="4000" b="0" i="0" u="none" strike="noStrike" cap="none" spc="0" normalizeH="0" baseline="0">
         <a:ln>
           <a:noFill/>
         </a:ln>
@@ -137,9 +137,9 @@
         </a:solidFill>
         <a:effectLst/>
         <a:uFillTx/>
-        <a:latin typeface="Graphik Light"/>
-        <a:ea typeface="Graphik Light"/>
-        <a:cs typeface="Graphik Light"/>
+        <a:latin typeface="Graphik-Light"/>
+        <a:ea typeface="Graphik-Light"/>
+        <a:cs typeface="Graphik-Light"/>
         <a:sym typeface="Graphik Light"/>
       </a:defRPr>
     </a:lvl3pPr>
@@ -158,7 +158,7 @@
       <a:buFontTx/>
       <a:buNone/>
       <a:tabLst/>
-      <a:defRPr b="0" baseline="0" cap="none" i="0" spc="0" strike="noStrike" sz="4000" u="none" kumimoji="0" normalizeH="0">
+      <a:defRPr kumimoji="0" sz="4000" b="0" i="0" u="none" strike="noStrike" cap="none" spc="0" normalizeH="0" baseline="0">
         <a:ln>
           <a:noFill/>
         </a:ln>
@@ -167,9 +167,9 @@
         </a:solidFill>
         <a:effectLst/>
         <a:uFillTx/>
-        <a:latin typeface="Graphik Light"/>
-        <a:ea typeface="Graphik Light"/>
-        <a:cs typeface="Graphik Light"/>
+        <a:latin typeface="Graphik-Light"/>
+        <a:ea typeface="Graphik-Light"/>
+        <a:cs typeface="Graphik-Light"/>
         <a:sym typeface="Graphik Light"/>
       </a:defRPr>
     </a:lvl4pPr>
@@ -188,7 +188,7 @@
       <a:buFontTx/>
       <a:buNone/>
       <a:tabLst/>
-      <a:defRPr b="0" baseline="0" cap="none" i="0" spc="0" strike="noStrike" sz="4000" u="none" kumimoji="0" normalizeH="0">
+      <a:defRPr kumimoji="0" sz="4000" b="0" i="0" u="none" strike="noStrike" cap="none" spc="0" normalizeH="0" baseline="0">
         <a:ln>
           <a:noFill/>
         </a:ln>
@@ -197,9 +197,9 @@
         </a:solidFill>
         <a:effectLst/>
         <a:uFillTx/>
-        <a:latin typeface="Graphik Light"/>
-        <a:ea typeface="Graphik Light"/>
-        <a:cs typeface="Graphik Light"/>
+        <a:latin typeface="Graphik-Light"/>
+        <a:ea typeface="Graphik-Light"/>
+        <a:cs typeface="Graphik-Light"/>
         <a:sym typeface="Graphik Light"/>
       </a:defRPr>
     </a:lvl5pPr>
@@ -218,7 +218,7 @@
       <a:buFontTx/>
       <a:buNone/>
       <a:tabLst/>
-      <a:defRPr b="0" baseline="0" cap="none" i="0" spc="0" strike="noStrike" sz="4000" u="none" kumimoji="0" normalizeH="0">
+      <a:defRPr kumimoji="0" sz="4000" b="0" i="0" u="none" strike="noStrike" cap="none" spc="0" normalizeH="0" baseline="0">
         <a:ln>
           <a:noFill/>
         </a:ln>
@@ -227,9 +227,9 @@
         </a:solidFill>
         <a:effectLst/>
         <a:uFillTx/>
-        <a:latin typeface="Graphik Light"/>
-        <a:ea typeface="Graphik Light"/>
-        <a:cs typeface="Graphik Light"/>
+        <a:latin typeface="Graphik-Light"/>
+        <a:ea typeface="Graphik-Light"/>
+        <a:cs typeface="Graphik-Light"/>
         <a:sym typeface="Graphik Light"/>
       </a:defRPr>
     </a:lvl6pPr>
@@ -248,7 +248,7 @@
       <a:buFontTx/>
       <a:buNone/>
       <a:tabLst/>
-      <a:defRPr b="0" baseline="0" cap="none" i="0" spc="0" strike="noStrike" sz="4000" u="none" kumimoji="0" normalizeH="0">
+      <a:defRPr kumimoji="0" sz="4000" b="0" i="0" u="none" strike="noStrike" cap="none" spc="0" normalizeH="0" baseline="0">
         <a:ln>
           <a:noFill/>
         </a:ln>
@@ -257,9 +257,9 @@
         </a:solidFill>
         <a:effectLst/>
         <a:uFillTx/>
-        <a:latin typeface="Graphik Light"/>
-        <a:ea typeface="Graphik Light"/>
-        <a:cs typeface="Graphik Light"/>
+        <a:latin typeface="Graphik-Light"/>
+        <a:ea typeface="Graphik-Light"/>
+        <a:cs typeface="Graphik-Light"/>
         <a:sym typeface="Graphik Light"/>
       </a:defRPr>
     </a:lvl7pPr>
@@ -278,7 +278,7 @@
       <a:buFontTx/>
       <a:buNone/>
       <a:tabLst/>
-      <a:defRPr b="0" baseline="0" cap="none" i="0" spc="0" strike="noStrike" sz="4000" u="none" kumimoji="0" normalizeH="0">
+      <a:defRPr kumimoji="0" sz="4000" b="0" i="0" u="none" strike="noStrike" cap="none" spc="0" normalizeH="0" baseline="0">
         <a:ln>
           <a:noFill/>
         </a:ln>
@@ -287,9 +287,9 @@
         </a:solidFill>
         <a:effectLst/>
         <a:uFillTx/>
-        <a:latin typeface="Graphik Light"/>
-        <a:ea typeface="Graphik Light"/>
-        <a:cs typeface="Graphik Light"/>
+        <a:latin typeface="Graphik-Light"/>
+        <a:ea typeface="Graphik-Light"/>
+        <a:cs typeface="Graphik-Light"/>
         <a:sym typeface="Graphik Light"/>
       </a:defRPr>
     </a:lvl8pPr>
@@ -308,7 +308,7 @@
       <a:buFontTx/>
       <a:buNone/>
       <a:tabLst/>
-      <a:defRPr b="0" baseline="0" cap="none" i="0" spc="0" strike="noStrike" sz="4000" u="none" kumimoji="0" normalizeH="0">
+      <a:defRPr kumimoji="0" sz="4000" b="0" i="0" u="none" strike="noStrike" cap="none" spc="0" normalizeH="0" baseline="0">
         <a:ln>
           <a:noFill/>
         </a:ln>
@@ -317,9 +317,9 @@
         </a:solidFill>
         <a:effectLst/>
         <a:uFillTx/>
-        <a:latin typeface="Graphik Light"/>
-        <a:ea typeface="Graphik Light"/>
-        <a:cs typeface="Graphik Light"/>
+        <a:latin typeface="Graphik-Light"/>
+        <a:ea typeface="Graphik-Light"/>
+        <a:cs typeface="Graphik-Light"/>
         <a:sym typeface="Graphik Light"/>
       </a:defRPr>
     </a:lvl9pPr>
@@ -327,13 +327,14 @@
 </p:presentation>
 </file>
 
-<file path=ppt/commentAuthors.xml><?xml version="1.0" encoding="utf-8"?>
-<p:cmAuthorLst xmlns:a="http://schemas.openxmlformats.org/drawingml/2006/main" xmlns:r="http://schemas.openxmlformats.org/officeDocument/2006/relationships" xmlns:p="http://schemas.openxmlformats.org/presentationml/2006/main" xmlns:m="http://schemas.openxmlformats.org/officeDocument/2006/math" xmlns:a14="http://schemas.microsoft.com/office/drawing/2010/main"/>
-</file>
-
 <file path=ppt/notesMasters/notesMaster1.xml><?xml version="1.0" encoding="utf-8"?>
-<p:notesMaster xmlns:a="http://schemas.openxmlformats.org/drawingml/2006/main" xmlns:r="http://schemas.openxmlformats.org/officeDocument/2006/relationships" xmlns:p="http://schemas.openxmlformats.org/presentationml/2006/main" xmlns:m="http://schemas.openxmlformats.org/officeDocument/2006/math" xmlns:a14="http://schemas.microsoft.com/office/drawing/2010/main">
+<p:notesMaster xmlns:a="http://schemas.openxmlformats.org/drawingml/2006/main" xmlns:r="http://schemas.openxmlformats.org/officeDocument/2006/relationships" xmlns:p="http://schemas.openxmlformats.org/presentationml/2006/main">
   <p:cSld>
+    <p:bg>
+      <p:bgRef idx="1001">
+        <a:schemeClr val="bg1"/>
+      </p:bgRef>
+    </p:bg>
     <p:spTree>
       <p:nvGrpSpPr>
         <p:cNvPr id="1" name=""/>
@@ -351,7 +352,9 @@
       <p:sp>
         <p:nvSpPr>
           <p:cNvPr id="168" name="Shape 168"/>
-          <p:cNvSpPr/>
+          <p:cNvSpPr>
+            <a:spLocks noGrp="1" noRot="1" noChangeAspect="1"/>
+          </p:cNvSpPr>
           <p:nvPr>
             <p:ph type="sldImg"/>
           </p:nvPr>
@@ -369,14 +372,16 @@
           <a:bodyPr/>
           <a:lstStyle/>
           <a:p>
-            <a:pPr/>
+            <a:endParaRPr/>
           </a:p>
         </p:txBody>
       </p:sp>
       <p:sp>
         <p:nvSpPr>
           <p:cNvPr id="169" name="Shape 169"/>
-          <p:cNvSpPr/>
+          <p:cNvSpPr>
+            <a:spLocks noGrp="1"/>
+          </p:cNvSpPr>
           <p:nvPr>
             <p:ph type="body" sz="quarter" idx="1"/>
           </p:nvPr>
@@ -394,7 +399,7 @@
           <a:bodyPr/>
           <a:lstStyle/>
           <a:p>
-            <a:pPr/>
+            <a:endParaRPr/>
           </a:p>
         </p:txBody>
       </p:sp>
@@ -506,7 +511,7 @@
 </file>
 
 <file path=ppt/slideLayouts/slideLayout1.xml><?xml version="1.0" encoding="utf-8"?>
-<p:sldLayout xmlns:a="http://schemas.openxmlformats.org/drawingml/2006/main" xmlns:r="http://schemas.openxmlformats.org/officeDocument/2006/relationships" xmlns:p="http://schemas.openxmlformats.org/presentationml/2006/main" xmlns:m="http://schemas.openxmlformats.org/officeDocument/2006/math" xmlns:a14="http://schemas.microsoft.com/office/drawing/2010/main" type="title" showMasterSp="1" showMasterPhAnim="1">
+<p:sldLayout xmlns:a="http://schemas.openxmlformats.org/drawingml/2006/main" xmlns:r="http://schemas.openxmlformats.org/officeDocument/2006/relationships" xmlns:p="http://schemas.openxmlformats.org/presentationml/2006/main" type="title">
   <p:cSld name="Title">
     <p:spTree>
       <p:nvGrpSpPr>
@@ -525,7 +530,9 @@
       <p:sp>
         <p:nvSpPr>
           <p:cNvPr id="11" name="Author and Date"/>
-          <p:cNvSpPr txBox="1"/>
+          <p:cNvSpPr txBox="1">
+            <a:spLocks noGrp="1"/>
+          </p:cNvSpPr>
           <p:nvPr>
             <p:ph type="body" sz="quarter" idx="21" hasCustomPrompt="1"/>
           </p:nvPr>
@@ -557,7 +564,6 @@
             </a:lvl1pPr>
           </a:lstStyle>
           <a:p>
-            <a:pPr/>
             <a:r>
               <a:t>Author and Date</a:t>
             </a:r>
@@ -567,7 +573,9 @@
       <p:sp>
         <p:nvSpPr>
           <p:cNvPr id="12" name="Body Level One…"/>
-          <p:cNvSpPr txBox="1"/>
+          <p:cNvSpPr txBox="1">
+            <a:spLocks noGrp="1"/>
+          </p:cNvSpPr>
           <p:nvPr>
             <p:ph type="body" sz="quarter" idx="1" hasCustomPrompt="1"/>
           </p:nvPr>
@@ -651,41 +659,34 @@
             </a:lvl5pPr>
           </a:lstStyle>
           <a:p>
-            <a:pPr/>
             <a:r>
               <a:t>Presentation Subtitle</a:t>
             </a:r>
           </a:p>
           <a:p>
             <a:pPr lvl="1"/>
-            <a:r>
-              <a:t/>
-            </a:r>
+            <a:endParaRPr/>
           </a:p>
           <a:p>
             <a:pPr lvl="2"/>
-            <a:r>
-              <a:t/>
-            </a:r>
+            <a:endParaRPr/>
           </a:p>
           <a:p>
             <a:pPr lvl="3"/>
-            <a:r>
-              <a:t/>
-            </a:r>
+            <a:endParaRPr/>
           </a:p>
           <a:p>
             <a:pPr lvl="4"/>
-            <a:r>
-              <a:t/>
-            </a:r>
+            <a:endParaRPr/>
           </a:p>
         </p:txBody>
       </p:sp>
       <p:sp>
         <p:nvSpPr>
           <p:cNvPr id="13" name="Presentation Title"/>
-          <p:cNvSpPr txBox="1"/>
+          <p:cNvSpPr txBox="1">
+            <a:spLocks noGrp="1"/>
+          </p:cNvSpPr>
           <p:nvPr>
             <p:ph type="title" hasCustomPrompt="1"/>
           </p:nvPr>
@@ -703,11 +704,10 @@
           <a:bodyPr anchor="b"/>
           <a:lstStyle>
             <a:lvl1pPr defTabSz="355600">
-              <a:defRPr spc="-119" sz="12000"/>
+              <a:defRPr sz="12000" spc="-119"/>
             </a:lvl1pPr>
           </a:lstStyle>
           <a:p>
-            <a:pPr/>
             <a:r>
               <a:t>Presentation Title</a:t>
             </a:r>
@@ -717,7 +717,9 @@
       <p:sp>
         <p:nvSpPr>
           <p:cNvPr id="14" name="Slide Number"/>
-          <p:cNvSpPr txBox="1"/>
+          <p:cNvSpPr txBox="1">
+            <a:spLocks noGrp="1"/>
+          </p:cNvSpPr>
           <p:nvPr>
             <p:ph type="sldNum" sz="quarter" idx="2"/>
           </p:nvPr>
@@ -731,8 +733,10 @@
           <a:bodyPr/>
           <a:lstStyle/>
           <a:p>
-            <a:pPr/>
-            <a:fld id="{86CB4B4D-7CA3-9044-876B-883B54F8677D}" type="slidenum"/>
+            <a:fld id="{86CB4B4D-7CA3-9044-876B-883B54F8677D}" type="slidenum">
+              <a:t>‹#›</a:t>
+            </a:fld>
+            <a:endParaRPr/>
           </a:p>
         </p:txBody>
       </p:sp>
@@ -741,12 +745,12 @@
   <p:clrMapOvr>
     <a:masterClrMapping/>
   </p:clrMapOvr>
-  <p:transition xmlns:p14="http://schemas.microsoft.com/office/powerpoint/2010/main" spd="med" advClick="1"/>
+  <p:transition spd="med"/>
 </p:sldLayout>
 </file>
 
 <file path=ppt/slideLayouts/slideLayout10.xml><?xml version="1.0" encoding="utf-8"?>
-<p:sldLayout xmlns:a="http://schemas.openxmlformats.org/drawingml/2006/main" xmlns:r="http://schemas.openxmlformats.org/officeDocument/2006/relationships" xmlns:p="http://schemas.openxmlformats.org/presentationml/2006/main" xmlns:m="http://schemas.openxmlformats.org/officeDocument/2006/math" xmlns:a14="http://schemas.microsoft.com/office/drawing/2010/main" type="tx" showMasterSp="1" showMasterPhAnim="1">
+<p:sldLayout xmlns:a="http://schemas.openxmlformats.org/drawingml/2006/main" xmlns:r="http://schemas.openxmlformats.org/officeDocument/2006/relationships" xmlns:p="http://schemas.openxmlformats.org/presentationml/2006/main" type="tx">
   <p:cSld name="Title Only">
     <p:spTree>
       <p:nvGrpSpPr>
@@ -765,7 +769,9 @@
       <p:sp>
         <p:nvSpPr>
           <p:cNvPr id="99" name="Slide Title"/>
-          <p:cNvSpPr txBox="1"/>
+          <p:cNvSpPr txBox="1">
+            <a:spLocks noGrp="1"/>
+          </p:cNvSpPr>
           <p:nvPr>
             <p:ph type="title" hasCustomPrompt="1"/>
           </p:nvPr>
@@ -779,7 +785,6 @@
           <a:bodyPr/>
           <a:lstStyle/>
           <a:p>
-            <a:pPr/>
             <a:r>
               <a:t>Slide Title</a:t>
             </a:r>
@@ -789,7 +794,9 @@
       <p:sp>
         <p:nvSpPr>
           <p:cNvPr id="100" name="Slide Subtitle"/>
-          <p:cNvSpPr txBox="1"/>
+          <p:cNvSpPr txBox="1">
+            <a:spLocks noGrp="1"/>
+          </p:cNvSpPr>
           <p:nvPr>
             <p:ph type="body" sz="quarter" idx="21" hasCustomPrompt="1"/>
           </p:nvPr>
@@ -821,7 +828,6 @@
             </a:lvl1pPr>
           </a:lstStyle>
           <a:p>
-            <a:pPr/>
             <a:r>
               <a:t>Slide Subtitle</a:t>
             </a:r>
@@ -831,7 +837,9 @@
       <p:sp>
         <p:nvSpPr>
           <p:cNvPr id="101" name="Slide Number"/>
-          <p:cNvSpPr txBox="1"/>
+          <p:cNvSpPr txBox="1">
+            <a:spLocks noGrp="1"/>
+          </p:cNvSpPr>
           <p:nvPr>
             <p:ph type="sldNum" sz="quarter" idx="2"/>
           </p:nvPr>
@@ -845,8 +853,10 @@
           <a:bodyPr/>
           <a:lstStyle/>
           <a:p>
-            <a:pPr/>
-            <a:fld id="{86CB4B4D-7CA3-9044-876B-883B54F8677D}" type="slidenum"/>
+            <a:fld id="{86CB4B4D-7CA3-9044-876B-883B54F8677D}" type="slidenum">
+              <a:t>‹#›</a:t>
+            </a:fld>
+            <a:endParaRPr/>
           </a:p>
         </p:txBody>
       </p:sp>
@@ -855,12 +865,12 @@
   <p:clrMapOvr>
     <a:masterClrMapping/>
   </p:clrMapOvr>
-  <p:transition xmlns:p14="http://schemas.microsoft.com/office/powerpoint/2010/main" spd="med" advClick="1"/>
+  <p:transition spd="med"/>
 </p:sldLayout>
 </file>
 
 <file path=ppt/slideLayouts/slideLayout11.xml><?xml version="1.0" encoding="utf-8"?>
-<p:sldLayout xmlns:a="http://schemas.openxmlformats.org/drawingml/2006/main" xmlns:r="http://schemas.openxmlformats.org/officeDocument/2006/relationships" xmlns:p="http://schemas.openxmlformats.org/presentationml/2006/main" xmlns:m="http://schemas.openxmlformats.org/officeDocument/2006/math" xmlns:a14="http://schemas.microsoft.com/office/drawing/2010/main" type="tx" showMasterSp="1" showMasterPhAnim="1">
+<p:sldLayout xmlns:a="http://schemas.openxmlformats.org/drawingml/2006/main" xmlns:r="http://schemas.openxmlformats.org/officeDocument/2006/relationships" xmlns:p="http://schemas.openxmlformats.org/presentationml/2006/main" type="tx">
   <p:cSld name="Agenda">
     <p:spTree>
       <p:nvGrpSpPr>
@@ -879,7 +889,9 @@
       <p:sp>
         <p:nvSpPr>
           <p:cNvPr id="108" name="Agenda Subtitle"/>
-          <p:cNvSpPr txBox="1"/>
+          <p:cNvSpPr txBox="1">
+            <a:spLocks noGrp="1"/>
+          </p:cNvSpPr>
           <p:nvPr>
             <p:ph type="body" sz="quarter" idx="21" hasCustomPrompt="1"/>
           </p:nvPr>
@@ -911,7 +923,6 @@
             </a:lvl1pPr>
           </a:lstStyle>
           <a:p>
-            <a:pPr/>
             <a:r>
               <a:t>Agenda Subtitle</a:t>
             </a:r>
@@ -921,7 +932,9 @@
       <p:sp>
         <p:nvSpPr>
           <p:cNvPr id="109" name="Body Level One…"/>
-          <p:cNvSpPr txBox="1"/>
+          <p:cNvSpPr txBox="1">
+            <a:spLocks noGrp="1"/>
+          </p:cNvSpPr>
           <p:nvPr>
             <p:ph type="body" idx="1" hasCustomPrompt="1"/>
           </p:nvPr>
@@ -980,41 +993,34 @@
             </a:lvl5pPr>
           </a:lstStyle>
           <a:p>
-            <a:pPr/>
             <a:r>
               <a:t>Agenda Topics</a:t>
             </a:r>
           </a:p>
           <a:p>
             <a:pPr lvl="1"/>
-            <a:r>
-              <a:t/>
-            </a:r>
+            <a:endParaRPr/>
           </a:p>
           <a:p>
             <a:pPr lvl="2"/>
-            <a:r>
-              <a:t/>
-            </a:r>
+            <a:endParaRPr/>
           </a:p>
           <a:p>
             <a:pPr lvl="3"/>
-            <a:r>
-              <a:t/>
-            </a:r>
+            <a:endParaRPr/>
           </a:p>
           <a:p>
             <a:pPr lvl="4"/>
-            <a:r>
-              <a:t/>
-            </a:r>
+            <a:endParaRPr/>
           </a:p>
         </p:txBody>
       </p:sp>
       <p:sp>
         <p:nvSpPr>
           <p:cNvPr id="110" name="Agenda Title"/>
-          <p:cNvSpPr txBox="1"/>
+          <p:cNvSpPr txBox="1">
+            <a:spLocks noGrp="1"/>
+          </p:cNvSpPr>
           <p:nvPr>
             <p:ph type="title" hasCustomPrompt="1"/>
           </p:nvPr>
@@ -1028,7 +1034,6 @@
           <a:bodyPr/>
           <a:lstStyle/>
           <a:p>
-            <a:pPr/>
             <a:r>
               <a:t>Agenda Title</a:t>
             </a:r>
@@ -1038,7 +1043,9 @@
       <p:sp>
         <p:nvSpPr>
           <p:cNvPr id="111" name="Slide Number"/>
-          <p:cNvSpPr txBox="1"/>
+          <p:cNvSpPr txBox="1">
+            <a:spLocks noGrp="1"/>
+          </p:cNvSpPr>
           <p:nvPr>
             <p:ph type="sldNum" sz="quarter" idx="2"/>
           </p:nvPr>
@@ -1052,8 +1059,10 @@
           <a:bodyPr/>
           <a:lstStyle/>
           <a:p>
-            <a:pPr/>
-            <a:fld id="{86CB4B4D-7CA3-9044-876B-883B54F8677D}" type="slidenum"/>
+            <a:fld id="{86CB4B4D-7CA3-9044-876B-883B54F8677D}" type="slidenum">
+              <a:t>‹#›</a:t>
+            </a:fld>
+            <a:endParaRPr/>
           </a:p>
         </p:txBody>
       </p:sp>
@@ -1062,12 +1071,12 @@
   <p:clrMapOvr>
     <a:masterClrMapping/>
   </p:clrMapOvr>
-  <p:transition xmlns:p14="http://schemas.microsoft.com/office/powerpoint/2010/main" spd="med" advClick="1"/>
+  <p:transition spd="med"/>
 </p:sldLayout>
 </file>
 
 <file path=ppt/slideLayouts/slideLayout12.xml><?xml version="1.0" encoding="utf-8"?>
-<p:sldLayout xmlns:a="http://schemas.openxmlformats.org/drawingml/2006/main" xmlns:r="http://schemas.openxmlformats.org/officeDocument/2006/relationships" xmlns:p="http://schemas.openxmlformats.org/presentationml/2006/main" xmlns:m="http://schemas.openxmlformats.org/officeDocument/2006/math" xmlns:a14="http://schemas.microsoft.com/office/drawing/2010/main" type="tx" showMasterSp="1" showMasterPhAnim="1">
+<p:sldLayout xmlns:a="http://schemas.openxmlformats.org/drawingml/2006/main" xmlns:r="http://schemas.openxmlformats.org/officeDocument/2006/relationships" xmlns:p="http://schemas.openxmlformats.org/presentationml/2006/main" type="tx">
   <p:cSld name="Statement">
     <p:spTree>
       <p:nvGrpSpPr>
@@ -1086,7 +1095,9 @@
       <p:sp>
         <p:nvSpPr>
           <p:cNvPr id="118" name="Body Level One…"/>
-          <p:cNvSpPr txBox="1"/>
+          <p:cNvSpPr txBox="1">
+            <a:spLocks noGrp="1"/>
+          </p:cNvSpPr>
           <p:nvPr>
             <p:ph type="body" sz="half" idx="1" hasCustomPrompt="1"/>
           </p:nvPr>
@@ -1112,7 +1123,7 @@
               </a:spcBef>
               <a:buSzTx/>
               <a:buNone/>
-              <a:defRPr spc="-119" sz="12000">
+              <a:defRPr sz="12000" spc="-119">
                 <a:latin typeface="+mn-lt"/>
                 <a:ea typeface="+mn-ea"/>
                 <a:cs typeface="+mn-cs"/>
@@ -1128,7 +1139,7 @@
               </a:spcBef>
               <a:buSzTx/>
               <a:buNone/>
-              <a:defRPr spc="-119" sz="12000">
+              <a:defRPr sz="12000" spc="-119">
                 <a:latin typeface="+mn-lt"/>
                 <a:ea typeface="+mn-ea"/>
                 <a:cs typeface="+mn-cs"/>
@@ -1144,7 +1155,7 @@
               </a:spcBef>
               <a:buSzTx/>
               <a:buNone/>
-              <a:defRPr spc="-119" sz="12000">
+              <a:defRPr sz="12000" spc="-119">
                 <a:latin typeface="+mn-lt"/>
                 <a:ea typeface="+mn-ea"/>
                 <a:cs typeface="+mn-cs"/>
@@ -1160,7 +1171,7 @@
               </a:spcBef>
               <a:buSzTx/>
               <a:buNone/>
-              <a:defRPr spc="-119" sz="12000">
+              <a:defRPr sz="12000" spc="-119">
                 <a:latin typeface="+mn-lt"/>
                 <a:ea typeface="+mn-ea"/>
                 <a:cs typeface="+mn-cs"/>
@@ -1176,7 +1187,7 @@
               </a:spcBef>
               <a:buSzTx/>
               <a:buNone/>
-              <a:defRPr spc="-119" sz="12000">
+              <a:defRPr sz="12000" spc="-119">
                 <a:latin typeface="+mn-lt"/>
                 <a:ea typeface="+mn-ea"/>
                 <a:cs typeface="+mn-cs"/>
@@ -1185,41 +1196,34 @@
             </a:lvl5pPr>
           </a:lstStyle>
           <a:p>
-            <a:pPr/>
             <a:r>
               <a:t>Statement</a:t>
             </a:r>
           </a:p>
           <a:p>
             <a:pPr lvl="1"/>
-            <a:r>
-              <a:t/>
-            </a:r>
+            <a:endParaRPr/>
           </a:p>
           <a:p>
             <a:pPr lvl="2"/>
-            <a:r>
-              <a:t/>
-            </a:r>
+            <a:endParaRPr/>
           </a:p>
           <a:p>
             <a:pPr lvl="3"/>
-            <a:r>
-              <a:t/>
-            </a:r>
+            <a:endParaRPr/>
           </a:p>
           <a:p>
             <a:pPr lvl="4"/>
-            <a:r>
-              <a:t/>
-            </a:r>
+            <a:endParaRPr/>
           </a:p>
         </p:txBody>
       </p:sp>
       <p:sp>
         <p:nvSpPr>
           <p:cNvPr id="119" name="Slide Number"/>
-          <p:cNvSpPr txBox="1"/>
+          <p:cNvSpPr txBox="1">
+            <a:spLocks noGrp="1"/>
+          </p:cNvSpPr>
           <p:nvPr>
             <p:ph type="sldNum" sz="quarter" idx="2"/>
           </p:nvPr>
@@ -1233,8 +1237,10 @@
           <a:bodyPr/>
           <a:lstStyle/>
           <a:p>
-            <a:pPr/>
-            <a:fld id="{86CB4B4D-7CA3-9044-876B-883B54F8677D}" type="slidenum"/>
+            <a:fld id="{86CB4B4D-7CA3-9044-876B-883B54F8677D}" type="slidenum">
+              <a:t>‹#›</a:t>
+            </a:fld>
+            <a:endParaRPr/>
           </a:p>
         </p:txBody>
       </p:sp>
@@ -1243,12 +1249,12 @@
   <p:clrMapOvr>
     <a:masterClrMapping/>
   </p:clrMapOvr>
-  <p:transition xmlns:p14="http://schemas.microsoft.com/office/powerpoint/2010/main" spd="med" advClick="1"/>
+  <p:transition spd="med"/>
 </p:sldLayout>
 </file>
 
 <file path=ppt/slideLayouts/slideLayout13.xml><?xml version="1.0" encoding="utf-8"?>
-<p:sldLayout xmlns:a="http://schemas.openxmlformats.org/drawingml/2006/main" xmlns:r="http://schemas.openxmlformats.org/officeDocument/2006/relationships" xmlns:p="http://schemas.openxmlformats.org/presentationml/2006/main" xmlns:m="http://schemas.openxmlformats.org/officeDocument/2006/math" xmlns:a14="http://schemas.microsoft.com/office/drawing/2010/main" type="tx" showMasterSp="1" showMasterPhAnim="1">
+<p:sldLayout xmlns:a="http://schemas.openxmlformats.org/drawingml/2006/main" xmlns:r="http://schemas.openxmlformats.org/officeDocument/2006/relationships" xmlns:p="http://schemas.openxmlformats.org/presentationml/2006/main" type="tx">
   <p:cSld name="Big Fact">
     <p:spTree>
       <p:nvGrpSpPr>
@@ -1267,7 +1273,9 @@
       <p:sp>
         <p:nvSpPr>
           <p:cNvPr id="126" name="Body Level One…"/>
-          <p:cNvSpPr txBox="1"/>
+          <p:cNvSpPr txBox="1">
+            <a:spLocks noGrp="1"/>
+          </p:cNvSpPr>
           <p:nvPr>
             <p:ph type="body" idx="1" hasCustomPrompt="1"/>
           </p:nvPr>
@@ -1293,7 +1301,7 @@
               </a:spcBef>
               <a:buSzTx/>
               <a:buNone/>
-              <a:defRPr spc="-1750" sz="35000">
+              <a:defRPr sz="35000" spc="-1750">
                 <a:latin typeface="+mn-lt"/>
                 <a:ea typeface="+mn-ea"/>
                 <a:cs typeface="+mn-cs"/>
@@ -1309,7 +1317,7 @@
               </a:spcBef>
               <a:buSzTx/>
               <a:buNone/>
-              <a:defRPr spc="-1750" sz="35000">
+              <a:defRPr sz="35000" spc="-1750">
                 <a:latin typeface="+mn-lt"/>
                 <a:ea typeface="+mn-ea"/>
                 <a:cs typeface="+mn-cs"/>
@@ -1325,7 +1333,7 @@
               </a:spcBef>
               <a:buSzTx/>
               <a:buNone/>
-              <a:defRPr spc="-1750" sz="35000">
+              <a:defRPr sz="35000" spc="-1750">
                 <a:latin typeface="+mn-lt"/>
                 <a:ea typeface="+mn-ea"/>
                 <a:cs typeface="+mn-cs"/>
@@ -1341,7 +1349,7 @@
               </a:spcBef>
               <a:buSzTx/>
               <a:buNone/>
-              <a:defRPr spc="-1750" sz="35000">
+              <a:defRPr sz="35000" spc="-1750">
                 <a:latin typeface="+mn-lt"/>
                 <a:ea typeface="+mn-ea"/>
                 <a:cs typeface="+mn-cs"/>
@@ -1357,7 +1365,7 @@
               </a:spcBef>
               <a:buSzTx/>
               <a:buNone/>
-              <a:defRPr spc="-1750" sz="35000">
+              <a:defRPr sz="35000" spc="-1750">
                 <a:latin typeface="+mn-lt"/>
                 <a:ea typeface="+mn-ea"/>
                 <a:cs typeface="+mn-cs"/>
@@ -1366,41 +1374,34 @@
             </a:lvl5pPr>
           </a:lstStyle>
           <a:p>
-            <a:pPr/>
             <a:r>
               <a:t>100%</a:t>
             </a:r>
           </a:p>
           <a:p>
             <a:pPr lvl="1"/>
-            <a:r>
-              <a:t/>
-            </a:r>
+            <a:endParaRPr/>
           </a:p>
           <a:p>
             <a:pPr lvl="2"/>
-            <a:r>
-              <a:t/>
-            </a:r>
+            <a:endParaRPr/>
           </a:p>
           <a:p>
             <a:pPr lvl="3"/>
-            <a:r>
-              <a:t/>
-            </a:r>
+            <a:endParaRPr/>
           </a:p>
           <a:p>
             <a:pPr lvl="4"/>
-            <a:r>
-              <a:t/>
-            </a:r>
+            <a:endParaRPr/>
           </a:p>
         </p:txBody>
       </p:sp>
       <p:sp>
         <p:nvSpPr>
           <p:cNvPr id="127" name="Fact information"/>
-          <p:cNvSpPr txBox="1"/>
+          <p:cNvSpPr txBox="1">
+            <a:spLocks noGrp="1"/>
+          </p:cNvSpPr>
           <p:nvPr>
             <p:ph type="body" sz="quarter" idx="21" hasCustomPrompt="1"/>
           </p:nvPr>
@@ -1426,7 +1427,7 @@
               </a:spcBef>
               <a:buSzTx/>
               <a:buNone/>
-              <a:defRPr spc="-55" sz="5500">
+              <a:defRPr sz="5500" spc="-55">
                 <a:latin typeface="+mn-lt"/>
                 <a:ea typeface="+mn-ea"/>
                 <a:cs typeface="+mn-cs"/>
@@ -1435,7 +1436,6 @@
             </a:lvl1pPr>
           </a:lstStyle>
           <a:p>
-            <a:pPr/>
             <a:r>
               <a:t>Fact information</a:t>
             </a:r>
@@ -1445,7 +1445,9 @@
       <p:sp>
         <p:nvSpPr>
           <p:cNvPr id="128" name="Slide Number"/>
-          <p:cNvSpPr txBox="1"/>
+          <p:cNvSpPr txBox="1">
+            <a:spLocks noGrp="1"/>
+          </p:cNvSpPr>
           <p:nvPr>
             <p:ph type="sldNum" sz="quarter" idx="2"/>
           </p:nvPr>
@@ -1459,8 +1461,10 @@
           <a:bodyPr/>
           <a:lstStyle/>
           <a:p>
-            <a:pPr/>
-            <a:fld id="{86CB4B4D-7CA3-9044-876B-883B54F8677D}" type="slidenum"/>
+            <a:fld id="{86CB4B4D-7CA3-9044-876B-883B54F8677D}" type="slidenum">
+              <a:t>‹#›</a:t>
+            </a:fld>
+            <a:endParaRPr/>
           </a:p>
         </p:txBody>
       </p:sp>
@@ -1469,12 +1473,12 @@
   <p:clrMapOvr>
     <a:masterClrMapping/>
   </p:clrMapOvr>
-  <p:transition xmlns:p14="http://schemas.microsoft.com/office/powerpoint/2010/main" spd="med" advClick="1"/>
+  <p:transition spd="med"/>
 </p:sldLayout>
 </file>
 
 <file path=ppt/slideLayouts/slideLayout14.xml><?xml version="1.0" encoding="utf-8"?>
-<p:sldLayout xmlns:a="http://schemas.openxmlformats.org/drawingml/2006/main" xmlns:r="http://schemas.openxmlformats.org/officeDocument/2006/relationships" xmlns:p="http://schemas.openxmlformats.org/presentationml/2006/main" xmlns:m="http://schemas.openxmlformats.org/officeDocument/2006/math" xmlns:a14="http://schemas.microsoft.com/office/drawing/2010/main" type="tx" showMasterSp="1" showMasterPhAnim="1">
+<p:sldLayout xmlns:a="http://schemas.openxmlformats.org/drawingml/2006/main" xmlns:r="http://schemas.openxmlformats.org/officeDocument/2006/relationships" xmlns:p="http://schemas.openxmlformats.org/presentationml/2006/main" type="tx">
   <p:cSld name="Quote">
     <p:spTree>
       <p:nvGrpSpPr>
@@ -1493,7 +1497,9 @@
       <p:sp>
         <p:nvSpPr>
           <p:cNvPr id="135" name="Body Level One…"/>
-          <p:cNvSpPr txBox="1"/>
+          <p:cNvSpPr txBox="1">
+            <a:spLocks noGrp="1"/>
+          </p:cNvSpPr>
           <p:nvPr>
             <p:ph type="body" sz="quarter" idx="1" hasCustomPrompt="1"/>
           </p:nvPr>
@@ -1519,7 +1525,7 @@
               </a:spcBef>
               <a:buSzTx/>
               <a:buNone/>
-              <a:defRPr spc="-93" sz="9300">
+              <a:defRPr sz="9300" spc="-93">
                 <a:latin typeface="+mn-lt"/>
                 <a:ea typeface="+mn-ea"/>
                 <a:cs typeface="+mn-cs"/>
@@ -1535,7 +1541,7 @@
               </a:spcBef>
               <a:buSzTx/>
               <a:buNone/>
-              <a:defRPr spc="-93" sz="9300">
+              <a:defRPr sz="9300" spc="-93">
                 <a:latin typeface="+mn-lt"/>
                 <a:ea typeface="+mn-ea"/>
                 <a:cs typeface="+mn-cs"/>
@@ -1551,7 +1557,7 @@
               </a:spcBef>
               <a:buSzTx/>
               <a:buNone/>
-              <a:defRPr spc="-93" sz="9300">
+              <a:defRPr sz="9300" spc="-93">
                 <a:latin typeface="+mn-lt"/>
                 <a:ea typeface="+mn-ea"/>
                 <a:cs typeface="+mn-cs"/>
@@ -1567,7 +1573,7 @@
               </a:spcBef>
               <a:buSzTx/>
               <a:buNone/>
-              <a:defRPr spc="-93" sz="9300">
+              <a:defRPr sz="9300" spc="-93">
                 <a:latin typeface="+mn-lt"/>
                 <a:ea typeface="+mn-ea"/>
                 <a:cs typeface="+mn-cs"/>
@@ -1583,7 +1589,7 @@
               </a:spcBef>
               <a:buSzTx/>
               <a:buNone/>
-              <a:defRPr spc="-93" sz="9300">
+              <a:defRPr sz="9300" spc="-93">
                 <a:latin typeface="+mn-lt"/>
                 <a:ea typeface="+mn-ea"/>
                 <a:cs typeface="+mn-cs"/>
@@ -1592,41 +1598,34 @@
             </a:lvl5pPr>
           </a:lstStyle>
           <a:p>
-            <a:pPr/>
             <a:r>
               <a:t>“Notable Quote”</a:t>
             </a:r>
           </a:p>
           <a:p>
             <a:pPr lvl="1"/>
-            <a:r>
-              <a:t/>
-            </a:r>
+            <a:endParaRPr/>
           </a:p>
           <a:p>
             <a:pPr lvl="2"/>
-            <a:r>
-              <a:t/>
-            </a:r>
+            <a:endParaRPr/>
           </a:p>
           <a:p>
             <a:pPr lvl="3"/>
-            <a:r>
-              <a:t/>
-            </a:r>
+            <a:endParaRPr/>
           </a:p>
           <a:p>
             <a:pPr lvl="4"/>
-            <a:r>
-              <a:t/>
-            </a:r>
+            <a:endParaRPr/>
           </a:p>
         </p:txBody>
       </p:sp>
       <p:sp>
         <p:nvSpPr>
           <p:cNvPr id="136" name="Attribution"/>
-          <p:cNvSpPr txBox="1"/>
+          <p:cNvSpPr txBox="1">
+            <a:spLocks noGrp="1"/>
+          </p:cNvSpPr>
           <p:nvPr>
             <p:ph type="body" sz="quarter" idx="21" hasCustomPrompt="1"/>
           </p:nvPr>
@@ -1658,7 +1657,6 @@
             </a:lvl1pPr>
           </a:lstStyle>
           <a:p>
-            <a:pPr/>
             <a:r>
               <a:t>Attribution</a:t>
             </a:r>
@@ -1668,7 +1666,9 @@
       <p:sp>
         <p:nvSpPr>
           <p:cNvPr id="137" name="Slide Number"/>
-          <p:cNvSpPr txBox="1"/>
+          <p:cNvSpPr txBox="1">
+            <a:spLocks noGrp="1"/>
+          </p:cNvSpPr>
           <p:nvPr>
             <p:ph type="sldNum" sz="quarter" idx="2"/>
           </p:nvPr>
@@ -1682,8 +1682,10 @@
           <a:bodyPr/>
           <a:lstStyle/>
           <a:p>
-            <a:pPr/>
-            <a:fld id="{86CB4B4D-7CA3-9044-876B-883B54F8677D}" type="slidenum"/>
+            <a:fld id="{86CB4B4D-7CA3-9044-876B-883B54F8677D}" type="slidenum">
+              <a:t>‹#›</a:t>
+            </a:fld>
+            <a:endParaRPr/>
           </a:p>
         </p:txBody>
       </p:sp>
@@ -1692,12 +1694,12 @@
   <p:clrMapOvr>
     <a:masterClrMapping/>
   </p:clrMapOvr>
-  <p:transition xmlns:p14="http://schemas.microsoft.com/office/powerpoint/2010/main" spd="med" advClick="1"/>
+  <p:transition spd="med"/>
 </p:sldLayout>
 </file>
 
 <file path=ppt/slideLayouts/slideLayout15.xml><?xml version="1.0" encoding="utf-8"?>
-<p:sldLayout xmlns:a="http://schemas.openxmlformats.org/drawingml/2006/main" xmlns:r="http://schemas.openxmlformats.org/officeDocument/2006/relationships" xmlns:p="http://schemas.openxmlformats.org/presentationml/2006/main" xmlns:m="http://schemas.openxmlformats.org/officeDocument/2006/math" xmlns:a14="http://schemas.microsoft.com/office/drawing/2010/main" type="tx" showMasterSp="1" showMasterPhAnim="1">
+<p:sldLayout xmlns:a="http://schemas.openxmlformats.org/drawingml/2006/main" xmlns:r="http://schemas.openxmlformats.org/officeDocument/2006/relationships" xmlns:p="http://schemas.openxmlformats.org/presentationml/2006/main" type="tx">
   <p:cSld name="Photo - 3 Up">
     <p:spTree>
       <p:nvGrpSpPr>
@@ -1716,7 +1718,9 @@
       <p:sp>
         <p:nvSpPr>
           <p:cNvPr id="144" name="Wavy pink and orange architecture against a blue sky"/>
-          <p:cNvSpPr/>
+          <p:cNvSpPr>
+            <a:spLocks noGrp="1"/>
+          </p:cNvSpPr>
           <p:nvPr>
             <p:ph type="pic" sz="quarter" idx="21"/>
           </p:nvPr>
@@ -1736,14 +1740,16 @@
           </a:bodyPr>
           <a:lstStyle/>
           <a:p>
-            <a:pPr/>
+            <a:endParaRPr/>
           </a:p>
         </p:txBody>
       </p:sp>
       <p:sp>
         <p:nvSpPr>
           <p:cNvPr id="145" name="Low angle view of the corner of a modern building under a clear blue sky"/>
-          <p:cNvSpPr/>
+          <p:cNvSpPr>
+            <a:spLocks noGrp="1"/>
+          </p:cNvSpPr>
           <p:nvPr>
             <p:ph type="pic" sz="quarter" idx="22"/>
           </p:nvPr>
@@ -1763,14 +1769,16 @@
           </a:bodyPr>
           <a:lstStyle/>
           <a:p>
-            <a:pPr/>
+            <a:endParaRPr/>
           </a:p>
         </p:txBody>
       </p:sp>
       <p:sp>
         <p:nvSpPr>
           <p:cNvPr id="146" name="Low angle view of a stone bridge under a partly cloudy sky"/>
-          <p:cNvSpPr/>
+          <p:cNvSpPr>
+            <a:spLocks noGrp="1"/>
+          </p:cNvSpPr>
           <p:nvPr>
             <p:ph type="pic" sz="quarter" idx="23"/>
           </p:nvPr>
@@ -1790,14 +1798,16 @@
           </a:bodyPr>
           <a:lstStyle/>
           <a:p>
-            <a:pPr/>
+            <a:endParaRPr/>
           </a:p>
         </p:txBody>
       </p:sp>
       <p:sp>
         <p:nvSpPr>
           <p:cNvPr id="147" name="Slide Number"/>
-          <p:cNvSpPr txBox="1"/>
+          <p:cNvSpPr txBox="1">
+            <a:spLocks noGrp="1"/>
+          </p:cNvSpPr>
           <p:nvPr>
             <p:ph type="sldNum" sz="quarter" idx="2"/>
           </p:nvPr>
@@ -1811,8 +1821,10 @@
           <a:bodyPr/>
           <a:lstStyle/>
           <a:p>
-            <a:pPr/>
-            <a:fld id="{86CB4B4D-7CA3-9044-876B-883B54F8677D}" type="slidenum"/>
+            <a:fld id="{86CB4B4D-7CA3-9044-876B-883B54F8677D}" type="slidenum">
+              <a:t>‹#›</a:t>
+            </a:fld>
+            <a:endParaRPr/>
           </a:p>
         </p:txBody>
       </p:sp>
@@ -1821,12 +1833,12 @@
   <p:clrMapOvr>
     <a:masterClrMapping/>
   </p:clrMapOvr>
-  <p:transition xmlns:p14="http://schemas.microsoft.com/office/powerpoint/2010/main" spd="med" advClick="1"/>
+  <p:transition spd="med"/>
 </p:sldLayout>
 </file>
 
 <file path=ppt/slideLayouts/slideLayout16.xml><?xml version="1.0" encoding="utf-8"?>
-<p:sldLayout xmlns:a="http://schemas.openxmlformats.org/drawingml/2006/main" xmlns:r="http://schemas.openxmlformats.org/officeDocument/2006/relationships" xmlns:p="http://schemas.openxmlformats.org/presentationml/2006/main" xmlns:m="http://schemas.openxmlformats.org/officeDocument/2006/math" xmlns:a14="http://schemas.microsoft.com/office/drawing/2010/main" type="tx" showMasterSp="1" showMasterPhAnim="1">
+<p:sldLayout xmlns:a="http://schemas.openxmlformats.org/drawingml/2006/main" xmlns:r="http://schemas.openxmlformats.org/officeDocument/2006/relationships" xmlns:p="http://schemas.openxmlformats.org/presentationml/2006/main" type="tx">
   <p:cSld name="Photo">
     <p:spTree>
       <p:nvGrpSpPr>
@@ -1845,7 +1857,9 @@
       <p:sp>
         <p:nvSpPr>
           <p:cNvPr id="154" name="Low angle view of modern, metal building"/>
-          <p:cNvSpPr/>
+          <p:cNvSpPr>
+            <a:spLocks noGrp="1"/>
+          </p:cNvSpPr>
           <p:nvPr>
             <p:ph type="pic" idx="21"/>
           </p:nvPr>
@@ -1865,14 +1879,16 @@
           </a:bodyPr>
           <a:lstStyle/>
           <a:p>
-            <a:pPr/>
+            <a:endParaRPr/>
           </a:p>
         </p:txBody>
       </p:sp>
       <p:sp>
         <p:nvSpPr>
           <p:cNvPr id="155" name="Slide Number"/>
-          <p:cNvSpPr txBox="1"/>
+          <p:cNvSpPr txBox="1">
+            <a:spLocks noGrp="1"/>
+          </p:cNvSpPr>
           <p:nvPr>
             <p:ph type="sldNum" sz="quarter" idx="2"/>
           </p:nvPr>
@@ -1898,8 +1914,10 @@
             </a:lvl1pPr>
           </a:lstStyle>
           <a:p>
-            <a:pPr/>
-            <a:fld id="{86CB4B4D-7CA3-9044-876B-883B54F8677D}" type="slidenum"/>
+            <a:fld id="{86CB4B4D-7CA3-9044-876B-883B54F8677D}" type="slidenum">
+              <a:t>‹#›</a:t>
+            </a:fld>
+            <a:endParaRPr/>
           </a:p>
         </p:txBody>
       </p:sp>
@@ -1908,12 +1926,12 @@
   <p:clrMapOvr>
     <a:masterClrMapping/>
   </p:clrMapOvr>
-  <p:transition xmlns:p14="http://schemas.microsoft.com/office/powerpoint/2010/main" spd="med" advClick="1"/>
+  <p:transition spd="med"/>
 </p:sldLayout>
 </file>
 
 <file path=ppt/slideLayouts/slideLayout17.xml><?xml version="1.0" encoding="utf-8"?>
-<p:sldLayout xmlns:a="http://schemas.openxmlformats.org/drawingml/2006/main" xmlns:r="http://schemas.openxmlformats.org/officeDocument/2006/relationships" xmlns:p="http://schemas.openxmlformats.org/presentationml/2006/main" xmlns:m="http://schemas.openxmlformats.org/officeDocument/2006/math" xmlns:a14="http://schemas.microsoft.com/office/drawing/2010/main" type="tx" showMasterSp="1" showMasterPhAnim="1">
+<p:sldLayout xmlns:a="http://schemas.openxmlformats.org/drawingml/2006/main" xmlns:r="http://schemas.openxmlformats.org/officeDocument/2006/relationships" xmlns:p="http://schemas.openxmlformats.org/presentationml/2006/main" type="tx">
   <p:cSld name="Blank">
     <p:spTree>
       <p:nvGrpSpPr>
@@ -1932,7 +1950,9 @@
       <p:sp>
         <p:nvSpPr>
           <p:cNvPr id="162" name="Slide Number"/>
-          <p:cNvSpPr txBox="1"/>
+          <p:cNvSpPr txBox="1">
+            <a:spLocks noGrp="1"/>
+          </p:cNvSpPr>
           <p:nvPr>
             <p:ph type="sldNum" sz="quarter" idx="2"/>
           </p:nvPr>
@@ -1946,8 +1966,10 @@
           <a:bodyPr/>
           <a:lstStyle/>
           <a:p>
-            <a:pPr/>
-            <a:fld id="{86CB4B4D-7CA3-9044-876B-883B54F8677D}" type="slidenum"/>
+            <a:fld id="{86CB4B4D-7CA3-9044-876B-883B54F8677D}" type="slidenum">
+              <a:t>‹#›</a:t>
+            </a:fld>
+            <a:endParaRPr/>
           </a:p>
         </p:txBody>
       </p:sp>
@@ -1956,12 +1978,12 @@
   <p:clrMapOvr>
     <a:masterClrMapping/>
   </p:clrMapOvr>
-  <p:transition xmlns:p14="http://schemas.microsoft.com/office/powerpoint/2010/main" spd="med" advClick="1"/>
+  <p:transition spd="med"/>
 </p:sldLayout>
 </file>
 
 <file path=ppt/slideLayouts/slideLayout2.xml><?xml version="1.0" encoding="utf-8"?>
-<p:sldLayout xmlns:a="http://schemas.openxmlformats.org/drawingml/2006/main" xmlns:r="http://schemas.openxmlformats.org/officeDocument/2006/relationships" xmlns:p="http://schemas.openxmlformats.org/presentationml/2006/main" xmlns:m="http://schemas.openxmlformats.org/officeDocument/2006/math" xmlns:a14="http://schemas.microsoft.com/office/drawing/2010/main" type="tx" showMasterSp="1" showMasterPhAnim="1">
+<p:sldLayout xmlns:a="http://schemas.openxmlformats.org/drawingml/2006/main" xmlns:r="http://schemas.openxmlformats.org/officeDocument/2006/relationships" xmlns:p="http://schemas.openxmlformats.org/presentationml/2006/main" type="tx">
   <p:cSld name="Title &amp; Photo">
     <p:spTree>
       <p:nvGrpSpPr>
@@ -1980,7 +2002,9 @@
       <p:sp>
         <p:nvSpPr>
           <p:cNvPr id="21" name="Geometric gray stone architecture"/>
-          <p:cNvSpPr/>
+          <p:cNvSpPr>
+            <a:spLocks noGrp="1"/>
+          </p:cNvSpPr>
           <p:nvPr>
             <p:ph type="pic" idx="21"/>
           </p:nvPr>
@@ -2000,14 +2024,16 @@
           </a:bodyPr>
           <a:lstStyle/>
           <a:p>
-            <a:pPr/>
+            <a:endParaRPr/>
           </a:p>
         </p:txBody>
       </p:sp>
       <p:sp>
         <p:nvSpPr>
           <p:cNvPr id="22" name="Author and Date"/>
-          <p:cNvSpPr txBox="1"/>
+          <p:cNvSpPr txBox="1">
+            <a:spLocks noGrp="1"/>
+          </p:cNvSpPr>
           <p:nvPr>
             <p:ph type="body" sz="quarter" idx="22" hasCustomPrompt="1"/>
           </p:nvPr>
@@ -2039,7 +2065,6 @@
             </a:lvl1pPr>
           </a:lstStyle>
           <a:p>
-            <a:pPr/>
             <a:r>
               <a:t>Author and Date</a:t>
             </a:r>
@@ -2049,7 +2074,9 @@
       <p:sp>
         <p:nvSpPr>
           <p:cNvPr id="23" name="Body Level One…"/>
-          <p:cNvSpPr txBox="1"/>
+          <p:cNvSpPr txBox="1">
+            <a:spLocks noGrp="1"/>
+          </p:cNvSpPr>
           <p:nvPr>
             <p:ph type="body" sz="quarter" idx="1" hasCustomPrompt="1"/>
           </p:nvPr>
@@ -2133,41 +2160,34 @@
             </a:lvl5pPr>
           </a:lstStyle>
           <a:p>
-            <a:pPr/>
             <a:r>
               <a:t>Presentation Subtitle</a:t>
             </a:r>
           </a:p>
           <a:p>
             <a:pPr lvl="1"/>
-            <a:r>
-              <a:t/>
-            </a:r>
+            <a:endParaRPr/>
           </a:p>
           <a:p>
             <a:pPr lvl="2"/>
-            <a:r>
-              <a:t/>
-            </a:r>
+            <a:endParaRPr/>
           </a:p>
           <a:p>
             <a:pPr lvl="3"/>
-            <a:r>
-              <a:t/>
-            </a:r>
+            <a:endParaRPr/>
           </a:p>
           <a:p>
             <a:pPr lvl="4"/>
-            <a:r>
-              <a:t/>
-            </a:r>
+            <a:endParaRPr/>
           </a:p>
         </p:txBody>
       </p:sp>
       <p:sp>
         <p:nvSpPr>
           <p:cNvPr id="24" name="Presentation Title"/>
-          <p:cNvSpPr txBox="1"/>
+          <p:cNvSpPr txBox="1">
+            <a:spLocks noGrp="1"/>
+          </p:cNvSpPr>
           <p:nvPr>
             <p:ph type="title" hasCustomPrompt="1"/>
           </p:nvPr>
@@ -2185,11 +2205,10 @@
           <a:bodyPr anchor="b"/>
           <a:lstStyle>
             <a:lvl1pPr defTabSz="355600">
-              <a:defRPr spc="-119" sz="12000"/>
+              <a:defRPr sz="12000" spc="-119"/>
             </a:lvl1pPr>
           </a:lstStyle>
           <a:p>
-            <a:pPr/>
             <a:r>
               <a:t>Presentation Title</a:t>
             </a:r>
@@ -2199,7 +2218,9 @@
       <p:sp>
         <p:nvSpPr>
           <p:cNvPr id="25" name="Slide Number"/>
-          <p:cNvSpPr txBox="1"/>
+          <p:cNvSpPr txBox="1">
+            <a:spLocks noGrp="1"/>
+          </p:cNvSpPr>
           <p:nvPr>
             <p:ph type="sldNum" sz="quarter" idx="2"/>
           </p:nvPr>
@@ -2213,8 +2234,10 @@
           <a:bodyPr/>
           <a:lstStyle/>
           <a:p>
-            <a:pPr/>
-            <a:fld id="{86CB4B4D-7CA3-9044-876B-883B54F8677D}" type="slidenum"/>
+            <a:fld id="{86CB4B4D-7CA3-9044-876B-883B54F8677D}" type="slidenum">
+              <a:t>‹#›</a:t>
+            </a:fld>
+            <a:endParaRPr/>
           </a:p>
         </p:txBody>
       </p:sp>
@@ -2223,12 +2246,12 @@
   <p:clrMapOvr>
     <a:masterClrMapping/>
   </p:clrMapOvr>
-  <p:transition xmlns:p14="http://schemas.microsoft.com/office/powerpoint/2010/main" spd="med" advClick="1"/>
+  <p:transition spd="med"/>
 </p:sldLayout>
 </file>
 
 <file path=ppt/slideLayouts/slideLayout3.xml><?xml version="1.0" encoding="utf-8"?>
-<p:sldLayout xmlns:a="http://schemas.openxmlformats.org/drawingml/2006/main" xmlns:r="http://schemas.openxmlformats.org/officeDocument/2006/relationships" xmlns:p="http://schemas.openxmlformats.org/presentationml/2006/main" xmlns:m="http://schemas.openxmlformats.org/officeDocument/2006/math" xmlns:a14="http://schemas.microsoft.com/office/drawing/2010/main" type="tx" showMasterSp="1" showMasterPhAnim="1">
+<p:sldLayout xmlns:a="http://schemas.openxmlformats.org/drawingml/2006/main" xmlns:r="http://schemas.openxmlformats.org/officeDocument/2006/relationships" xmlns:p="http://schemas.openxmlformats.org/presentationml/2006/main" type="tx">
   <p:cSld name="Title &amp; Photo Alt">
     <p:spTree>
       <p:nvGrpSpPr>
@@ -2247,7 +2270,9 @@
       <p:sp>
         <p:nvSpPr>
           <p:cNvPr id="32" name="Geometric gray stone architecture"/>
-          <p:cNvSpPr/>
+          <p:cNvSpPr>
+            <a:spLocks noGrp="1"/>
+          </p:cNvSpPr>
           <p:nvPr>
             <p:ph type="pic" idx="21"/>
           </p:nvPr>
@@ -2267,14 +2292,16 @@
           </a:bodyPr>
           <a:lstStyle/>
           <a:p>
-            <a:pPr/>
+            <a:endParaRPr/>
           </a:p>
         </p:txBody>
       </p:sp>
       <p:sp>
         <p:nvSpPr>
           <p:cNvPr id="33" name="Slide Title"/>
-          <p:cNvSpPr txBox="1"/>
+          <p:cNvSpPr txBox="1">
+            <a:spLocks noGrp="1"/>
+          </p:cNvSpPr>
           <p:nvPr>
             <p:ph type="title" hasCustomPrompt="1"/>
           </p:nvPr>
@@ -2292,7 +2319,6 @@
           <a:bodyPr anchor="b"/>
           <a:lstStyle/>
           <a:p>
-            <a:pPr/>
             <a:r>
               <a:t>Slide Title</a:t>
             </a:r>
@@ -2302,7 +2328,9 @@
       <p:sp>
         <p:nvSpPr>
           <p:cNvPr id="34" name="Body Level One…"/>
-          <p:cNvSpPr txBox="1"/>
+          <p:cNvSpPr txBox="1">
+            <a:spLocks noGrp="1"/>
+          </p:cNvSpPr>
           <p:nvPr>
             <p:ph type="body" sz="quarter" idx="1" hasCustomPrompt="1"/>
           </p:nvPr>
@@ -2386,41 +2414,34 @@
             </a:lvl5pPr>
           </a:lstStyle>
           <a:p>
-            <a:pPr/>
             <a:r>
               <a:t>Slide Subtitle</a:t>
             </a:r>
           </a:p>
           <a:p>
             <a:pPr lvl="1"/>
-            <a:r>
-              <a:t/>
-            </a:r>
+            <a:endParaRPr/>
           </a:p>
           <a:p>
             <a:pPr lvl="2"/>
-            <a:r>
-              <a:t/>
-            </a:r>
+            <a:endParaRPr/>
           </a:p>
           <a:p>
             <a:pPr lvl="3"/>
-            <a:r>
-              <a:t/>
-            </a:r>
+            <a:endParaRPr/>
           </a:p>
           <a:p>
             <a:pPr lvl="4"/>
-            <a:r>
-              <a:t/>
-            </a:r>
+            <a:endParaRPr/>
           </a:p>
         </p:txBody>
       </p:sp>
       <p:sp>
         <p:nvSpPr>
           <p:cNvPr id="35" name="Slide Number"/>
-          <p:cNvSpPr txBox="1"/>
+          <p:cNvSpPr txBox="1">
+            <a:spLocks noGrp="1"/>
+          </p:cNvSpPr>
           <p:nvPr>
             <p:ph type="sldNum" sz="quarter" idx="2"/>
           </p:nvPr>
@@ -2434,8 +2455,10 @@
           <a:bodyPr/>
           <a:lstStyle/>
           <a:p>
-            <a:pPr/>
-            <a:fld id="{86CB4B4D-7CA3-9044-876B-883B54F8677D}" type="slidenum"/>
+            <a:fld id="{86CB4B4D-7CA3-9044-876B-883B54F8677D}" type="slidenum">
+              <a:t>‹#›</a:t>
+            </a:fld>
+            <a:endParaRPr/>
           </a:p>
         </p:txBody>
       </p:sp>
@@ -2444,12 +2467,12 @@
   <p:clrMapOvr>
     <a:masterClrMapping/>
   </p:clrMapOvr>
-  <p:transition xmlns:p14="http://schemas.microsoft.com/office/powerpoint/2010/main" spd="med" advClick="1"/>
+  <p:transition spd="med"/>
 </p:sldLayout>
 </file>
 
 <file path=ppt/slideLayouts/slideLayout4.xml><?xml version="1.0" encoding="utf-8"?>
-<p:sldLayout xmlns:a="http://schemas.openxmlformats.org/drawingml/2006/main" xmlns:r="http://schemas.openxmlformats.org/officeDocument/2006/relationships" xmlns:p="http://schemas.openxmlformats.org/presentationml/2006/main" xmlns:m="http://schemas.openxmlformats.org/officeDocument/2006/math" xmlns:a14="http://schemas.microsoft.com/office/drawing/2010/main" type="tx" showMasterSp="1" showMasterPhAnim="1">
+<p:sldLayout xmlns:a="http://schemas.openxmlformats.org/drawingml/2006/main" xmlns:r="http://schemas.openxmlformats.org/officeDocument/2006/relationships" xmlns:p="http://schemas.openxmlformats.org/presentationml/2006/main" type="tx">
   <p:cSld name="Title &amp; Bullets">
     <p:spTree>
       <p:nvGrpSpPr>
@@ -2468,7 +2491,9 @@
       <p:sp>
         <p:nvSpPr>
           <p:cNvPr id="42" name="Slide Title"/>
-          <p:cNvSpPr txBox="1"/>
+          <p:cNvSpPr txBox="1">
+            <a:spLocks noGrp="1"/>
+          </p:cNvSpPr>
           <p:nvPr>
             <p:ph type="title" hasCustomPrompt="1"/>
           </p:nvPr>
@@ -2482,7 +2507,6 @@
           <a:bodyPr/>
           <a:lstStyle/>
           <a:p>
-            <a:pPr/>
             <a:r>
               <a:t>Slide Title</a:t>
             </a:r>
@@ -2492,7 +2516,9 @@
       <p:sp>
         <p:nvSpPr>
           <p:cNvPr id="43" name="Slide Subtitle"/>
-          <p:cNvSpPr txBox="1"/>
+          <p:cNvSpPr txBox="1">
+            <a:spLocks noGrp="1"/>
+          </p:cNvSpPr>
           <p:nvPr>
             <p:ph type="body" sz="quarter" idx="21" hasCustomPrompt="1"/>
           </p:nvPr>
@@ -2524,7 +2550,6 @@
             </a:lvl1pPr>
           </a:lstStyle>
           <a:p>
-            <a:pPr/>
             <a:r>
               <a:t>Slide Subtitle</a:t>
             </a:r>
@@ -2534,7 +2559,9 @@
       <p:sp>
         <p:nvSpPr>
           <p:cNvPr id="44" name="Body Level One…"/>
-          <p:cNvSpPr txBox="1"/>
+          <p:cNvSpPr txBox="1">
+            <a:spLocks noGrp="1"/>
+          </p:cNvSpPr>
           <p:nvPr>
             <p:ph type="body" idx="1" hasCustomPrompt="1"/>
           </p:nvPr>
@@ -2548,41 +2575,34 @@
           <a:bodyPr/>
           <a:lstStyle/>
           <a:p>
-            <a:pPr/>
             <a:r>
               <a:t>Slide bullet text</a:t>
             </a:r>
           </a:p>
           <a:p>
             <a:pPr lvl="1"/>
-            <a:r>
-              <a:t/>
-            </a:r>
+            <a:endParaRPr/>
           </a:p>
           <a:p>
             <a:pPr lvl="2"/>
-            <a:r>
-              <a:t/>
-            </a:r>
+            <a:endParaRPr/>
           </a:p>
           <a:p>
             <a:pPr lvl="3"/>
-            <a:r>
-              <a:t/>
-            </a:r>
+            <a:endParaRPr/>
           </a:p>
           <a:p>
             <a:pPr lvl="4"/>
-            <a:r>
-              <a:t/>
-            </a:r>
+            <a:endParaRPr/>
           </a:p>
         </p:txBody>
       </p:sp>
       <p:sp>
         <p:nvSpPr>
           <p:cNvPr id="45" name="Slide Number"/>
-          <p:cNvSpPr txBox="1"/>
+          <p:cNvSpPr txBox="1">
+            <a:spLocks noGrp="1"/>
+          </p:cNvSpPr>
           <p:nvPr>
             <p:ph type="sldNum" sz="quarter" idx="2"/>
           </p:nvPr>
@@ -2596,8 +2616,10 @@
           <a:bodyPr/>
           <a:lstStyle/>
           <a:p>
-            <a:pPr/>
-            <a:fld id="{86CB4B4D-7CA3-9044-876B-883B54F8677D}" type="slidenum"/>
+            <a:fld id="{86CB4B4D-7CA3-9044-876B-883B54F8677D}" type="slidenum">
+              <a:t>‹#›</a:t>
+            </a:fld>
+            <a:endParaRPr/>
           </a:p>
         </p:txBody>
       </p:sp>
@@ -2606,12 +2628,12 @@
   <p:clrMapOvr>
     <a:masterClrMapping/>
   </p:clrMapOvr>
-  <p:transition xmlns:p14="http://schemas.microsoft.com/office/powerpoint/2010/main" spd="med" advClick="1"/>
+  <p:transition spd="med"/>
 </p:sldLayout>
 </file>
 
 <file path=ppt/slideLayouts/slideLayout5.xml><?xml version="1.0" encoding="utf-8"?>
-<p:sldLayout xmlns:a="http://schemas.openxmlformats.org/drawingml/2006/main" xmlns:r="http://schemas.openxmlformats.org/officeDocument/2006/relationships" xmlns:p="http://schemas.openxmlformats.org/presentationml/2006/main" xmlns:m="http://schemas.openxmlformats.org/officeDocument/2006/math" xmlns:a14="http://schemas.microsoft.com/office/drawing/2010/main" type="tx" showMasterSp="1" showMasterPhAnim="1">
+<p:sldLayout xmlns:a="http://schemas.openxmlformats.org/drawingml/2006/main" xmlns:r="http://schemas.openxmlformats.org/officeDocument/2006/relationships" xmlns:p="http://schemas.openxmlformats.org/presentationml/2006/main" type="tx">
   <p:cSld name="Bullets">
     <p:spTree>
       <p:nvGrpSpPr>
@@ -2630,7 +2652,9 @@
       <p:sp>
         <p:nvSpPr>
           <p:cNvPr id="52" name="Body Level One…"/>
-          <p:cNvSpPr txBox="1"/>
+          <p:cNvSpPr txBox="1">
+            <a:spLocks noGrp="1"/>
+          </p:cNvSpPr>
           <p:nvPr>
             <p:ph type="body" idx="1" hasCustomPrompt="1"/>
           </p:nvPr>
@@ -2644,41 +2668,34 @@
           <a:bodyPr/>
           <a:lstStyle/>
           <a:p>
-            <a:pPr/>
             <a:r>
               <a:t>Slide bullet text</a:t>
             </a:r>
           </a:p>
           <a:p>
             <a:pPr lvl="1"/>
-            <a:r>
-              <a:t/>
-            </a:r>
+            <a:endParaRPr/>
           </a:p>
           <a:p>
             <a:pPr lvl="2"/>
-            <a:r>
-              <a:t/>
-            </a:r>
+            <a:endParaRPr/>
           </a:p>
           <a:p>
             <a:pPr lvl="3"/>
-            <a:r>
-              <a:t/>
-            </a:r>
+            <a:endParaRPr/>
           </a:p>
           <a:p>
             <a:pPr lvl="4"/>
-            <a:r>
-              <a:t/>
-            </a:r>
+            <a:endParaRPr/>
           </a:p>
         </p:txBody>
       </p:sp>
       <p:sp>
         <p:nvSpPr>
           <p:cNvPr id="53" name="Slide Number"/>
-          <p:cNvSpPr txBox="1"/>
+          <p:cNvSpPr txBox="1">
+            <a:spLocks noGrp="1"/>
+          </p:cNvSpPr>
           <p:nvPr>
             <p:ph type="sldNum" sz="quarter" idx="2"/>
           </p:nvPr>
@@ -2692,8 +2709,10 @@
           <a:bodyPr/>
           <a:lstStyle/>
           <a:p>
-            <a:pPr/>
-            <a:fld id="{86CB4B4D-7CA3-9044-876B-883B54F8677D}" type="slidenum"/>
+            <a:fld id="{86CB4B4D-7CA3-9044-876B-883B54F8677D}" type="slidenum">
+              <a:t>‹#›</a:t>
+            </a:fld>
+            <a:endParaRPr/>
           </a:p>
         </p:txBody>
       </p:sp>
@@ -2702,12 +2721,12 @@
   <p:clrMapOvr>
     <a:masterClrMapping/>
   </p:clrMapOvr>
-  <p:transition xmlns:p14="http://schemas.microsoft.com/office/powerpoint/2010/main" spd="med" advClick="1"/>
+  <p:transition spd="med"/>
 </p:sldLayout>
 </file>
 
 <file path=ppt/slideLayouts/slideLayout6.xml><?xml version="1.0" encoding="utf-8"?>
-<p:sldLayout xmlns:a="http://schemas.openxmlformats.org/drawingml/2006/main" xmlns:r="http://schemas.openxmlformats.org/officeDocument/2006/relationships" xmlns:p="http://schemas.openxmlformats.org/presentationml/2006/main" xmlns:m="http://schemas.openxmlformats.org/officeDocument/2006/math" xmlns:a14="http://schemas.microsoft.com/office/drawing/2010/main" type="tx" showMasterSp="1" showMasterPhAnim="1">
+<p:sldLayout xmlns:a="http://schemas.openxmlformats.org/drawingml/2006/main" xmlns:r="http://schemas.openxmlformats.org/officeDocument/2006/relationships" xmlns:p="http://schemas.openxmlformats.org/presentationml/2006/main" type="tx">
   <p:cSld name="Title, Bullets &amp; Photo">
     <p:spTree>
       <p:nvGrpSpPr>
@@ -2726,7 +2745,9 @@
       <p:sp>
         <p:nvSpPr>
           <p:cNvPr id="60" name="Slide Subtitle"/>
-          <p:cNvSpPr txBox="1"/>
+          <p:cNvSpPr txBox="1">
+            <a:spLocks noGrp="1"/>
+          </p:cNvSpPr>
           <p:nvPr>
             <p:ph type="body" sz="quarter" idx="21" hasCustomPrompt="1"/>
           </p:nvPr>
@@ -2758,7 +2779,6 @@
             </a:lvl1pPr>
           </a:lstStyle>
           <a:p>
-            <a:pPr/>
             <a:r>
               <a:t>Slide Subtitle</a:t>
             </a:r>
@@ -2768,7 +2788,9 @@
       <p:sp>
         <p:nvSpPr>
           <p:cNvPr id="61" name="Angular stone architecture in light and shadow"/>
-          <p:cNvSpPr/>
+          <p:cNvSpPr>
+            <a:spLocks noGrp="1"/>
+          </p:cNvSpPr>
           <p:nvPr>
             <p:ph type="pic" idx="22"/>
           </p:nvPr>
@@ -2788,14 +2810,16 @@
           </a:bodyPr>
           <a:lstStyle/>
           <a:p>
-            <a:pPr/>
+            <a:endParaRPr/>
           </a:p>
         </p:txBody>
       </p:sp>
       <p:sp>
         <p:nvSpPr>
           <p:cNvPr id="62" name="Slide Title"/>
-          <p:cNvSpPr txBox="1"/>
+          <p:cNvSpPr txBox="1">
+            <a:spLocks noGrp="1"/>
+          </p:cNvSpPr>
           <p:nvPr>
             <p:ph type="title" hasCustomPrompt="1"/>
           </p:nvPr>
@@ -2813,7 +2837,6 @@
           <a:bodyPr/>
           <a:lstStyle/>
           <a:p>
-            <a:pPr/>
             <a:r>
               <a:t>Slide Title</a:t>
             </a:r>
@@ -2823,7 +2846,9 @@
       <p:sp>
         <p:nvSpPr>
           <p:cNvPr id="63" name="Body Level One…"/>
-          <p:cNvSpPr txBox="1"/>
+          <p:cNvSpPr txBox="1">
+            <a:spLocks noGrp="1"/>
+          </p:cNvSpPr>
           <p:nvPr>
             <p:ph type="body" sz="half" idx="1" hasCustomPrompt="1"/>
           </p:nvPr>
@@ -2841,41 +2866,34 @@
           <a:bodyPr/>
           <a:lstStyle/>
           <a:p>
-            <a:pPr/>
             <a:r>
               <a:t>Slide bullet text</a:t>
             </a:r>
           </a:p>
           <a:p>
             <a:pPr lvl="1"/>
-            <a:r>
-              <a:t/>
-            </a:r>
+            <a:endParaRPr/>
           </a:p>
           <a:p>
             <a:pPr lvl="2"/>
-            <a:r>
-              <a:t/>
-            </a:r>
+            <a:endParaRPr/>
           </a:p>
           <a:p>
             <a:pPr lvl="3"/>
-            <a:r>
-              <a:t/>
-            </a:r>
+            <a:endParaRPr/>
           </a:p>
           <a:p>
             <a:pPr lvl="4"/>
-            <a:r>
-              <a:t/>
-            </a:r>
+            <a:endParaRPr/>
           </a:p>
         </p:txBody>
       </p:sp>
       <p:sp>
         <p:nvSpPr>
           <p:cNvPr id="64" name="Slide Number"/>
-          <p:cNvSpPr txBox="1"/>
+          <p:cNvSpPr txBox="1">
+            <a:spLocks noGrp="1"/>
+          </p:cNvSpPr>
           <p:nvPr>
             <p:ph type="sldNum" sz="quarter" idx="2"/>
           </p:nvPr>
@@ -2901,8 +2919,10 @@
             </a:lvl1pPr>
           </a:lstStyle>
           <a:p>
-            <a:pPr/>
-            <a:fld id="{86CB4B4D-7CA3-9044-876B-883B54F8677D}" type="slidenum"/>
+            <a:fld id="{86CB4B4D-7CA3-9044-876B-883B54F8677D}" type="slidenum">
+              <a:t>‹#›</a:t>
+            </a:fld>
+            <a:endParaRPr/>
           </a:p>
         </p:txBody>
       </p:sp>
@@ -2911,12 +2931,12 @@
   <p:clrMapOvr>
     <a:masterClrMapping/>
   </p:clrMapOvr>
-  <p:transition xmlns:p14="http://schemas.microsoft.com/office/powerpoint/2010/main" spd="med" advClick="1"/>
+  <p:transition spd="med"/>
 </p:sldLayout>
 </file>
 
 <file path=ppt/slideLayouts/slideLayout7.xml><?xml version="1.0" encoding="utf-8"?>
-<p:sldLayout xmlns:a="http://schemas.openxmlformats.org/drawingml/2006/main" xmlns:r="http://schemas.openxmlformats.org/officeDocument/2006/relationships" xmlns:p="http://schemas.openxmlformats.org/presentationml/2006/main" xmlns:m="http://schemas.openxmlformats.org/officeDocument/2006/math" xmlns:a14="http://schemas.microsoft.com/office/drawing/2010/main" type="tx" showMasterSp="1" showMasterPhAnim="1">
+<p:sldLayout xmlns:a="http://schemas.openxmlformats.org/drawingml/2006/main" xmlns:r="http://schemas.openxmlformats.org/officeDocument/2006/relationships" xmlns:p="http://schemas.openxmlformats.org/presentationml/2006/main" type="tx">
   <p:cSld name="Title, Bullets &amp; Live Video Small">
     <p:spTree>
       <p:nvGrpSpPr>
@@ -2935,7 +2955,9 @@
       <p:sp>
         <p:nvSpPr>
           <p:cNvPr id="71" name="Slide Subtitle"/>
-          <p:cNvSpPr txBox="1"/>
+          <p:cNvSpPr txBox="1">
+            <a:spLocks noGrp="1"/>
+          </p:cNvSpPr>
           <p:nvPr>
             <p:ph type="body" sz="quarter" idx="21" hasCustomPrompt="1"/>
           </p:nvPr>
@@ -2967,7 +2989,6 @@
             </a:lvl1pPr>
           </a:lstStyle>
           <a:p>
-            <a:pPr/>
             <a:r>
               <a:t>Slide Subtitle</a:t>
             </a:r>
@@ -2977,7 +2998,9 @@
       <p:sp>
         <p:nvSpPr>
           <p:cNvPr id="72" name="Slide Title"/>
-          <p:cNvSpPr txBox="1"/>
+          <p:cNvSpPr txBox="1">
+            <a:spLocks noGrp="1"/>
+          </p:cNvSpPr>
           <p:nvPr>
             <p:ph type="title" hasCustomPrompt="1"/>
           </p:nvPr>
@@ -2991,7 +3014,6 @@
           <a:bodyPr/>
           <a:lstStyle/>
           <a:p>
-            <a:pPr/>
             <a:r>
               <a:t>Slide Title</a:t>
             </a:r>
@@ -3001,7 +3023,9 @@
       <p:sp>
         <p:nvSpPr>
           <p:cNvPr id="73" name="Body Level One…"/>
-          <p:cNvSpPr txBox="1"/>
+          <p:cNvSpPr txBox="1">
+            <a:spLocks noGrp="1"/>
+          </p:cNvSpPr>
           <p:nvPr>
             <p:ph type="body" sz="half" idx="1" hasCustomPrompt="1"/>
           </p:nvPr>
@@ -3019,41 +3043,34 @@
           <a:bodyPr/>
           <a:lstStyle/>
           <a:p>
-            <a:pPr/>
             <a:r>
               <a:t>Slide bullet text</a:t>
             </a:r>
           </a:p>
           <a:p>
             <a:pPr lvl="1"/>
-            <a:r>
-              <a:t/>
-            </a:r>
+            <a:endParaRPr/>
           </a:p>
           <a:p>
             <a:pPr lvl="2"/>
-            <a:r>
-              <a:t/>
-            </a:r>
+            <a:endParaRPr/>
           </a:p>
           <a:p>
             <a:pPr lvl="3"/>
-            <a:r>
-              <a:t/>
-            </a:r>
+            <a:endParaRPr/>
           </a:p>
           <a:p>
             <a:pPr lvl="4"/>
-            <a:r>
-              <a:t/>
-            </a:r>
+            <a:endParaRPr/>
           </a:p>
         </p:txBody>
       </p:sp>
       <p:sp>
         <p:nvSpPr>
           <p:cNvPr id="74" name="Slide Number"/>
-          <p:cNvSpPr txBox="1"/>
+          <p:cNvSpPr txBox="1">
+            <a:spLocks noGrp="1"/>
+          </p:cNvSpPr>
           <p:nvPr>
             <p:ph type="sldNum" sz="quarter" idx="2"/>
           </p:nvPr>
@@ -3067,8 +3084,10 @@
           <a:bodyPr/>
           <a:lstStyle/>
           <a:p>
-            <a:pPr/>
-            <a:fld id="{86CB4B4D-7CA3-9044-876B-883B54F8677D}" type="slidenum"/>
+            <a:fld id="{86CB4B4D-7CA3-9044-876B-883B54F8677D}" type="slidenum">
+              <a:t>‹#›</a:t>
+            </a:fld>
+            <a:endParaRPr/>
           </a:p>
         </p:txBody>
       </p:sp>
@@ -3077,12 +3096,12 @@
   <p:clrMapOvr>
     <a:masterClrMapping/>
   </p:clrMapOvr>
-  <p:transition xmlns:p14="http://schemas.microsoft.com/office/powerpoint/2010/main" spd="med" advClick="1"/>
+  <p:transition spd="med"/>
 </p:sldLayout>
 </file>
 
 <file path=ppt/slideLayouts/slideLayout8.xml><?xml version="1.0" encoding="utf-8"?>
-<p:sldLayout xmlns:a="http://schemas.openxmlformats.org/drawingml/2006/main" xmlns:r="http://schemas.openxmlformats.org/officeDocument/2006/relationships" xmlns:p="http://schemas.openxmlformats.org/presentationml/2006/main" xmlns:m="http://schemas.openxmlformats.org/officeDocument/2006/math" xmlns:a14="http://schemas.microsoft.com/office/drawing/2010/main" type="tx" showMasterSp="1" showMasterPhAnim="1">
+<p:sldLayout xmlns:a="http://schemas.openxmlformats.org/drawingml/2006/main" xmlns:r="http://schemas.openxmlformats.org/officeDocument/2006/relationships" xmlns:p="http://schemas.openxmlformats.org/presentationml/2006/main" type="tx">
   <p:cSld name="Title, Bullets &amp; Live Video Large">
     <p:spTree>
       <p:nvGrpSpPr>
@@ -3101,7 +3120,9 @@
       <p:sp>
         <p:nvSpPr>
           <p:cNvPr id="81" name="Slide Subtitle"/>
-          <p:cNvSpPr txBox="1"/>
+          <p:cNvSpPr txBox="1">
+            <a:spLocks noGrp="1"/>
+          </p:cNvSpPr>
           <p:nvPr>
             <p:ph type="body" sz="quarter" idx="21" hasCustomPrompt="1"/>
           </p:nvPr>
@@ -3133,7 +3154,6 @@
             </a:lvl1pPr>
           </a:lstStyle>
           <a:p>
-            <a:pPr/>
             <a:r>
               <a:t>Slide Subtitle</a:t>
             </a:r>
@@ -3143,7 +3163,9 @@
       <p:sp>
         <p:nvSpPr>
           <p:cNvPr id="82" name="Slide Title"/>
-          <p:cNvSpPr txBox="1"/>
+          <p:cNvSpPr txBox="1">
+            <a:spLocks noGrp="1"/>
+          </p:cNvSpPr>
           <p:nvPr>
             <p:ph type="title" hasCustomPrompt="1"/>
           </p:nvPr>
@@ -3161,7 +3183,6 @@
           <a:bodyPr/>
           <a:lstStyle/>
           <a:p>
-            <a:pPr/>
             <a:r>
               <a:t>Slide Title</a:t>
             </a:r>
@@ -3171,7 +3192,9 @@
       <p:sp>
         <p:nvSpPr>
           <p:cNvPr id="83" name="Body Level One…"/>
-          <p:cNvSpPr txBox="1"/>
+          <p:cNvSpPr txBox="1">
+            <a:spLocks noGrp="1"/>
+          </p:cNvSpPr>
           <p:nvPr>
             <p:ph type="body" sz="half" idx="1" hasCustomPrompt="1"/>
           </p:nvPr>
@@ -3189,41 +3212,34 @@
           <a:bodyPr/>
           <a:lstStyle/>
           <a:p>
-            <a:pPr/>
             <a:r>
               <a:t>Slide bullet text</a:t>
             </a:r>
           </a:p>
           <a:p>
             <a:pPr lvl="1"/>
-            <a:r>
-              <a:t/>
-            </a:r>
+            <a:endParaRPr/>
           </a:p>
           <a:p>
             <a:pPr lvl="2"/>
-            <a:r>
-              <a:t/>
-            </a:r>
+            <a:endParaRPr/>
           </a:p>
           <a:p>
             <a:pPr lvl="3"/>
-            <a:r>
-              <a:t/>
-            </a:r>
+            <a:endParaRPr/>
           </a:p>
           <a:p>
             <a:pPr lvl="4"/>
-            <a:r>
-              <a:t/>
-            </a:r>
+            <a:endParaRPr/>
           </a:p>
         </p:txBody>
       </p:sp>
       <p:sp>
         <p:nvSpPr>
           <p:cNvPr id="84" name="Slide Number"/>
-          <p:cNvSpPr txBox="1"/>
+          <p:cNvSpPr txBox="1">
+            <a:spLocks noGrp="1"/>
+          </p:cNvSpPr>
           <p:nvPr>
             <p:ph type="sldNum" sz="quarter" idx="2"/>
           </p:nvPr>
@@ -3237,8 +3253,10 @@
           <a:bodyPr/>
           <a:lstStyle/>
           <a:p>
-            <a:pPr/>
-            <a:fld id="{86CB4B4D-7CA3-9044-876B-883B54F8677D}" type="slidenum"/>
+            <a:fld id="{86CB4B4D-7CA3-9044-876B-883B54F8677D}" type="slidenum">
+              <a:t>‹#›</a:t>
+            </a:fld>
+            <a:endParaRPr/>
           </a:p>
         </p:txBody>
       </p:sp>
@@ -3247,12 +3265,12 @@
   <p:clrMapOvr>
     <a:masterClrMapping/>
   </p:clrMapOvr>
-  <p:transition xmlns:p14="http://schemas.microsoft.com/office/powerpoint/2010/main" spd="med" advClick="1"/>
+  <p:transition spd="med"/>
 </p:sldLayout>
 </file>
 
 <file path=ppt/slideLayouts/slideLayout9.xml><?xml version="1.0" encoding="utf-8"?>
-<p:sldLayout xmlns:a="http://schemas.openxmlformats.org/drawingml/2006/main" xmlns:r="http://schemas.openxmlformats.org/officeDocument/2006/relationships" xmlns:p="http://schemas.openxmlformats.org/presentationml/2006/main" xmlns:m="http://schemas.openxmlformats.org/officeDocument/2006/math" xmlns:a14="http://schemas.microsoft.com/office/drawing/2010/main" type="tx" showMasterSp="1" showMasterPhAnim="1">
+<p:sldLayout xmlns:a="http://schemas.openxmlformats.org/drawingml/2006/main" xmlns:r="http://schemas.openxmlformats.org/officeDocument/2006/relationships" xmlns:p="http://schemas.openxmlformats.org/presentationml/2006/main" type="tx">
   <p:cSld name="Section">
     <p:spTree>
       <p:nvGrpSpPr>
@@ -3271,7 +3289,9 @@
       <p:sp>
         <p:nvSpPr>
           <p:cNvPr id="91" name="Section Title"/>
-          <p:cNvSpPr txBox="1"/>
+          <p:cNvSpPr txBox="1">
+            <a:spLocks noGrp="1"/>
+          </p:cNvSpPr>
           <p:nvPr>
             <p:ph type="title" hasCustomPrompt="1"/>
           </p:nvPr>
@@ -3289,11 +3309,10 @@
           <a:bodyPr anchor="ctr"/>
           <a:lstStyle>
             <a:lvl1pPr>
-              <a:defRPr spc="-119" sz="12000"/>
+              <a:defRPr sz="12000" spc="-119"/>
             </a:lvl1pPr>
           </a:lstStyle>
           <a:p>
-            <a:pPr/>
             <a:r>
               <a:t>Section Title</a:t>
             </a:r>
@@ -3303,7 +3322,9 @@
       <p:sp>
         <p:nvSpPr>
           <p:cNvPr id="92" name="Slide Number"/>
-          <p:cNvSpPr txBox="1"/>
+          <p:cNvSpPr txBox="1">
+            <a:spLocks noGrp="1"/>
+          </p:cNvSpPr>
           <p:nvPr>
             <p:ph type="sldNum" sz="quarter" idx="2"/>
           </p:nvPr>
@@ -3317,8 +3338,10 @@
           <a:bodyPr/>
           <a:lstStyle/>
           <a:p>
-            <a:pPr/>
-            <a:fld id="{86CB4B4D-7CA3-9044-876B-883B54F8677D}" type="slidenum"/>
+            <a:fld id="{86CB4B4D-7CA3-9044-876B-883B54F8677D}" type="slidenum">
+              <a:t>‹#›</a:t>
+            </a:fld>
+            <a:endParaRPr/>
           </a:p>
         </p:txBody>
       </p:sp>
@@ -3327,18 +3350,19 @@
   <p:clrMapOvr>
     <a:masterClrMapping/>
   </p:clrMapOvr>
-  <p:transition xmlns:p14="http://schemas.microsoft.com/office/powerpoint/2010/main" spd="med" advClick="1"/>
+  <p:transition spd="med"/>
 </p:sldLayout>
 </file>
 
 <file path=ppt/slideMasters/slideMaster1.xml><?xml version="1.0" encoding="utf-8"?>
-<p:sldMaster xmlns:a="http://schemas.openxmlformats.org/drawingml/2006/main" xmlns:r="http://schemas.openxmlformats.org/officeDocument/2006/relationships" xmlns:p="http://schemas.openxmlformats.org/presentationml/2006/main" xmlns:m="http://schemas.openxmlformats.org/officeDocument/2006/math" xmlns:a14="http://schemas.microsoft.com/office/drawing/2010/main">
+<p:sldMaster xmlns:a="http://schemas.openxmlformats.org/drawingml/2006/main" xmlns:r="http://schemas.openxmlformats.org/officeDocument/2006/relationships" xmlns:p="http://schemas.openxmlformats.org/presentationml/2006/main">
   <p:cSld>
     <p:bg>
       <p:bgPr>
         <a:solidFill>
           <a:srgbClr val="4B6079"/>
         </a:solidFill>
+        <a:effectLst/>
       </p:bgPr>
     </p:bg>
     <p:spTree>
@@ -3358,7 +3382,9 @@
       <p:sp>
         <p:nvSpPr>
           <p:cNvPr id="2" name="Slide Title"/>
-          <p:cNvSpPr txBox="1"/>
+          <p:cNvSpPr txBox="1">
+            <a:spLocks noGrp="1"/>
+          </p:cNvSpPr>
           <p:nvPr>
             <p:ph type="title" hasCustomPrompt="1"/>
           </p:nvPr>
@@ -3376,17 +3402,16 @@
           </a:ln>
           <a:extLst>
             <a:ext uri="{C572A759-6A51-4108-AA02-DFA0A04FC94B}">
-              <ma14:wrappingTextBoxFlag xmlns:ma14="http://schemas.microsoft.com/office/mac/drawingml/2011/main" val="1"/>
+              <ma14:wrappingTextBoxFlag xmlns:ma14="http://schemas.microsoft.com/office/mac/drawingml/2011/main" xmlns:a14="http://schemas.microsoft.com/office/drawing/2010/main" xmlns:m="http://schemas.openxmlformats.org/officeDocument/2006/math" xmlns="" val="1"/>
             </a:ext>
           </a:extLst>
         </p:spPr>
         <p:txBody>
           <a:bodyPr lIns="50800" tIns="50800" rIns="50800" bIns="50800">
-            <a:normAutofit fontScale="100000" lnSpcReduction="0"/>
+            <a:normAutofit/>
           </a:bodyPr>
           <a:lstStyle/>
           <a:p>
-            <a:pPr/>
             <a:r>
               <a:t>Slide Title</a:t>
             </a:r>
@@ -3396,7 +3421,9 @@
       <p:sp>
         <p:nvSpPr>
           <p:cNvPr id="3" name="Body Level One…"/>
-          <p:cNvSpPr txBox="1"/>
+          <p:cNvSpPr txBox="1">
+            <a:spLocks noGrp="1"/>
+          </p:cNvSpPr>
           <p:nvPr>
             <p:ph type="body" idx="1" hasCustomPrompt="1"/>
           </p:nvPr>
@@ -3414,51 +3441,44 @@
           </a:ln>
           <a:extLst>
             <a:ext uri="{C572A759-6A51-4108-AA02-DFA0A04FC94B}">
-              <ma14:wrappingTextBoxFlag xmlns:ma14="http://schemas.microsoft.com/office/mac/drawingml/2011/main" val="1"/>
+              <ma14:wrappingTextBoxFlag xmlns:ma14="http://schemas.microsoft.com/office/mac/drawingml/2011/main" xmlns:a14="http://schemas.microsoft.com/office/drawing/2010/main" xmlns:m="http://schemas.openxmlformats.org/officeDocument/2006/math" xmlns="" val="1"/>
             </a:ext>
           </a:extLst>
         </p:spPr>
         <p:txBody>
           <a:bodyPr lIns="50800" tIns="50800" rIns="50800" bIns="50800">
-            <a:normAutofit fontScale="100000" lnSpcReduction="0"/>
+            <a:normAutofit/>
           </a:bodyPr>
           <a:lstStyle/>
           <a:p>
-            <a:pPr/>
             <a:r>
               <a:t>Slide bullet text</a:t>
             </a:r>
           </a:p>
           <a:p>
             <a:pPr lvl="1"/>
-            <a:r>
-              <a:t/>
-            </a:r>
+            <a:endParaRPr/>
           </a:p>
           <a:p>
             <a:pPr lvl="2"/>
-            <a:r>
-              <a:t/>
-            </a:r>
+            <a:endParaRPr/>
           </a:p>
           <a:p>
             <a:pPr lvl="3"/>
-            <a:r>
-              <a:t/>
-            </a:r>
+            <a:endParaRPr/>
           </a:p>
           <a:p>
             <a:pPr lvl="4"/>
-            <a:r>
-              <a:t/>
-            </a:r>
+            <a:endParaRPr/>
           </a:p>
         </p:txBody>
       </p:sp>
       <p:sp>
         <p:nvSpPr>
           <p:cNvPr id="4" name="Slide Number"/>
-          <p:cNvSpPr txBox="1"/>
+          <p:cNvSpPr txBox="1">
+            <a:spLocks noGrp="1"/>
+          </p:cNvSpPr>
           <p:nvPr>
             <p:ph type="sldNum" sz="quarter" idx="2"/>
           </p:nvPr>
@@ -3493,8 +3513,10 @@
             </a:lvl1pPr>
           </a:lstStyle>
           <a:p>
-            <a:pPr/>
-            <a:fld id="{86CB4B4D-7CA3-9044-876B-883B54F8677D}" type="slidenum"/>
+            <a:fld id="{86CB4B4D-7CA3-9044-876B-883B54F8677D}" type="slidenum">
+              <a:t>‹#›</a:t>
+            </a:fld>
+            <a:endParaRPr/>
           </a:p>
         </p:txBody>
       </p:sp>
@@ -3502,25 +3524,25 @@
   </p:cSld>
   <p:clrMap bg1="dk1" tx1="lt1" bg2="dk2" tx2="lt2" accent1="accent1" accent2="accent2" accent3="accent3" accent4="accent4" accent5="accent5" accent6="accent6" hlink="hlink" folHlink="folHlink"/>
   <p:sldLayoutIdLst>
-    <p:sldLayoutId id="2147483649" r:id="rId2"/>
-    <p:sldLayoutId id="2147483650" r:id="rId3"/>
-    <p:sldLayoutId id="2147483651" r:id="rId4"/>
-    <p:sldLayoutId id="2147483652" r:id="rId5"/>
-    <p:sldLayoutId id="2147483653" r:id="rId6"/>
-    <p:sldLayoutId id="2147483654" r:id="rId7"/>
-    <p:sldLayoutId id="2147483655" r:id="rId8"/>
-    <p:sldLayoutId id="2147483656" r:id="rId9"/>
-    <p:sldLayoutId id="2147483657" r:id="rId10"/>
-    <p:sldLayoutId id="2147483658" r:id="rId11"/>
-    <p:sldLayoutId id="2147483659" r:id="rId12"/>
-    <p:sldLayoutId id="2147483660" r:id="rId13"/>
-    <p:sldLayoutId id="2147483661" r:id="rId14"/>
-    <p:sldLayoutId id="2147483662" r:id="rId15"/>
-    <p:sldLayoutId id="2147483663" r:id="rId16"/>
-    <p:sldLayoutId id="2147483664" r:id="rId17"/>
-    <p:sldLayoutId id="2147483665" r:id="rId18"/>
+    <p:sldLayoutId id="2147483649" r:id="rId1"/>
+    <p:sldLayoutId id="2147483650" r:id="rId2"/>
+    <p:sldLayoutId id="2147483651" r:id="rId3"/>
+    <p:sldLayoutId id="2147483652" r:id="rId4"/>
+    <p:sldLayoutId id="2147483653" r:id="rId5"/>
+    <p:sldLayoutId id="2147483654" r:id="rId6"/>
+    <p:sldLayoutId id="2147483655" r:id="rId7"/>
+    <p:sldLayoutId id="2147483656" r:id="rId8"/>
+    <p:sldLayoutId id="2147483657" r:id="rId9"/>
+    <p:sldLayoutId id="2147483658" r:id="rId10"/>
+    <p:sldLayoutId id="2147483659" r:id="rId11"/>
+    <p:sldLayoutId id="2147483660" r:id="rId12"/>
+    <p:sldLayoutId id="2147483661" r:id="rId13"/>
+    <p:sldLayoutId id="2147483662" r:id="rId14"/>
+    <p:sldLayoutId id="2147483663" r:id="rId15"/>
+    <p:sldLayoutId id="2147483664" r:id="rId16"/>
+    <p:sldLayoutId id="2147483665" r:id="rId17"/>
   </p:sldLayoutIdLst>
-  <p:transition xmlns:p14="http://schemas.microsoft.com/office/powerpoint/2010/main" spd="med" advClick="1"/>
+  <p:transition spd="med"/>
   <p:txStyles>
     <p:titleStyle>
       <a:lvl1pPr marL="0" marR="0" indent="0" algn="l" defTabSz="2438338" rtl="0" latinLnBrk="0">
@@ -3538,7 +3560,7 @@
         <a:buFontTx/>
         <a:buNone/>
         <a:tabLst/>
-        <a:defRPr b="0" baseline="0" cap="none" i="0" spc="-100" strike="noStrike" sz="10000" u="none">
+        <a:defRPr sz="10000" b="0" i="0" u="none" strike="noStrike" cap="none" spc="-100" baseline="0">
           <a:solidFill>
             <a:srgbClr val="FFFFFF"/>
           </a:solidFill>
@@ -3564,7 +3586,7 @@
         <a:buFontTx/>
         <a:buNone/>
         <a:tabLst/>
-        <a:defRPr b="0" baseline="0" cap="none" i="0" spc="-100" strike="noStrike" sz="10000" u="none">
+        <a:defRPr sz="10000" b="0" i="0" u="none" strike="noStrike" cap="none" spc="-100" baseline="0">
           <a:solidFill>
             <a:srgbClr val="FFFFFF"/>
           </a:solidFill>
@@ -3590,7 +3612,7 @@
         <a:buFontTx/>
         <a:buNone/>
         <a:tabLst/>
-        <a:defRPr b="0" baseline="0" cap="none" i="0" spc="-100" strike="noStrike" sz="10000" u="none">
+        <a:defRPr sz="10000" b="0" i="0" u="none" strike="noStrike" cap="none" spc="-100" baseline="0">
           <a:solidFill>
             <a:srgbClr val="FFFFFF"/>
           </a:solidFill>
@@ -3616,7 +3638,7 @@
         <a:buFontTx/>
         <a:buNone/>
         <a:tabLst/>
-        <a:defRPr b="0" baseline="0" cap="none" i="0" spc="-100" strike="noStrike" sz="10000" u="none">
+        <a:defRPr sz="10000" b="0" i="0" u="none" strike="noStrike" cap="none" spc="-100" baseline="0">
           <a:solidFill>
             <a:srgbClr val="FFFFFF"/>
           </a:solidFill>
@@ -3642,7 +3664,7 @@
         <a:buFontTx/>
         <a:buNone/>
         <a:tabLst/>
-        <a:defRPr b="0" baseline="0" cap="none" i="0" spc="-100" strike="noStrike" sz="10000" u="none">
+        <a:defRPr sz="10000" b="0" i="0" u="none" strike="noStrike" cap="none" spc="-100" baseline="0">
           <a:solidFill>
             <a:srgbClr val="FFFFFF"/>
           </a:solidFill>
@@ -3668,7 +3690,7 @@
         <a:buFontTx/>
         <a:buNone/>
         <a:tabLst/>
-        <a:defRPr b="0" baseline="0" cap="none" i="0" spc="-100" strike="noStrike" sz="10000" u="none">
+        <a:defRPr sz="10000" b="0" i="0" u="none" strike="noStrike" cap="none" spc="-100" baseline="0">
           <a:solidFill>
             <a:srgbClr val="FFFFFF"/>
           </a:solidFill>
@@ -3694,7 +3716,7 @@
         <a:buFontTx/>
         <a:buNone/>
         <a:tabLst/>
-        <a:defRPr b="0" baseline="0" cap="none" i="0" spc="-100" strike="noStrike" sz="10000" u="none">
+        <a:defRPr sz="10000" b="0" i="0" u="none" strike="noStrike" cap="none" spc="-100" baseline="0">
           <a:solidFill>
             <a:srgbClr val="FFFFFF"/>
           </a:solidFill>
@@ -3720,7 +3742,7 @@
         <a:buFontTx/>
         <a:buNone/>
         <a:tabLst/>
-        <a:defRPr b="0" baseline="0" cap="none" i="0" spc="-100" strike="noStrike" sz="10000" u="none">
+        <a:defRPr sz="10000" b="0" i="0" u="none" strike="noStrike" cap="none" spc="-100" baseline="0">
           <a:solidFill>
             <a:srgbClr val="FFFFFF"/>
           </a:solidFill>
@@ -3746,7 +3768,7 @@
         <a:buFontTx/>
         <a:buNone/>
         <a:tabLst/>
-        <a:defRPr b="0" baseline="0" cap="none" i="0" spc="-100" strike="noStrike" sz="10000" u="none">
+        <a:defRPr sz="10000" b="0" i="0" u="none" strike="noStrike" cap="none" spc="-100" baseline="0">
           <a:solidFill>
             <a:srgbClr val="FFFFFF"/>
           </a:solidFill>
@@ -3774,14 +3796,14 @@
         <a:buFontTx/>
         <a:buChar char="•"/>
         <a:tabLst/>
-        <a:defRPr b="0" baseline="0" cap="none" i="0" spc="0" strike="noStrike" sz="4000" u="none">
+        <a:defRPr sz="4000" b="0" i="0" u="none" strike="noStrike" cap="none" spc="0" baseline="0">
           <a:solidFill>
             <a:srgbClr val="FFFFFF"/>
           </a:solidFill>
           <a:uFillTx/>
-          <a:latin typeface="Graphik Light"/>
-          <a:ea typeface="Graphik Light"/>
-          <a:cs typeface="Graphik Light"/>
+          <a:latin typeface="Graphik-Light"/>
+          <a:ea typeface="Graphik-Light"/>
+          <a:cs typeface="Graphik-Light"/>
           <a:sym typeface="Graphik Light"/>
         </a:defRPr>
       </a:lvl1pPr>
@@ -3800,14 +3822,14 @@
         <a:buFontTx/>
         <a:buChar char="•"/>
         <a:tabLst/>
-        <a:defRPr b="0" baseline="0" cap="none" i="0" spc="0" strike="noStrike" sz="4000" u="none">
+        <a:defRPr sz="4000" b="0" i="0" u="none" strike="noStrike" cap="none" spc="0" baseline="0">
           <a:solidFill>
             <a:srgbClr val="FFFFFF"/>
           </a:solidFill>
           <a:uFillTx/>
-          <a:latin typeface="Graphik Light"/>
-          <a:ea typeface="Graphik Light"/>
-          <a:cs typeface="Graphik Light"/>
+          <a:latin typeface="Graphik-Light"/>
+          <a:ea typeface="Graphik-Light"/>
+          <a:cs typeface="Graphik-Light"/>
           <a:sym typeface="Graphik Light"/>
         </a:defRPr>
       </a:lvl2pPr>
@@ -3826,14 +3848,14 @@
         <a:buFontTx/>
         <a:buChar char="•"/>
         <a:tabLst/>
-        <a:defRPr b="0" baseline="0" cap="none" i="0" spc="0" strike="noStrike" sz="4000" u="none">
+        <a:defRPr sz="4000" b="0" i="0" u="none" strike="noStrike" cap="none" spc="0" baseline="0">
           <a:solidFill>
             <a:srgbClr val="FFFFFF"/>
           </a:solidFill>
           <a:uFillTx/>
-          <a:latin typeface="Graphik Light"/>
-          <a:ea typeface="Graphik Light"/>
-          <a:cs typeface="Graphik Light"/>
+          <a:latin typeface="Graphik-Light"/>
+          <a:ea typeface="Graphik-Light"/>
+          <a:cs typeface="Graphik-Light"/>
           <a:sym typeface="Graphik Light"/>
         </a:defRPr>
       </a:lvl3pPr>
@@ -3852,14 +3874,14 @@
         <a:buFontTx/>
         <a:buChar char="•"/>
         <a:tabLst/>
-        <a:defRPr b="0" baseline="0" cap="none" i="0" spc="0" strike="noStrike" sz="4000" u="none">
+        <a:defRPr sz="4000" b="0" i="0" u="none" strike="noStrike" cap="none" spc="0" baseline="0">
           <a:solidFill>
             <a:srgbClr val="FFFFFF"/>
           </a:solidFill>
           <a:uFillTx/>
-          <a:latin typeface="Graphik Light"/>
-          <a:ea typeface="Graphik Light"/>
-          <a:cs typeface="Graphik Light"/>
+          <a:latin typeface="Graphik-Light"/>
+          <a:ea typeface="Graphik-Light"/>
+          <a:cs typeface="Graphik-Light"/>
           <a:sym typeface="Graphik Light"/>
         </a:defRPr>
       </a:lvl4pPr>
@@ -3878,14 +3900,14 @@
         <a:buFontTx/>
         <a:buChar char="•"/>
         <a:tabLst/>
-        <a:defRPr b="0" baseline="0" cap="none" i="0" spc="0" strike="noStrike" sz="4000" u="none">
+        <a:defRPr sz="4000" b="0" i="0" u="none" strike="noStrike" cap="none" spc="0" baseline="0">
           <a:solidFill>
             <a:srgbClr val="FFFFFF"/>
           </a:solidFill>
           <a:uFillTx/>
-          <a:latin typeface="Graphik Light"/>
-          <a:ea typeface="Graphik Light"/>
-          <a:cs typeface="Graphik Light"/>
+          <a:latin typeface="Graphik-Light"/>
+          <a:ea typeface="Graphik-Light"/>
+          <a:cs typeface="Graphik-Light"/>
           <a:sym typeface="Graphik Light"/>
         </a:defRPr>
       </a:lvl5pPr>
@@ -3904,14 +3926,14 @@
         <a:buFontTx/>
         <a:buChar char="•"/>
         <a:tabLst/>
-        <a:defRPr b="0" baseline="0" cap="none" i="0" spc="0" strike="noStrike" sz="4000" u="none">
+        <a:defRPr sz="4000" b="0" i="0" u="none" strike="noStrike" cap="none" spc="0" baseline="0">
           <a:solidFill>
             <a:srgbClr val="FFFFFF"/>
           </a:solidFill>
           <a:uFillTx/>
-          <a:latin typeface="Graphik Light"/>
-          <a:ea typeface="Graphik Light"/>
-          <a:cs typeface="Graphik Light"/>
+          <a:latin typeface="Graphik-Light"/>
+          <a:ea typeface="Graphik-Light"/>
+          <a:cs typeface="Graphik-Light"/>
           <a:sym typeface="Graphik Light"/>
         </a:defRPr>
       </a:lvl6pPr>
@@ -3930,14 +3952,14 @@
         <a:buFontTx/>
         <a:buChar char="•"/>
         <a:tabLst/>
-        <a:defRPr b="0" baseline="0" cap="none" i="0" spc="0" strike="noStrike" sz="4000" u="none">
+        <a:defRPr sz="4000" b="0" i="0" u="none" strike="noStrike" cap="none" spc="0" baseline="0">
           <a:solidFill>
             <a:srgbClr val="FFFFFF"/>
           </a:solidFill>
           <a:uFillTx/>
-          <a:latin typeface="Graphik Light"/>
-          <a:ea typeface="Graphik Light"/>
-          <a:cs typeface="Graphik Light"/>
+          <a:latin typeface="Graphik-Light"/>
+          <a:ea typeface="Graphik-Light"/>
+          <a:cs typeface="Graphik-Light"/>
           <a:sym typeface="Graphik Light"/>
         </a:defRPr>
       </a:lvl7pPr>
@@ -3956,14 +3978,14 @@
         <a:buFontTx/>
         <a:buChar char="•"/>
         <a:tabLst/>
-        <a:defRPr b="0" baseline="0" cap="none" i="0" spc="0" strike="noStrike" sz="4000" u="none">
+        <a:defRPr sz="4000" b="0" i="0" u="none" strike="noStrike" cap="none" spc="0" baseline="0">
           <a:solidFill>
             <a:srgbClr val="FFFFFF"/>
           </a:solidFill>
           <a:uFillTx/>
-          <a:latin typeface="Graphik Light"/>
-          <a:ea typeface="Graphik Light"/>
-          <a:cs typeface="Graphik Light"/>
+          <a:latin typeface="Graphik-Light"/>
+          <a:ea typeface="Graphik-Light"/>
+          <a:cs typeface="Graphik-Light"/>
           <a:sym typeface="Graphik Light"/>
         </a:defRPr>
       </a:lvl8pPr>
@@ -3982,14 +4004,14 @@
         <a:buFontTx/>
         <a:buChar char="•"/>
         <a:tabLst/>
-        <a:defRPr b="0" baseline="0" cap="none" i="0" spc="0" strike="noStrike" sz="4000" u="none">
+        <a:defRPr sz="4000" b="0" i="0" u="none" strike="noStrike" cap="none" spc="0" baseline="0">
           <a:solidFill>
             <a:srgbClr val="FFFFFF"/>
           </a:solidFill>
           <a:uFillTx/>
-          <a:latin typeface="Graphik Light"/>
-          <a:ea typeface="Graphik Light"/>
-          <a:cs typeface="Graphik Light"/>
+          <a:latin typeface="Graphik-Light"/>
+          <a:ea typeface="Graphik-Light"/>
+          <a:cs typeface="Graphik-Light"/>
           <a:sym typeface="Graphik Light"/>
         </a:defRPr>
       </a:lvl9pPr>
@@ -4010,7 +4032,7 @@
         <a:buFontTx/>
         <a:buNone/>
         <a:tabLst/>
-        <a:defRPr b="0" baseline="0" cap="none" i="0" spc="0" strike="noStrike" sz="2000" u="none">
+        <a:defRPr sz="2000" b="0" i="0" u="none" strike="noStrike" cap="none" spc="0" baseline="0">
           <a:solidFill>
             <a:schemeClr val="tx1"/>
           </a:solidFill>
@@ -4036,7 +4058,7 @@
         <a:buFontTx/>
         <a:buNone/>
         <a:tabLst/>
-        <a:defRPr b="0" baseline="0" cap="none" i="0" spc="0" strike="noStrike" sz="2000" u="none">
+        <a:defRPr sz="2000" b="0" i="0" u="none" strike="noStrike" cap="none" spc="0" baseline="0">
           <a:solidFill>
             <a:schemeClr val="tx1"/>
           </a:solidFill>
@@ -4062,7 +4084,7 @@
         <a:buFontTx/>
         <a:buNone/>
         <a:tabLst/>
-        <a:defRPr b="0" baseline="0" cap="none" i="0" spc="0" strike="noStrike" sz="2000" u="none">
+        <a:defRPr sz="2000" b="0" i="0" u="none" strike="noStrike" cap="none" spc="0" baseline="0">
           <a:solidFill>
             <a:schemeClr val="tx1"/>
           </a:solidFill>
@@ -4088,7 +4110,7 @@
         <a:buFontTx/>
         <a:buNone/>
         <a:tabLst/>
-        <a:defRPr b="0" baseline="0" cap="none" i="0" spc="0" strike="noStrike" sz="2000" u="none">
+        <a:defRPr sz="2000" b="0" i="0" u="none" strike="noStrike" cap="none" spc="0" baseline="0">
           <a:solidFill>
             <a:schemeClr val="tx1"/>
           </a:solidFill>
@@ -4114,7 +4136,7 @@
         <a:buFontTx/>
         <a:buNone/>
         <a:tabLst/>
-        <a:defRPr b="0" baseline="0" cap="none" i="0" spc="0" strike="noStrike" sz="2000" u="none">
+        <a:defRPr sz="2000" b="0" i="0" u="none" strike="noStrike" cap="none" spc="0" baseline="0">
           <a:solidFill>
             <a:schemeClr val="tx1"/>
           </a:solidFill>
@@ -4140,7 +4162,7 @@
         <a:buFontTx/>
         <a:buNone/>
         <a:tabLst/>
-        <a:defRPr b="0" baseline="0" cap="none" i="0" spc="0" strike="noStrike" sz="2000" u="none">
+        <a:defRPr sz="2000" b="0" i="0" u="none" strike="noStrike" cap="none" spc="0" baseline="0">
           <a:solidFill>
             <a:schemeClr val="tx1"/>
           </a:solidFill>
@@ -4166,7 +4188,7 @@
         <a:buFontTx/>
         <a:buNone/>
         <a:tabLst/>
-        <a:defRPr b="0" baseline="0" cap="none" i="0" spc="0" strike="noStrike" sz="2000" u="none">
+        <a:defRPr sz="2000" b="0" i="0" u="none" strike="noStrike" cap="none" spc="0" baseline="0">
           <a:solidFill>
             <a:schemeClr val="tx1"/>
           </a:solidFill>
@@ -4192,7 +4214,7 @@
         <a:buFontTx/>
         <a:buNone/>
         <a:tabLst/>
-        <a:defRPr b="0" baseline="0" cap="none" i="0" spc="0" strike="noStrike" sz="2000" u="none">
+        <a:defRPr sz="2000" b="0" i="0" u="none" strike="noStrike" cap="none" spc="0" baseline="0">
           <a:solidFill>
             <a:schemeClr val="tx1"/>
           </a:solidFill>
@@ -4218,7 +4240,7 @@
         <a:buFontTx/>
         <a:buNone/>
         <a:tabLst/>
-        <a:defRPr b="0" baseline="0" cap="none" i="0" spc="0" strike="noStrike" sz="2000" u="none">
+        <a:defRPr sz="2000" b="0" i="0" u="none" strike="noStrike" cap="none" spc="0" baseline="0">
           <a:solidFill>
             <a:schemeClr val="tx1"/>
           </a:solidFill>
@@ -4235,7 +4257,7 @@
 </file>
 
 <file path=ppt/slides/slide1.xml><?xml version="1.0" encoding="utf-8"?>
-<p:sld xmlns:a="http://schemas.openxmlformats.org/drawingml/2006/main" xmlns:r="http://schemas.openxmlformats.org/officeDocument/2006/relationships" xmlns:p="http://schemas.openxmlformats.org/presentationml/2006/main" xmlns:m="http://schemas.openxmlformats.org/officeDocument/2006/math" xmlns:a14="http://schemas.microsoft.com/office/drawing/2010/main" showMasterSp="1" showMasterPhAnim="1">
+<p:sld xmlns:a="http://schemas.openxmlformats.org/drawingml/2006/main" xmlns:r="http://schemas.openxmlformats.org/officeDocument/2006/relationships" xmlns:p="http://schemas.openxmlformats.org/presentationml/2006/main">
   <p:cSld>
     <p:spTree>
       <p:nvGrpSpPr>
@@ -4254,7 +4276,9 @@
       <p:sp>
         <p:nvSpPr>
           <p:cNvPr id="171" name="Kwong Brian (April 29th 2025)"/>
-          <p:cNvSpPr txBox="1"/>
+          <p:cNvSpPr txBox="1">
+            <a:spLocks noGrp="1"/>
+          </p:cNvSpPr>
           <p:nvPr>
             <p:ph type="body" idx="21"/>
           </p:nvPr>
@@ -4265,7 +4289,7 @@
           </a:prstGeom>
           <a:extLst>
             <a:ext uri="{C572A759-6A51-4108-AA02-DFA0A04FC94B}">
-              <ma14:wrappingTextBoxFlag xmlns:ma14="http://schemas.microsoft.com/office/mac/drawingml/2011/main" val="1"/>
+              <ma14:wrappingTextBoxFlag xmlns:ma14="http://schemas.microsoft.com/office/mac/drawingml/2011/main" xmlns:a14="http://schemas.microsoft.com/office/drawing/2010/main" xmlns:m="http://schemas.openxmlformats.org/officeDocument/2006/math" xmlns="" val="1"/>
             </a:ext>
           </a:extLst>
         </p:spPr>
@@ -4273,7 +4297,6 @@
           <a:bodyPr/>
           <a:lstStyle/>
           <a:p>
-            <a:pPr/>
             <a:r>
               <a:t>Kwong Brian (April 29th 2025)</a:t>
             </a:r>
@@ -4283,7 +4306,9 @@
       <p:sp>
         <p:nvSpPr>
           <p:cNvPr id="172" name="Breaking out of Global Dependencies, Import Dependencies and Nested Inheritance Dependencies"/>
-          <p:cNvSpPr txBox="1"/>
+          <p:cNvSpPr txBox="1">
+            <a:spLocks noGrp="1"/>
+          </p:cNvSpPr>
           <p:nvPr>
             <p:ph type="subTitle" sz="quarter" idx="1"/>
           </p:nvPr>
@@ -4297,9 +4322,9 @@
           <a:bodyPr/>
           <a:lstStyle/>
           <a:p>
-            <a:pPr/>
             <a:r>
-              <a:t>Breaking out of Global Dependencies, Import Dependencies and Nested Inheritance Dependencies </a:t>
+              <a:rPr lang="en-US" dirty="0"/>
+              <a:t>Breaking out of Global Dependencies, Import Dependencies, and Nested Inheritance Dependencies </a:t>
             </a:r>
           </a:p>
         </p:txBody>
@@ -4307,7 +4332,9 @@
       <p:sp>
         <p:nvSpPr>
           <p:cNvPr id="173" name="WELC Chapter 9…"/>
-          <p:cNvSpPr txBox="1"/>
+          <p:cNvSpPr txBox="1">
+            <a:spLocks noGrp="1"/>
+          </p:cNvSpPr>
           <p:nvPr>
             <p:ph type="ctrTitle"/>
           </p:nvPr>
@@ -4321,13 +4348,11 @@
           <a:bodyPr/>
           <a:lstStyle/>
           <a:p>
-            <a:pPr/>
             <a:r>
               <a:t>WELC Chapter 9 </a:t>
             </a:r>
           </a:p>
           <a:p>
-            <a:pPr/>
             <a:r>
               <a:t>(Breaking Dependencies) p2</a:t>
             </a:r>
@@ -4339,12 +4364,12 @@
   <p:clrMapOvr>
     <a:masterClrMapping/>
   </p:clrMapOvr>
-  <p:transition xmlns:p14="http://schemas.microsoft.com/office/powerpoint/2010/main" spd="med" advClick="1"/>
+  <p:transition spd="med"/>
 </p:sld>
 </file>
 
 <file path=ppt/slides/slide10.xml><?xml version="1.0" encoding="utf-8"?>
-<p:sld xmlns:a="http://schemas.openxmlformats.org/drawingml/2006/main" xmlns:r="http://schemas.openxmlformats.org/officeDocument/2006/relationships" xmlns:p="http://schemas.openxmlformats.org/presentationml/2006/main" xmlns:m="http://schemas.openxmlformats.org/officeDocument/2006/math" xmlns:a14="http://schemas.microsoft.com/office/drawing/2010/main" showMasterSp="1" showMasterPhAnim="1">
+<p:sld xmlns:a="http://schemas.openxmlformats.org/drawingml/2006/main" xmlns:r="http://schemas.openxmlformats.org/officeDocument/2006/relationships" xmlns:p="http://schemas.openxmlformats.org/presentationml/2006/main">
   <p:cSld>
     <p:spTree>
       <p:nvGrpSpPr>
@@ -4369,10 +4394,8 @@
           <p:nvPr/>
         </p:nvPicPr>
         <p:blipFill>
-          <a:blip r:embed="rId2">
-            <a:extLst/>
-          </a:blip>
-          <a:srcRect l="2333" t="10081" r="0" b="0"/>
+          <a:blip r:embed="rId2"/>
+          <a:srcRect l="2333" t="10081"/>
           <a:stretch>
             <a:fillRect/>
           </a:stretch>
@@ -4393,7 +4416,9 @@
       <p:sp>
         <p:nvSpPr>
           <p:cNvPr id="207" name="Alias Parameters"/>
-          <p:cNvSpPr txBox="1"/>
+          <p:cNvSpPr txBox="1">
+            <a:spLocks noGrp="1"/>
+          </p:cNvSpPr>
           <p:nvPr>
             <p:ph type="title"/>
           </p:nvPr>
@@ -4407,11 +4432,10 @@
           <a:bodyPr/>
           <a:lstStyle>
             <a:lvl1pPr defTabSz="2316421">
-              <a:defRPr spc="-95" sz="9500"/>
+              <a:defRPr sz="9500" spc="-95"/>
             </a:lvl1pPr>
           </a:lstStyle>
           <a:p>
-            <a:pPr/>
             <a:r>
               <a:t>Alias Parameters </a:t>
             </a:r>
@@ -4421,7 +4445,9 @@
       <p:sp>
         <p:nvSpPr>
           <p:cNvPr id="208" name="An alias parameter is a parameter that is changed inside the method or different variants of a parameter are used depending on non-controllable conditional logic/factors.…"/>
-          <p:cNvSpPr txBox="1"/>
+          <p:cNvSpPr txBox="1">
+            <a:spLocks noGrp="1"/>
+          </p:cNvSpPr>
           <p:nvPr>
             <p:ph type="body" sz="half" idx="1"/>
           </p:nvPr>
@@ -4474,7 +4500,7 @@
             </a:r>
           </a:p>
           <a:p>
-            <a:pPr lvl="3" marL="1682495" indent="-420623" defTabSz="2243271">
+            <a:pPr marL="1682495" lvl="3" indent="-420623" defTabSz="2243271">
               <a:spcBef>
                 <a:spcPts val="4300"/>
               </a:spcBef>
@@ -4485,7 +4511,7 @@
             </a:r>
           </a:p>
           <a:p>
-            <a:pPr lvl="4" marL="2103120" indent="-420623" defTabSz="2243271">
+            <a:pPr marL="2103120" lvl="4" indent="-420623" defTabSz="2243271">
               <a:spcBef>
                 <a:spcPts val="4300"/>
               </a:spcBef>
@@ -4496,7 +4522,7 @@
             </a:r>
           </a:p>
           <a:p>
-            <a:pPr lvl="4" marL="2103120" indent="-420623" defTabSz="2243271">
+            <a:pPr marL="2103120" lvl="4" indent="-420623" defTabSz="2243271">
               <a:spcBef>
                 <a:spcPts val="4300"/>
               </a:spcBef>
@@ -4537,9 +4563,7 @@
           <p:nvPr/>
         </p:nvPicPr>
         <p:blipFill>
-          <a:blip r:embed="rId3">
-            <a:extLst/>
-          </a:blip>
+          <a:blip r:embed="rId3"/>
           <a:stretch>
             <a:fillRect/>
           </a:stretch>
@@ -4562,13 +4586,13 @@
   <p:clrMapOvr>
     <a:masterClrMapping/>
   </p:clrMapOvr>
-  <mc:AlternateContent xmlns:mc="http://schemas.openxmlformats.org/markup-compatibility/2006">
-    <mc:Choice xmlns:p14="http://schemas.microsoft.com/office/powerpoint/2010/main" Requires="p14">
-      <p:transition spd="slow" advClick="1" p14:dur="1500">
+  <mc:AlternateContent xmlns:mc="http://schemas.openxmlformats.org/markup-compatibility/2006" xmlns:p14="http://schemas.microsoft.com/office/powerpoint/2010/main">
+    <mc:Choice Requires="p14">
+      <p:transition spd="slow" p14:dur="1500">
         <p:push dir="u"/>
       </p:transition>
     </mc:Choice>
-    <mc:Fallback>
+    <mc:Fallback xmlns:a14="http://schemas.microsoft.com/office/drawing/2010/main" xmlns:m="http://schemas.openxmlformats.org/officeDocument/2006/math" xmlns="">
       <p:transition spd="slow">
         <p:fade/>
       </p:transition>
@@ -4577,16 +4601,16 @@
   <p:timing>
     <p:tnLst>
       <p:par>
-        <p:cTn id="1" nodeType="tmRoot" restart="never" dur="indefinite" fill="hold">
+        <p:cTn id="1" dur="indefinite" restart="never" fill="hold" nodeType="tmRoot">
           <p:childTnLst>
             <p:seq concurrent="1" prevAc="none" nextAc="seek">
-              <p:cTn id="2" nodeType="mainSeq" dur="indefinite" fill="hold">
+              <p:cTn id="2" dur="indefinite" fill="hold" nodeType="mainSeq">
                 <p:childTnLst>
                   <p:par>
                     <p:cTn id="3" fill="hold">
                       <p:stCondLst>
                         <p:cond delay="indefinite"/>
-                        <p:cond evt="onBegin">
+                        <p:cond evt="onBegin" delay="0">
                           <p:tn val="2"/>
                         </p:cond>
                       </p:stCondLst>
@@ -4598,11 +4622,11 @@
                             </p:stCondLst>
                             <p:childTnLst>
                               <p:par>
-                                <p:cTn id="5" presetClass="entr" nodeType="afterEffect" presetSubtype="9" presetID="15" grpId="1" fill="hold">
+                                <p:cTn id="5" presetID="15" presetClass="entr" presetSubtype="9" fill="hold" grpId="1" nodeType="afterEffect">
                                   <p:stCondLst>
                                     <p:cond delay="0"/>
                                   </p:stCondLst>
-                                  <p:iterate type="el" backwards="0">
+                                  <p:iterate>
                                     <p:tmAbs val="0"/>
                                   </p:iterate>
                                   <p:childTnLst>
@@ -4726,11 +4750,11 @@
                                 </p:cTn>
                               </p:par>
                               <p:par>
-                                <p:cTn id="11" presetClass="entr" nodeType="withEffect" presetSubtype="9" presetID="15" grpId="1" fill="hold">
+                                <p:cTn id="11" presetID="15" presetClass="entr" presetSubtype="9" fill="hold" grpId="1" nodeType="withEffect">
                                   <p:stCondLst>
                                     <p:cond delay="0"/>
                                   </p:stCondLst>
-                                  <p:iterate type="el" backwards="0">
+                                  <p:iterate>
                                     <p:tmAbs val="0"/>
                                   </p:iterate>
                                   <p:childTnLst>
@@ -4873,11 +4897,11 @@
                             </p:stCondLst>
                             <p:childTnLst>
                               <p:par>
-                                <p:cTn id="18" presetClass="entr" nodeType="afterEffect" presetSubtype="9" presetID="15" grpId="1" fill="hold">
+                                <p:cTn id="18" presetID="15" presetClass="entr" presetSubtype="9" fill="hold" grpId="1" nodeType="afterEffect">
                                   <p:stCondLst>
                                     <p:cond delay="0"/>
                                   </p:stCondLst>
-                                  <p:iterate type="el" backwards="0">
+                                  <p:iterate>
                                     <p:tmAbs val="0"/>
                                   </p:iterate>
                                   <p:childTnLst>
@@ -5020,11 +5044,11 @@
                             </p:stCondLst>
                             <p:childTnLst>
                               <p:par>
-                                <p:cTn id="25" presetClass="entr" nodeType="afterEffect" presetSubtype="9" presetID="15" grpId="1" fill="hold">
+                                <p:cTn id="25" presetID="15" presetClass="entr" presetSubtype="9" fill="hold" grpId="1" nodeType="afterEffect">
                                   <p:stCondLst>
                                     <p:cond delay="0"/>
                                   </p:stCondLst>
-                                  <p:iterate type="el" backwards="0">
+                                  <p:iterate>
                                     <p:tmAbs val="0"/>
                                   </p:iterate>
                                   <p:childTnLst>
@@ -5167,11 +5191,11 @@
                             </p:stCondLst>
                             <p:childTnLst>
                               <p:par>
-                                <p:cTn id="32" presetClass="entr" nodeType="afterEffect" presetSubtype="9" presetID="15" grpId="1" fill="hold">
+                                <p:cTn id="32" presetID="15" presetClass="entr" presetSubtype="9" fill="hold" grpId="1" nodeType="afterEffect">
                                   <p:stCondLst>
                                     <p:cond delay="0"/>
                                   </p:stCondLst>
-                                  <p:iterate type="el" backwards="0">
+                                  <p:iterate>
                                     <p:tmAbs val="0"/>
                                   </p:iterate>
                                   <p:childTnLst>
@@ -5314,11 +5338,11 @@
                             </p:stCondLst>
                             <p:childTnLst>
                               <p:par>
-                                <p:cTn id="39" presetClass="entr" nodeType="afterEffect" presetSubtype="9" presetID="15" grpId="1" fill="hold">
+                                <p:cTn id="39" presetID="15" presetClass="entr" presetSubtype="9" fill="hold" grpId="1" nodeType="afterEffect">
                                   <p:stCondLst>
                                     <p:cond delay="0"/>
                                   </p:stCondLst>
-                                  <p:iterate type="el" backwards="0">
+                                  <p:iterate>
                                     <p:tmAbs val="0"/>
                                   </p:iterate>
                                   <p:childTnLst>
@@ -5461,11 +5485,11 @@
                             </p:stCondLst>
                             <p:childTnLst>
                               <p:par>
-                                <p:cTn id="46" presetClass="entr" nodeType="afterEffect" presetID="10" grpId="2" fill="hold">
+                                <p:cTn id="46" presetID="10" presetClass="entr" fill="hold" grpId="2" nodeType="afterEffect">
                                   <p:stCondLst>
                                     <p:cond delay="0"/>
                                   </p:stCondLst>
-                                  <p:iterate type="el" backwards="0">
+                                  <p:iterate>
                                     <p:tmAbs val="0"/>
                                   </p:iterate>
                                   <p:childTnLst>
@@ -5483,7 +5507,7 @@
                                         <p:strVal val="visible"/>
                                       </p:to>
                                     </p:set>
-                                    <p:animEffect filter="fade" transition="in">
+                                    <p:animEffect transition="in" filter="fade">
                                       <p:cBhvr>
                                         <p:cTn id="48" dur="1000"/>
                                         <p:tgtEl>
@@ -5504,11 +5528,11 @@
                             </p:stCondLst>
                             <p:childTnLst>
                               <p:par>
-                                <p:cTn id="50" presetClass="entr" nodeType="afterEffect" presetID="10" grpId="3" fill="hold">
+                                <p:cTn id="50" presetID="10" presetClass="entr" fill="hold" grpId="3" nodeType="afterEffect">
                                   <p:stCondLst>
                                     <p:cond delay="0"/>
                                   </p:stCondLst>
-                                  <p:iterate type="el" backwards="0">
+                                  <p:iterate>
                                     <p:tmAbs val="0"/>
                                   </p:iterate>
                                   <p:childTnLst>
@@ -5526,7 +5550,7 @@
                                         <p:strVal val="visible"/>
                                       </p:to>
                                     </p:set>
-                                    <p:animEffect filter="fade" transition="in">
+                                    <p:animEffect transition="in" filter="fade">
                                       <p:cBhvr>
                                         <p:cTn id="52" dur="1000"/>
                                         <p:tgtEl>
@@ -5546,14 +5570,14 @@
                 </p:childTnLst>
               </p:cTn>
               <p:prevCondLst>
-                <p:cond evt="onPrev">
+                <p:cond evt="onPrev" delay="0">
                   <p:tgtEl>
                     <p:sldTgt/>
                   </p:tgtEl>
                 </p:cond>
               </p:prevCondLst>
               <p:nextCondLst>
-                <p:cond evt="onNext">
+                <p:cond evt="onNext" delay="0">
                   <p:tgtEl>
                     <p:sldTgt/>
                   </p:tgtEl>
@@ -5565,16 +5589,16 @@
       </p:par>
     </p:tnLst>
     <p:bldLst>
-      <p:bldP build="whole" bldLvl="1" animBg="1" rev="0" advAuto="0" spid="206" grpId="2"/>
-      <p:bldP build="p" bldLvl="5" animBg="1" rev="0" advAuto="0" spid="208" grpId="1"/>
-      <p:bldP build="whole" bldLvl="1" animBg="1" rev="0" advAuto="0" spid="209" grpId="3"/>
+      <p:bldP spid="206" grpId="2" animBg="1" advAuto="0"/>
+      <p:bldP spid="208" grpId="1" build="p" bldLvl="5" animBg="1" advAuto="0"/>
+      <p:bldP spid="209" grpId="3" animBg="1" advAuto="0"/>
     </p:bldLst>
   </p:timing>
 </p:sld>
 </file>
 
 <file path=ppt/slides/slide11.xml><?xml version="1.0" encoding="utf-8"?>
-<p:sld xmlns:a="http://schemas.openxmlformats.org/drawingml/2006/main" xmlns:r="http://schemas.openxmlformats.org/officeDocument/2006/relationships" xmlns:p="http://schemas.openxmlformats.org/presentationml/2006/main" xmlns:m="http://schemas.openxmlformats.org/officeDocument/2006/math" xmlns:a14="http://schemas.microsoft.com/office/drawing/2010/main" showMasterSp="1" showMasterPhAnim="1">
+<p:sld xmlns:a="http://schemas.openxmlformats.org/drawingml/2006/main" xmlns:r="http://schemas.openxmlformats.org/officeDocument/2006/relationships" xmlns:p="http://schemas.openxmlformats.org/presentationml/2006/main">
   <p:cSld>
     <p:spTree>
       <p:nvGrpSpPr>
@@ -5593,7 +5617,9 @@
       <p:sp>
         <p:nvSpPr>
           <p:cNvPr id="211" name="Resolving Onion and Alias Parameters"/>
-          <p:cNvSpPr txBox="1"/>
+          <p:cNvSpPr txBox="1">
+            <a:spLocks noGrp="1"/>
+          </p:cNvSpPr>
           <p:nvPr>
             <p:ph type="title"/>
           </p:nvPr>
@@ -5607,11 +5633,10 @@
           <a:bodyPr/>
           <a:lstStyle>
             <a:lvl1pPr defTabSz="2316421">
-              <a:defRPr spc="-95" sz="9500"/>
+              <a:defRPr sz="9500" spc="-95"/>
             </a:lvl1pPr>
           </a:lstStyle>
           <a:p>
-            <a:pPr/>
             <a:r>
               <a:t>Resolving Onion and Alias Parameters</a:t>
             </a:r>
@@ -5621,7 +5646,9 @@
       <p:sp>
         <p:nvSpPr>
           <p:cNvPr id="212" name="Non-necessary Parameters :…"/>
-          <p:cNvSpPr txBox="1"/>
+          <p:cNvSpPr txBox="1">
+            <a:spLocks noGrp="1"/>
+          </p:cNvSpPr>
           <p:nvPr>
             <p:ph type="body" sz="half" idx="1"/>
           </p:nvPr>
@@ -5650,7 +5677,7 @@
             </a:r>
           </a:p>
           <a:p>
-            <a:pPr lvl="1" marL="667512" indent="-333756" defTabSz="1779987">
+            <a:pPr marL="667512" lvl="1" indent="-333756" defTabSz="1779987">
               <a:spcBef>
                 <a:spcPts val="3400"/>
               </a:spcBef>
@@ -5672,7 +5699,7 @@
             </a:r>
           </a:p>
           <a:p>
-            <a:pPr lvl="1" marL="667512" indent="-333756" defTabSz="1779987">
+            <a:pPr marL="667512" lvl="1" indent="-333756" defTabSz="1779987">
               <a:spcBef>
                 <a:spcPts val="3400"/>
               </a:spcBef>
@@ -5683,7 +5710,7 @@
             </a:r>
           </a:p>
           <a:p>
-            <a:pPr lvl="1" marL="667512" indent="-333756" defTabSz="1779987">
+            <a:pPr marL="667512" lvl="1" indent="-333756" defTabSz="1779987">
               <a:spcBef>
                 <a:spcPts val="3400"/>
               </a:spcBef>
@@ -5694,7 +5721,7 @@
             </a:r>
           </a:p>
           <a:p>
-            <a:pPr lvl="1" marL="667512" indent="-333756" defTabSz="1779987">
+            <a:pPr marL="667512" lvl="1" indent="-333756" defTabSz="1779987">
               <a:spcBef>
                 <a:spcPts val="3400"/>
               </a:spcBef>
@@ -5705,7 +5732,7 @@
             </a:r>
           </a:p>
           <a:p>
-            <a:pPr lvl="1" marL="667512" indent="-333756" defTabSz="1779987">
+            <a:pPr marL="667512" lvl="1" indent="-333756" defTabSz="1779987">
               <a:spcBef>
                 <a:spcPts val="3400"/>
               </a:spcBef>
@@ -5727,7 +5754,7 @@
             </a:r>
           </a:p>
           <a:p>
-            <a:pPr lvl="1" marL="667512" indent="-333756" defTabSz="1779987">
+            <a:pPr marL="667512" lvl="1" indent="-333756" defTabSz="1779987">
               <a:spcBef>
                 <a:spcPts val="3400"/>
               </a:spcBef>
@@ -5738,7 +5765,7 @@
             </a:r>
           </a:p>
           <a:p>
-            <a:pPr lvl="1" marL="667512" indent="-333756" defTabSz="1779987">
+            <a:pPr marL="667512" lvl="1" indent="-333756" defTabSz="1779987">
               <a:spcBef>
                 <a:spcPts val="3400"/>
               </a:spcBef>
@@ -5759,9 +5786,7 @@
           <p:nvPr/>
         </p:nvPicPr>
         <p:blipFill>
-          <a:blip r:embed="rId2">
-            <a:extLst/>
-          </a:blip>
+          <a:blip r:embed="rId2"/>
           <a:stretch>
             <a:fillRect/>
           </a:stretch>
@@ -5784,13 +5809,13 @@
   <p:clrMapOvr>
     <a:masterClrMapping/>
   </p:clrMapOvr>
-  <mc:AlternateContent xmlns:mc="http://schemas.openxmlformats.org/markup-compatibility/2006">
-    <mc:Choice xmlns:p14="http://schemas.microsoft.com/office/powerpoint/2010/main" Requires="p14">
-      <p:transition spd="slow" advClick="1" p14:dur="1500">
+  <mc:AlternateContent xmlns:mc="http://schemas.openxmlformats.org/markup-compatibility/2006" xmlns:p14="http://schemas.microsoft.com/office/powerpoint/2010/main">
+    <mc:Choice Requires="p14">
+      <p:transition spd="slow" p14:dur="1500">
         <p:push dir="u"/>
       </p:transition>
     </mc:Choice>
-    <mc:Fallback>
+    <mc:Fallback xmlns:a14="http://schemas.microsoft.com/office/drawing/2010/main" xmlns:m="http://schemas.openxmlformats.org/officeDocument/2006/math" xmlns="">
       <p:transition spd="slow">
         <p:fade/>
       </p:transition>
@@ -5799,16 +5824,16 @@
   <p:timing>
     <p:tnLst>
       <p:par>
-        <p:cTn id="1" nodeType="tmRoot" restart="never" dur="indefinite" fill="hold">
+        <p:cTn id="1" dur="indefinite" restart="never" fill="hold" nodeType="tmRoot">
           <p:childTnLst>
             <p:seq concurrent="1" prevAc="none" nextAc="seek">
-              <p:cTn id="2" nodeType="mainSeq" dur="indefinite" fill="hold">
+              <p:cTn id="2" dur="indefinite" fill="hold" nodeType="mainSeq">
                 <p:childTnLst>
                   <p:par>
                     <p:cTn id="3" fill="hold">
                       <p:stCondLst>
                         <p:cond delay="indefinite"/>
-                        <p:cond evt="onBegin">
+                        <p:cond evt="onBegin" delay="0">
                           <p:tn val="2"/>
                         </p:cond>
                       </p:stCondLst>
@@ -5820,11 +5845,11 @@
                             </p:stCondLst>
                             <p:childTnLst>
                               <p:par>
-                                <p:cTn id="5" presetClass="entr" nodeType="afterEffect" presetSubtype="8" presetID="2" grpId="1" fill="hold">
+                                <p:cTn id="5" presetID="2" presetClass="entr" presetSubtype="8" fill="hold" grpId="1" nodeType="afterEffect">
                                   <p:stCondLst>
                                     <p:cond delay="0"/>
                                   </p:stCondLst>
-                                  <p:iterate type="lt" backwards="0">
+                                  <p:iterate type="lt">
                                     <p:tmAbs val="0"/>
                                   </p:iterate>
                                   <p:childTnLst>
@@ -5898,11 +5923,11 @@
                                 </p:cTn>
                               </p:par>
                               <p:par>
-                                <p:cTn id="9" presetClass="entr" nodeType="withEffect" presetSubtype="8" presetID="2" grpId="1" fill="hold">
+                                <p:cTn id="9" presetID="2" presetClass="entr" presetSubtype="8" fill="hold" grpId="1" nodeType="withEffect">
                                   <p:stCondLst>
                                     <p:cond delay="0"/>
                                   </p:stCondLst>
-                                  <p:iterate type="lt" backwards="0">
+                                  <p:iterate type="lt">
                                     <p:tmAbs val="0"/>
                                   </p:iterate>
                                   <p:childTnLst>
@@ -5991,11 +6016,11 @@
                             </p:stCondLst>
                             <p:childTnLst>
                               <p:par>
-                                <p:cTn id="14" presetClass="entr" nodeType="afterEffect" presetSubtype="8" presetID="2" grpId="1" fill="hold">
+                                <p:cTn id="14" presetID="2" presetClass="entr" presetSubtype="8" fill="hold" grpId="1" nodeType="afterEffect">
                                   <p:stCondLst>
                                     <p:cond delay="0"/>
                                   </p:stCondLst>
-                                  <p:iterate type="lt" backwards="0">
+                                  <p:iterate type="lt">
                                     <p:tmAbs val="0"/>
                                   </p:iterate>
                                   <p:childTnLst>
@@ -6084,11 +6109,11 @@
                             </p:stCondLst>
                             <p:childTnLst>
                               <p:par>
-                                <p:cTn id="19" presetClass="entr" nodeType="afterEffect" presetSubtype="8" presetID="2" grpId="1" fill="hold">
+                                <p:cTn id="19" presetID="2" presetClass="entr" presetSubtype="8" fill="hold" grpId="1" nodeType="afterEffect">
                                   <p:stCondLst>
                                     <p:cond delay="0"/>
                                   </p:stCondLst>
-                                  <p:iterate type="lt" backwards="0">
+                                  <p:iterate type="lt">
                                     <p:tmAbs val="0"/>
                                   </p:iterate>
                                   <p:childTnLst>
@@ -6177,11 +6202,11 @@
                             </p:stCondLst>
                             <p:childTnLst>
                               <p:par>
-                                <p:cTn id="24" presetClass="entr" nodeType="afterEffect" presetSubtype="8" presetID="2" grpId="1" fill="hold">
+                                <p:cTn id="24" presetID="2" presetClass="entr" presetSubtype="8" fill="hold" grpId="1" nodeType="afterEffect">
                                   <p:stCondLst>
                                     <p:cond delay="0"/>
                                   </p:stCondLst>
-                                  <p:iterate type="lt" backwards="0">
+                                  <p:iterate type="lt">
                                     <p:tmAbs val="0"/>
                                   </p:iterate>
                                   <p:childTnLst>
@@ -6270,11 +6295,11 @@
                             </p:stCondLst>
                             <p:childTnLst>
                               <p:par>
-                                <p:cTn id="29" presetClass="entr" nodeType="afterEffect" presetSubtype="8" presetID="2" grpId="1" fill="hold">
+                                <p:cTn id="29" presetID="2" presetClass="entr" presetSubtype="8" fill="hold" grpId="1" nodeType="afterEffect">
                                   <p:stCondLst>
                                     <p:cond delay="0"/>
                                   </p:stCondLst>
-                                  <p:iterate type="lt" backwards="0">
+                                  <p:iterate type="lt">
                                     <p:tmAbs val="0"/>
                                   </p:iterate>
                                   <p:childTnLst>
@@ -6363,11 +6388,11 @@
                             </p:stCondLst>
                             <p:childTnLst>
                               <p:par>
-                                <p:cTn id="34" presetClass="entr" nodeType="afterEffect" presetSubtype="8" presetID="2" grpId="1" fill="hold">
+                                <p:cTn id="34" presetID="2" presetClass="entr" presetSubtype="8" fill="hold" grpId="1" nodeType="afterEffect">
                                   <p:stCondLst>
                                     <p:cond delay="0"/>
                                   </p:stCondLst>
-                                  <p:iterate type="lt" backwards="0">
+                                  <p:iterate type="lt">
                                     <p:tmAbs val="0"/>
                                   </p:iterate>
                                   <p:childTnLst>
@@ -6456,11 +6481,11 @@
                             </p:stCondLst>
                             <p:childTnLst>
                               <p:par>
-                                <p:cTn id="39" presetClass="entr" nodeType="afterEffect" presetSubtype="8" presetID="2" grpId="1" fill="hold">
+                                <p:cTn id="39" presetID="2" presetClass="entr" presetSubtype="8" fill="hold" grpId="1" nodeType="afterEffect">
                                   <p:stCondLst>
                                     <p:cond delay="0"/>
                                   </p:stCondLst>
-                                  <p:iterate type="lt" backwards="0">
+                                  <p:iterate type="lt">
                                     <p:tmAbs val="0"/>
                                   </p:iterate>
                                   <p:childTnLst>
@@ -6549,11 +6574,11 @@
                             </p:stCondLst>
                             <p:childTnLst>
                               <p:par>
-                                <p:cTn id="44" presetClass="entr" nodeType="afterEffect" presetSubtype="8" presetID="2" grpId="1" fill="hold">
+                                <p:cTn id="44" presetID="2" presetClass="entr" presetSubtype="8" fill="hold" grpId="1" nodeType="afterEffect">
                                   <p:stCondLst>
                                     <p:cond delay="0"/>
                                   </p:stCondLst>
-                                  <p:iterate type="lt" backwards="0">
+                                  <p:iterate type="lt">
                                     <p:tmAbs val="0"/>
                                   </p:iterate>
                                   <p:childTnLst>
@@ -6642,11 +6667,11 @@
                             </p:stCondLst>
                             <p:childTnLst>
                               <p:par>
-                                <p:cTn id="49" presetClass="entr" nodeType="afterEffect" presetSubtype="8" presetID="2" grpId="1" fill="hold">
+                                <p:cTn id="49" presetID="2" presetClass="entr" presetSubtype="8" fill="hold" grpId="1" nodeType="afterEffect">
                                   <p:stCondLst>
                                     <p:cond delay="0"/>
                                   </p:stCondLst>
-                                  <p:iterate type="lt" backwards="0">
+                                  <p:iterate type="lt">
                                     <p:tmAbs val="0"/>
                                   </p:iterate>
                                   <p:childTnLst>
@@ -6735,11 +6760,11 @@
                             </p:stCondLst>
                             <p:childTnLst>
                               <p:par>
-                                <p:cTn id="54" presetClass="entr" nodeType="afterEffect" presetSubtype="8" presetID="2" grpId="1" fill="hold">
+                                <p:cTn id="54" presetID="2" presetClass="entr" presetSubtype="8" fill="hold" grpId="1" nodeType="afterEffect">
                                   <p:stCondLst>
                                     <p:cond delay="0"/>
                                   </p:stCondLst>
-                                  <p:iterate type="lt" backwards="0">
+                                  <p:iterate type="lt">
                                     <p:tmAbs val="0"/>
                                   </p:iterate>
                                   <p:childTnLst>
@@ -6828,11 +6853,11 @@
                             </p:stCondLst>
                             <p:childTnLst>
                               <p:par>
-                                <p:cTn id="59" presetClass="entr" nodeType="afterEffect" presetSubtype="1" presetID="2" grpId="2" fill="hold">
+                                <p:cTn id="59" presetID="2" presetClass="entr" presetSubtype="1" fill="hold" grpId="2" nodeType="afterEffect">
                                   <p:stCondLst>
                                     <p:cond delay="0"/>
                                   </p:stCondLst>
-                                  <p:iterate type="el" backwards="0">
+                                  <p:iterate>
                                     <p:tmAbs val="0"/>
                                   </p:iterate>
                                   <p:childTnLst>
@@ -6908,14 +6933,14 @@
                 </p:childTnLst>
               </p:cTn>
               <p:prevCondLst>
-                <p:cond evt="onPrev">
+                <p:cond evt="onPrev" delay="0">
                   <p:tgtEl>
                     <p:sldTgt/>
                   </p:tgtEl>
                 </p:cond>
               </p:prevCondLst>
               <p:nextCondLst>
-                <p:cond evt="onNext">
+                <p:cond evt="onNext" delay="0">
                   <p:tgtEl>
                     <p:sldTgt/>
                   </p:tgtEl>
@@ -6927,15 +6952,15 @@
       </p:par>
     </p:tnLst>
     <p:bldLst>
-      <p:bldP build="p" bldLvl="5" animBg="1" rev="0" advAuto="0" spid="212" grpId="1"/>
-      <p:bldP build="whole" bldLvl="1" animBg="1" rev="0" advAuto="0" spid="213" grpId="2"/>
+      <p:bldP spid="212" grpId="1" build="p" bldLvl="5" animBg="1" advAuto="0"/>
+      <p:bldP spid="213" grpId="2" animBg="1" advAuto="0"/>
     </p:bldLst>
   </p:timing>
 </p:sld>
 </file>
 
 <file path=ppt/slides/slide12.xml><?xml version="1.0" encoding="utf-8"?>
-<p:sld xmlns:a="http://schemas.openxmlformats.org/drawingml/2006/main" xmlns:r="http://schemas.openxmlformats.org/officeDocument/2006/relationships" xmlns:p="http://schemas.openxmlformats.org/presentationml/2006/main" xmlns:m="http://schemas.openxmlformats.org/officeDocument/2006/math" xmlns:a14="http://schemas.microsoft.com/office/drawing/2010/main" showMasterSp="1" showMasterPhAnim="1">
+<p:sld xmlns:a="http://schemas.openxmlformats.org/drawingml/2006/main" xmlns:r="http://schemas.openxmlformats.org/officeDocument/2006/relationships" xmlns:p="http://schemas.openxmlformats.org/presentationml/2006/main">
   <p:cSld>
     <p:spTree>
       <p:nvGrpSpPr>
@@ -6954,7 +6979,9 @@
       <p:sp>
         <p:nvSpPr>
           <p:cNvPr id="215" name="Demo Part 2"/>
-          <p:cNvSpPr txBox="1"/>
+          <p:cNvSpPr txBox="1">
+            <a:spLocks noGrp="1"/>
+          </p:cNvSpPr>
           <p:nvPr>
             <p:ph type="title"/>
           </p:nvPr>
@@ -6972,11 +6999,10 @@
           <a:bodyPr/>
           <a:lstStyle>
             <a:lvl1pPr defTabSz="2316421">
-              <a:defRPr spc="-95" sz="9500"/>
+              <a:defRPr sz="9500" spc="-95"/>
             </a:lvl1pPr>
           </a:lstStyle>
           <a:p>
-            <a:pPr/>
             <a:r>
               <a:t>Demo Part 2</a:t>
             </a:r>
@@ -6988,13 +7014,13 @@
   <p:clrMapOvr>
     <a:masterClrMapping/>
   </p:clrMapOvr>
-  <mc:AlternateContent xmlns:mc="http://schemas.openxmlformats.org/markup-compatibility/2006">
-    <mc:Choice xmlns:p14="http://schemas.microsoft.com/office/powerpoint/2010/main" Requires="p14">
-      <p:transition spd="slow" advClick="1" p14:dur="1500">
+  <mc:AlternateContent xmlns:mc="http://schemas.openxmlformats.org/markup-compatibility/2006" xmlns:p14="http://schemas.microsoft.com/office/powerpoint/2010/main">
+    <mc:Choice Requires="p14">
+      <p:transition spd="slow" p14:dur="1500">
         <p:push dir="u"/>
       </p:transition>
     </mc:Choice>
-    <mc:Fallback>
+    <mc:Fallback xmlns:a14="http://schemas.microsoft.com/office/drawing/2010/main" xmlns:m="http://schemas.openxmlformats.org/officeDocument/2006/math" xmlns="">
       <p:transition spd="slow">
         <p:fade/>
       </p:transition>
@@ -7004,7 +7030,7 @@
 </file>
 
 <file path=ppt/slides/slide13.xml><?xml version="1.0" encoding="utf-8"?>
-<p:sld xmlns:a="http://schemas.openxmlformats.org/drawingml/2006/main" xmlns:r="http://schemas.openxmlformats.org/officeDocument/2006/relationships" xmlns:p="http://schemas.openxmlformats.org/presentationml/2006/main" xmlns:m="http://schemas.openxmlformats.org/officeDocument/2006/math" xmlns:a14="http://schemas.microsoft.com/office/drawing/2010/main" showMasterSp="1" showMasterPhAnim="1">
+<p:sld xmlns:a="http://schemas.openxmlformats.org/drawingml/2006/main" xmlns:r="http://schemas.openxmlformats.org/officeDocument/2006/relationships" xmlns:p="http://schemas.openxmlformats.org/presentationml/2006/main">
   <p:cSld>
     <p:spTree>
       <p:nvGrpSpPr>
@@ -7023,7 +7049,9 @@
       <p:sp>
         <p:nvSpPr>
           <p:cNvPr id="217" name="Applications in Our Projects"/>
-          <p:cNvSpPr txBox="1"/>
+          <p:cNvSpPr txBox="1">
+            <a:spLocks noGrp="1"/>
+          </p:cNvSpPr>
           <p:nvPr>
             <p:ph type="title"/>
           </p:nvPr>
@@ -7037,11 +7065,10 @@
           <a:bodyPr/>
           <a:lstStyle>
             <a:lvl1pPr defTabSz="2316421">
-              <a:defRPr spc="-95" sz="9500"/>
+              <a:defRPr sz="9500" spc="-95"/>
             </a:lvl1pPr>
           </a:lstStyle>
           <a:p>
-            <a:pPr/>
             <a:r>
               <a:t>Applications in Our Projects</a:t>
             </a:r>
@@ -7051,7 +7078,9 @@
       <p:sp>
         <p:nvSpPr>
           <p:cNvPr id="218" name="Database and Authentication Services…"/>
-          <p:cNvSpPr txBox="1"/>
+          <p:cNvSpPr txBox="1">
+            <a:spLocks noGrp="1"/>
+          </p:cNvSpPr>
           <p:nvPr>
             <p:ph type="body" sz="quarter" idx="1"/>
           </p:nvPr>
@@ -7112,9 +7141,7 @@
           <p:nvPr/>
         </p:nvPicPr>
         <p:blipFill>
-          <a:blip r:embed="rId2">
-            <a:extLst/>
-          </a:blip>
+          <a:blip r:embed="rId2"/>
           <a:stretch>
             <a:fillRect/>
           </a:stretch>
@@ -7137,13 +7164,13 @@
   <p:clrMapOvr>
     <a:masterClrMapping/>
   </p:clrMapOvr>
-  <mc:AlternateContent xmlns:mc="http://schemas.openxmlformats.org/markup-compatibility/2006">
-    <mc:Choice xmlns:p14="http://schemas.microsoft.com/office/powerpoint/2010/main" Requires="p14">
-      <p:transition spd="slow" advClick="1" p14:dur="1500">
+  <mc:AlternateContent xmlns:mc="http://schemas.openxmlformats.org/markup-compatibility/2006" xmlns:p14="http://schemas.microsoft.com/office/powerpoint/2010/main">
+    <mc:Choice Requires="p14">
+      <p:transition spd="slow" p14:dur="1500">
         <p:push dir="u"/>
       </p:transition>
     </mc:Choice>
-    <mc:Fallback>
+    <mc:Fallback xmlns:a14="http://schemas.microsoft.com/office/drawing/2010/main" xmlns:m="http://schemas.openxmlformats.org/officeDocument/2006/math" xmlns="">
       <p:transition spd="slow">
         <p:fade/>
       </p:transition>
@@ -7152,10 +7179,10 @@
   <p:timing>
     <p:tnLst>
       <p:par>
-        <p:cTn id="1" nodeType="tmRoot" restart="never" dur="indefinite" fill="hold">
+        <p:cTn id="1" dur="indefinite" restart="never" fill="hold" nodeType="tmRoot">
           <p:childTnLst>
             <p:seq concurrent="1" prevAc="none" nextAc="seek">
-              <p:cTn id="2" nodeType="mainSeq" dur="indefinite" fill="hold">
+              <p:cTn id="2" dur="indefinite" fill="hold" nodeType="mainSeq">
                 <p:childTnLst>
                   <p:par>
                     <p:cTn id="3" fill="hold">
@@ -7170,11 +7197,11 @@
                             </p:stCondLst>
                             <p:childTnLst>
                               <p:par>
-                                <p:cTn id="5" presetClass="entr" nodeType="clickEffect" presetSubtype="0" presetID="1" grpId="1" fill="hold">
+                                <p:cTn id="5" presetID="1" presetClass="entr" presetSubtype="0" fill="hold" grpId="1" nodeType="clickEffect">
                                   <p:stCondLst>
                                     <p:cond delay="0"/>
                                   </p:stCondLst>
-                                  <p:iterate type="lt" backwards="0">
+                                  <p:iterate type="lt">
                                     <p:tmAbs val="100"/>
                                   </p:iterate>
                                   <p:childTnLst>
@@ -7205,11 +7232,11 @@
                             </p:stCondLst>
                             <p:childTnLst>
                               <p:par>
-                                <p:cTn id="8" presetClass="entr" nodeType="afterEffect" presetID="9" grpId="2" fill="hold">
+                                <p:cTn id="8" presetID="9" presetClass="entr" fill="hold" grpId="2" nodeType="afterEffect">
                                   <p:stCondLst>
                                     <p:cond delay="0"/>
                                   </p:stCondLst>
-                                  <p:iterate type="el" backwards="0">
+                                  <p:iterate>
                                     <p:tmAbs val="0"/>
                                   </p:iterate>
                                   <p:childTnLst>
@@ -7227,7 +7254,7 @@
                                         <p:strVal val="visible"/>
                                       </p:to>
                                     </p:set>
-                                    <p:animEffect filter="dissolve" transition="in">
+                                    <p:animEffect transition="in" filter="dissolve">
                                       <p:cBhvr>
                                         <p:cTn id="10" dur="1500"/>
                                         <p:tgtEl>
@@ -7247,14 +7274,14 @@
                 </p:childTnLst>
               </p:cTn>
               <p:prevCondLst>
-                <p:cond evt="onPrev">
+                <p:cond evt="onPrev" delay="0">
                   <p:tgtEl>
                     <p:sldTgt/>
                   </p:tgtEl>
                 </p:cond>
               </p:prevCondLst>
               <p:nextCondLst>
-                <p:cond evt="onNext">
+                <p:cond evt="onNext" delay="0">
                   <p:tgtEl>
                     <p:sldTgt/>
                   </p:tgtEl>
@@ -7266,15 +7293,15 @@
       </p:par>
     </p:tnLst>
     <p:bldLst>
-      <p:bldP build="whole" bldLvl="1" animBg="1" rev="0" advAuto="0" spid="218" grpId="1"/>
-      <p:bldP build="whole" bldLvl="1" animBg="1" rev="0" advAuto="0" spid="219" grpId="2"/>
+      <p:bldP spid="218" grpId="1" animBg="1" advAuto="0"/>
+      <p:bldP spid="219" grpId="2" animBg="1" advAuto="0"/>
     </p:bldLst>
   </p:timing>
 </p:sld>
 </file>
 
 <file path=ppt/slides/slide14.xml><?xml version="1.0" encoding="utf-8"?>
-<p:sld xmlns:a="http://schemas.openxmlformats.org/drawingml/2006/main" xmlns:r="http://schemas.openxmlformats.org/officeDocument/2006/relationships" xmlns:p="http://schemas.openxmlformats.org/presentationml/2006/main" xmlns:m="http://schemas.openxmlformats.org/officeDocument/2006/math" xmlns:a14="http://schemas.microsoft.com/office/drawing/2010/main" showMasterSp="1" showMasterPhAnim="1">
+<p:sld xmlns:a="http://schemas.openxmlformats.org/drawingml/2006/main" xmlns:r="http://schemas.openxmlformats.org/officeDocument/2006/relationships" xmlns:p="http://schemas.openxmlformats.org/presentationml/2006/main">
   <p:cSld>
     <p:spTree>
       <p:nvGrpSpPr>
@@ -7293,7 +7320,9 @@
       <p:sp>
         <p:nvSpPr>
           <p:cNvPr id="221" name="Thank You!"/>
-          <p:cNvSpPr txBox="1"/>
+          <p:cNvSpPr txBox="1">
+            <a:spLocks noGrp="1"/>
+          </p:cNvSpPr>
           <p:nvPr>
             <p:ph type="title"/>
           </p:nvPr>
@@ -7311,11 +7340,10 @@
           <a:bodyPr/>
           <a:lstStyle>
             <a:lvl1pPr defTabSz="2316421">
-              <a:defRPr spc="-95" sz="9500"/>
+              <a:defRPr sz="9500" spc="-95"/>
             </a:lvl1pPr>
           </a:lstStyle>
           <a:p>
-            <a:pPr/>
             <a:r>
               <a:t>Thank You!</a:t>
             </a:r>
@@ -7327,13 +7355,13 @@
   <p:clrMapOvr>
     <a:masterClrMapping/>
   </p:clrMapOvr>
-  <mc:AlternateContent xmlns:mc="http://schemas.openxmlformats.org/markup-compatibility/2006">
-    <mc:Choice xmlns:p14="http://schemas.microsoft.com/office/powerpoint/2010/main" Requires="p14">
-      <p:transition spd="slow" advClick="1" p14:dur="1500">
+  <mc:AlternateContent xmlns:mc="http://schemas.openxmlformats.org/markup-compatibility/2006" xmlns:p14="http://schemas.microsoft.com/office/powerpoint/2010/main">
+    <mc:Choice Requires="p14">
+      <p:transition spd="slow" p14:dur="1500">
         <p:push dir="u"/>
       </p:transition>
     </mc:Choice>
-    <mc:Fallback>
+    <mc:Fallback xmlns:a14="http://schemas.microsoft.com/office/drawing/2010/main" xmlns:m="http://schemas.openxmlformats.org/officeDocument/2006/math" xmlns="">
       <p:transition spd="slow">
         <p:fade/>
       </p:transition>
@@ -7343,7 +7371,7 @@
 </file>
 
 <file path=ppt/slides/slide15.xml><?xml version="1.0" encoding="utf-8"?>
-<p:sld xmlns:a="http://schemas.openxmlformats.org/drawingml/2006/main" xmlns:r="http://schemas.openxmlformats.org/officeDocument/2006/relationships" xmlns:p="http://schemas.openxmlformats.org/presentationml/2006/main" xmlns:m="http://schemas.openxmlformats.org/officeDocument/2006/math" xmlns:a14="http://schemas.microsoft.com/office/drawing/2010/main" showMasterSp="1" showMasterPhAnim="1">
+<p:sld xmlns:a="http://schemas.openxmlformats.org/drawingml/2006/main" xmlns:r="http://schemas.openxmlformats.org/officeDocument/2006/relationships" xmlns:p="http://schemas.openxmlformats.org/presentationml/2006/main">
   <p:cSld>
     <p:spTree>
       <p:nvGrpSpPr>
@@ -7362,7 +7390,9 @@
       <p:sp>
         <p:nvSpPr>
           <p:cNvPr id="223" name="References"/>
-          <p:cNvSpPr txBox="1"/>
+          <p:cNvSpPr txBox="1">
+            <a:spLocks noGrp="1"/>
+          </p:cNvSpPr>
           <p:nvPr>
             <p:ph type="title"/>
           </p:nvPr>
@@ -7376,11 +7406,10 @@
           <a:bodyPr/>
           <a:lstStyle>
             <a:lvl1pPr defTabSz="2316421">
-              <a:defRPr spc="-95" sz="9500"/>
+              <a:defRPr sz="9500" spc="-95"/>
             </a:lvl1pPr>
           </a:lstStyle>
           <a:p>
-            <a:pPr/>
             <a:r>
               <a:t>References </a:t>
             </a:r>
@@ -7390,7 +7419,9 @@
       <p:sp>
         <p:nvSpPr>
           <p:cNvPr id="224" name="Feathers, Michael C. Working Effectively with Legacy Code. Upper Saddle River, N.J, Prentice Hall Ptr, 2013."/>
-          <p:cNvSpPr txBox="1"/>
+          <p:cNvSpPr txBox="1">
+            <a:spLocks noGrp="1"/>
+          </p:cNvSpPr>
           <p:nvPr>
             <p:ph type="body" idx="1"/>
           </p:nvPr>
@@ -7408,7 +7439,6 @@
           <a:bodyPr/>
           <a:lstStyle/>
           <a:p>
-            <a:pPr/>
             <a:r>
               <a:t>Feathers, Michael C. Working Effectively with Legacy Code. Upper Saddle River, N.J, Prentice Hall Ptr, 2013.</a:t>
             </a:r>
@@ -7420,13 +7450,13 @@
   <p:clrMapOvr>
     <a:masterClrMapping/>
   </p:clrMapOvr>
-  <mc:AlternateContent xmlns:mc="http://schemas.openxmlformats.org/markup-compatibility/2006">
-    <mc:Choice xmlns:p14="http://schemas.microsoft.com/office/powerpoint/2010/main" Requires="p14">
-      <p:transition spd="slow" advClick="1" p14:dur="1500">
+  <mc:AlternateContent xmlns:mc="http://schemas.openxmlformats.org/markup-compatibility/2006" xmlns:p14="http://schemas.microsoft.com/office/powerpoint/2010/main">
+    <mc:Choice Requires="p14">
+      <p:transition spd="slow" p14:dur="1500">
         <p:push dir="u"/>
       </p:transition>
     </mc:Choice>
-    <mc:Fallback>
+    <mc:Fallback xmlns:a14="http://schemas.microsoft.com/office/drawing/2010/main" xmlns:m="http://schemas.openxmlformats.org/officeDocument/2006/math" xmlns="">
       <p:transition spd="slow">
         <p:fade/>
       </p:transition>
@@ -7435,16 +7465,16 @@
   <p:timing>
     <p:tnLst>
       <p:par>
-        <p:cTn id="1" nodeType="tmRoot" restart="never" dur="indefinite" fill="hold">
+        <p:cTn id="1" dur="indefinite" restart="never" fill="hold" nodeType="tmRoot">
           <p:childTnLst>
             <p:seq concurrent="1" prevAc="none" nextAc="seek">
-              <p:cTn id="2" nodeType="mainSeq" dur="indefinite" fill="hold">
+              <p:cTn id="2" dur="indefinite" fill="hold" nodeType="mainSeq">
                 <p:childTnLst>
                   <p:par>
                     <p:cTn id="3" fill="hold">
                       <p:stCondLst>
                         <p:cond delay="indefinite"/>
-                        <p:cond evt="onBegin">
+                        <p:cond evt="onBegin" delay="0">
                           <p:tn val="2"/>
                         </p:cond>
                       </p:stCondLst>
@@ -7456,11 +7486,11 @@
                             </p:stCondLst>
                             <p:childTnLst>
                               <p:par>
-                                <p:cTn id="5" presetClass="entr" nodeType="afterEffect" presetSubtype="0" presetID="1" grpId="1" fill="hold">
+                                <p:cTn id="5" presetID="1" presetClass="entr" presetSubtype="0" fill="hold" grpId="1" nodeType="afterEffect">
                                   <p:stCondLst>
                                     <p:cond delay="0"/>
                                   </p:stCondLst>
-                                  <p:iterate type="lt" backwards="0">
+                                  <p:iterate type="lt">
                                     <p:tmAbs val="100"/>
                                   </p:iterate>
                                   <p:childTnLst>
@@ -7490,14 +7520,14 @@
                 </p:childTnLst>
               </p:cTn>
               <p:prevCondLst>
-                <p:cond evt="onPrev">
+                <p:cond evt="onPrev" delay="0">
                   <p:tgtEl>
                     <p:sldTgt/>
                   </p:tgtEl>
                 </p:cond>
               </p:prevCondLst>
               <p:nextCondLst>
-                <p:cond evt="onNext">
+                <p:cond evt="onNext" delay="0">
                   <p:tgtEl>
                     <p:sldTgt/>
                   </p:tgtEl>
@@ -7509,14 +7539,14 @@
       </p:par>
     </p:tnLst>
     <p:bldLst>
-      <p:bldP build="whole" bldLvl="1" animBg="1" rev="0" advAuto="0" spid="224" grpId="1"/>
+      <p:bldP spid="224" grpId="1" animBg="1" advAuto="0"/>
     </p:bldLst>
   </p:timing>
 </p:sld>
 </file>
 
 <file path=ppt/slides/slide2.xml><?xml version="1.0" encoding="utf-8"?>
-<p:sld xmlns:a="http://schemas.openxmlformats.org/drawingml/2006/main" xmlns:r="http://schemas.openxmlformats.org/officeDocument/2006/relationships" xmlns:p="http://schemas.openxmlformats.org/presentationml/2006/main" xmlns:m="http://schemas.openxmlformats.org/officeDocument/2006/math" xmlns:a14="http://schemas.microsoft.com/office/drawing/2010/main" showMasterSp="1" showMasterPhAnim="1">
+<p:sld xmlns:a="http://schemas.openxmlformats.org/drawingml/2006/main" xmlns:r="http://schemas.openxmlformats.org/officeDocument/2006/relationships" xmlns:p="http://schemas.openxmlformats.org/presentationml/2006/main">
   <p:cSld>
     <p:spTree>
       <p:nvGrpSpPr>
@@ -7535,15 +7565,17 @@
       <p:sp>
         <p:nvSpPr>
           <p:cNvPr id="175" name="Overview"/>
-          <p:cNvSpPr txBox="1"/>
+          <p:cNvSpPr txBox="1">
+            <a:spLocks noGrp="1"/>
+          </p:cNvSpPr>
           <p:nvPr>
             <p:ph type="title"/>
           </p:nvPr>
         </p:nvSpPr>
         <p:spPr>
           <a:xfrm>
-            <a:off x="17768337" y="635000"/>
-            <a:ext cx="5409164" cy="1689100"/>
+            <a:off x="17322800" y="635000"/>
+            <a:ext cx="5854701" cy="1689100"/>
           </a:xfrm>
           <a:prstGeom prst="rect">
             <a:avLst/>
@@ -7553,12 +7585,12 @@
           <a:bodyPr/>
           <a:lstStyle>
             <a:lvl1pPr defTabSz="2316421">
-              <a:defRPr spc="-95" sz="9500"/>
+              <a:defRPr sz="9500" spc="-95"/>
             </a:lvl1pPr>
           </a:lstStyle>
           <a:p>
-            <a:pPr/>
             <a:r>
+              <a:rPr dirty="0"/>
               <a:t>Overview </a:t>
             </a:r>
           </a:p>
@@ -7567,7 +7599,9 @@
       <p:sp>
         <p:nvSpPr>
           <p:cNvPr id="176" name="Review of Global Dependencies and Singletons…"/>
-          <p:cNvSpPr txBox="1"/>
+          <p:cNvSpPr txBox="1">
+            <a:spLocks noGrp="1"/>
+          </p:cNvSpPr>
           <p:nvPr>
             <p:ph type="body" idx="1"/>
           </p:nvPr>
@@ -7581,37 +7615,31 @@
           <a:bodyPr/>
           <a:lstStyle/>
           <a:p>
-            <a:pPr/>
             <a:r>
               <a:t>Review of Global Dependencies and Singletons</a:t>
             </a:r>
           </a:p>
           <a:p>
-            <a:pPr/>
             <a:r>
               <a:t>How to Break Free from Global Dependencies while Testing</a:t>
             </a:r>
           </a:p>
           <a:p>
-            <a:pPr/>
             <a:r>
               <a:t>Working with Import Dependencies</a:t>
             </a:r>
           </a:p>
           <a:p>
-            <a:pPr/>
             <a:r>
               <a:t>Onion Parameters </a:t>
             </a:r>
           </a:p>
           <a:p>
-            <a:pPr/>
             <a:r>
               <a:t>Alias Parameters </a:t>
             </a:r>
           </a:p>
           <a:p>
-            <a:pPr/>
             <a:r>
               <a:t>Breaking Free of Parameter Dependencies  </a:t>
             </a:r>
@@ -7623,13 +7651,13 @@
   <p:clrMapOvr>
     <a:masterClrMapping/>
   </p:clrMapOvr>
-  <mc:AlternateContent xmlns:mc="http://schemas.openxmlformats.org/markup-compatibility/2006">
-    <mc:Choice xmlns:p14="http://schemas.microsoft.com/office/powerpoint/2010/main" Requires="p14">
-      <p:transition spd="slow" advClick="1" p14:dur="1500">
+  <mc:AlternateContent xmlns:mc="http://schemas.openxmlformats.org/markup-compatibility/2006" xmlns:p14="http://schemas.microsoft.com/office/powerpoint/2010/main">
+    <mc:Choice Requires="p14">
+      <p:transition spd="slow" p14:dur="1500">
         <p:push dir="u"/>
       </p:transition>
     </mc:Choice>
-    <mc:Fallback>
+    <mc:Fallback xmlns:a14="http://schemas.microsoft.com/office/drawing/2010/main" xmlns:m="http://schemas.openxmlformats.org/officeDocument/2006/math" xmlns="">
       <p:transition spd="slow">
         <p:fade/>
       </p:transition>
@@ -7638,10 +7666,10 @@
   <p:timing>
     <p:tnLst>
       <p:par>
-        <p:cTn id="1" nodeType="tmRoot" restart="never" dur="indefinite" fill="hold">
+        <p:cTn id="1" dur="indefinite" restart="never" fill="hold" nodeType="tmRoot">
           <p:childTnLst>
             <p:seq concurrent="1" prevAc="none" nextAc="seek">
-              <p:cTn id="2" nodeType="mainSeq" dur="indefinite" fill="hold">
+              <p:cTn id="2" dur="indefinite" fill="hold" nodeType="mainSeq">
                 <p:childTnLst>
                   <p:par>
                     <p:cTn id="3" fill="hold">
@@ -7656,11 +7684,11 @@
                             </p:stCondLst>
                             <p:childTnLst>
                               <p:par>
-                                <p:cTn id="5" presetClass="entr" nodeType="clickEffect" presetSubtype="0" presetID="1" grpId="1" fill="hold">
+                                <p:cTn id="5" presetID="1" presetClass="entr" presetSubtype="0" fill="hold" grpId="1" nodeType="clickEffect">
                                   <p:stCondLst>
                                     <p:cond delay="0"/>
                                   </p:stCondLst>
-                                  <p:iterate type="lt" backwards="0">
+                                  <p:iterate type="lt">
                                     <p:tmAbs val="100"/>
                                   </p:iterate>
                                   <p:childTnLst>
@@ -7684,11 +7712,11 @@
                                 </p:cTn>
                               </p:par>
                               <p:par>
-                                <p:cTn id="7" presetClass="entr" nodeType="withEffect" presetSubtype="0" presetID="1" grpId="1" fill="hold">
+                                <p:cTn id="7" presetID="1" presetClass="entr" presetSubtype="0" fill="hold" grpId="1" nodeType="withEffect">
                                   <p:stCondLst>
                                     <p:cond delay="0"/>
                                   </p:stCondLst>
-                                  <p:iterate type="lt" backwards="0">
+                                  <p:iterate type="lt">
                                     <p:tmAbs val="100"/>
                                   </p:iterate>
                                   <p:childTnLst>
@@ -7732,11 +7760,11 @@
                             </p:stCondLst>
                             <p:childTnLst>
                               <p:par>
-                                <p:cTn id="11" presetClass="entr" nodeType="clickEffect" presetSubtype="0" presetID="1" grpId="1" fill="hold">
+                                <p:cTn id="11" presetID="1" presetClass="entr" presetSubtype="0" fill="hold" grpId="1" nodeType="clickEffect">
                                   <p:stCondLst>
                                     <p:cond delay="0"/>
                                   </p:stCondLst>
-                                  <p:iterate type="lt" backwards="0">
+                                  <p:iterate type="lt">
                                     <p:tmAbs val="100"/>
                                   </p:iterate>
                                   <p:childTnLst>
@@ -7780,11 +7808,11 @@
                             </p:stCondLst>
                             <p:childTnLst>
                               <p:par>
-                                <p:cTn id="15" presetClass="entr" nodeType="clickEffect" presetSubtype="0" presetID="1" grpId="1" fill="hold">
+                                <p:cTn id="15" presetID="1" presetClass="entr" presetSubtype="0" fill="hold" grpId="1" nodeType="clickEffect">
                                   <p:stCondLst>
                                     <p:cond delay="0"/>
                                   </p:stCondLst>
-                                  <p:iterate type="lt" backwards="0">
+                                  <p:iterate type="lt">
                                     <p:tmAbs val="100"/>
                                   </p:iterate>
                                   <p:childTnLst>
@@ -7828,11 +7856,11 @@
                             </p:stCondLst>
                             <p:childTnLst>
                               <p:par>
-                                <p:cTn id="19" presetClass="entr" nodeType="clickEffect" presetSubtype="0" presetID="1" grpId="1" fill="hold">
+                                <p:cTn id="19" presetID="1" presetClass="entr" presetSubtype="0" fill="hold" grpId="1" nodeType="clickEffect">
                                   <p:stCondLst>
                                     <p:cond delay="0"/>
                                   </p:stCondLst>
-                                  <p:iterate type="lt" backwards="0">
+                                  <p:iterate type="lt">
                                     <p:tmAbs val="100"/>
                                   </p:iterate>
                                   <p:childTnLst>
@@ -7876,11 +7904,11 @@
                             </p:stCondLst>
                             <p:childTnLst>
                               <p:par>
-                                <p:cTn id="23" presetClass="entr" nodeType="clickEffect" presetSubtype="0" presetID="1" grpId="1" fill="hold">
+                                <p:cTn id="23" presetID="1" presetClass="entr" presetSubtype="0" fill="hold" grpId="1" nodeType="clickEffect">
                                   <p:stCondLst>
                                     <p:cond delay="0"/>
                                   </p:stCondLst>
-                                  <p:iterate type="lt" backwards="0">
+                                  <p:iterate type="lt">
                                     <p:tmAbs val="100"/>
                                   </p:iterate>
                                   <p:childTnLst>
@@ -7924,11 +7952,11 @@
                             </p:stCondLst>
                             <p:childTnLst>
                               <p:par>
-                                <p:cTn id="27" presetClass="entr" nodeType="clickEffect" presetSubtype="0" presetID="1" grpId="1" fill="hold">
+                                <p:cTn id="27" presetID="1" presetClass="entr" presetSubtype="0" fill="hold" grpId="1" nodeType="clickEffect">
                                   <p:stCondLst>
                                     <p:cond delay="0"/>
                                   </p:stCondLst>
-                                  <p:iterate type="lt" backwards="0">
+                                  <p:iterate type="lt">
                                     <p:tmAbs val="100"/>
                                   </p:iterate>
                                   <p:childTnLst>
@@ -7962,14 +7990,14 @@
                 </p:childTnLst>
               </p:cTn>
               <p:prevCondLst>
-                <p:cond evt="onPrev">
+                <p:cond evt="onPrev" delay="0">
                   <p:tgtEl>
                     <p:sldTgt/>
                   </p:tgtEl>
                 </p:cond>
               </p:prevCondLst>
               <p:nextCondLst>
-                <p:cond evt="onNext">
+                <p:cond evt="onNext" delay="0">
                   <p:tgtEl>
                     <p:sldTgt/>
                   </p:tgtEl>
@@ -7981,14 +8009,14 @@
       </p:par>
     </p:tnLst>
     <p:bldLst>
-      <p:bldP build="p" bldLvl="5" animBg="1" rev="0" advAuto="0" spid="176" grpId="1"/>
+      <p:bldP spid="176" grpId="1" build="p" bldLvl="5" animBg="1" advAuto="0"/>
     </p:bldLst>
   </p:timing>
 </p:sld>
 </file>
 
 <file path=ppt/slides/slide3.xml><?xml version="1.0" encoding="utf-8"?>
-<p:sld xmlns:a="http://schemas.openxmlformats.org/drawingml/2006/main" xmlns:r="http://schemas.openxmlformats.org/officeDocument/2006/relationships" xmlns:p="http://schemas.openxmlformats.org/presentationml/2006/main" xmlns:m="http://schemas.openxmlformats.org/officeDocument/2006/math" xmlns:a14="http://schemas.microsoft.com/office/drawing/2010/main" showMasterSp="1" showMasterPhAnim="1">
+<p:sld xmlns:a="http://schemas.openxmlformats.org/drawingml/2006/main" xmlns:r="http://schemas.openxmlformats.org/officeDocument/2006/relationships" xmlns:p="http://schemas.openxmlformats.org/presentationml/2006/main">
   <p:cSld>
     <p:spTree>
       <p:nvGrpSpPr>
@@ -8013,9 +8041,7 @@
           <p:nvPr/>
         </p:nvPicPr>
         <p:blipFill>
-          <a:blip r:embed="rId2">
-            <a:extLst/>
-          </a:blip>
+          <a:blip r:embed="rId2"/>
           <a:stretch>
             <a:fillRect/>
           </a:stretch>
@@ -8036,7 +8062,9 @@
       <p:sp>
         <p:nvSpPr>
           <p:cNvPr id="179" name="In programing a dependency is a object is passed into a function or class in order to enable/provide functionality of that method or class.…"/>
-          <p:cNvSpPr txBox="1"/>
+          <p:cNvSpPr txBox="1">
+            <a:spLocks noGrp="1"/>
+          </p:cNvSpPr>
           <p:nvPr>
             <p:ph type="body" sz="half" idx="1"/>
           </p:nvPr>
@@ -8077,7 +8105,7 @@
             </a:r>
           </a:p>
           <a:p>
-            <a:pPr lvl="1" marL="676655" indent="-338327" defTabSz="1804370">
+            <a:pPr marL="676655" lvl="1" indent="-338327" defTabSz="1804370">
               <a:spcBef>
                 <a:spcPts val="3400"/>
               </a:spcBef>
@@ -8088,7 +8116,7 @@
             </a:r>
           </a:p>
           <a:p>
-            <a:pPr lvl="1" marL="676655" indent="-338327" defTabSz="1804370">
+            <a:pPr marL="676655" lvl="1" indent="-338327" defTabSz="1804370">
               <a:spcBef>
                 <a:spcPts val="3400"/>
               </a:spcBef>
@@ -8158,7 +8186,9 @@
       <p:sp>
         <p:nvSpPr>
           <p:cNvPr id="180" name="What is a Global Dependency?"/>
-          <p:cNvSpPr txBox="1"/>
+          <p:cNvSpPr txBox="1">
+            <a:spLocks noGrp="1"/>
+          </p:cNvSpPr>
           <p:nvPr>
             <p:ph type="title"/>
           </p:nvPr>
@@ -8172,11 +8202,10 @@
           <a:bodyPr/>
           <a:lstStyle>
             <a:lvl1pPr defTabSz="2316421">
-              <a:defRPr spc="-95" sz="9500"/>
+              <a:defRPr sz="9500" spc="-95"/>
             </a:lvl1pPr>
           </a:lstStyle>
           <a:p>
-            <a:pPr/>
             <a:r>
               <a:t>What is a Global Dependency?</a:t>
             </a:r>
@@ -8188,13 +8217,13 @@
   <p:clrMapOvr>
     <a:masterClrMapping/>
   </p:clrMapOvr>
-  <mc:AlternateContent xmlns:mc="http://schemas.openxmlformats.org/markup-compatibility/2006">
-    <mc:Choice xmlns:p14="http://schemas.microsoft.com/office/powerpoint/2010/main" Requires="p14">
-      <p:transition spd="slow" advClick="1" p14:dur="1500">
+  <mc:AlternateContent xmlns:mc="http://schemas.openxmlformats.org/markup-compatibility/2006" xmlns:p14="http://schemas.microsoft.com/office/powerpoint/2010/main">
+    <mc:Choice Requires="p14">
+      <p:transition spd="slow" p14:dur="1500">
         <p:push dir="u"/>
       </p:transition>
     </mc:Choice>
-    <mc:Fallback>
+    <mc:Fallback xmlns:a14="http://schemas.microsoft.com/office/drawing/2010/main" xmlns:m="http://schemas.openxmlformats.org/officeDocument/2006/math" xmlns="">
       <p:transition spd="slow">
         <p:fade/>
       </p:transition>
@@ -8203,16 +8232,16 @@
   <p:timing>
     <p:tnLst>
       <p:par>
-        <p:cTn id="1" nodeType="tmRoot" restart="never" dur="indefinite" fill="hold">
+        <p:cTn id="1" dur="indefinite" restart="never" fill="hold" nodeType="tmRoot">
           <p:childTnLst>
             <p:seq concurrent="1" prevAc="none" nextAc="seek">
-              <p:cTn id="2" nodeType="mainSeq" dur="indefinite" fill="hold">
+              <p:cTn id="2" dur="indefinite" fill="hold" nodeType="mainSeq">
                 <p:childTnLst>
                   <p:par>
                     <p:cTn id="3" fill="hold">
                       <p:stCondLst>
                         <p:cond delay="indefinite"/>
-                        <p:cond evt="onBegin">
+                        <p:cond evt="onBegin" delay="0">
                           <p:tn val="2"/>
                         </p:cond>
                       </p:stCondLst>
@@ -8224,11 +8253,11 @@
                             </p:stCondLst>
                             <p:childTnLst>
                               <p:par>
-                                <p:cTn id="5" presetClass="entr" nodeType="afterEffect" presetSubtype="8" presetID="2" grpId="1" fill="hold">
+                                <p:cTn id="5" presetID="2" presetClass="entr" presetSubtype="8" fill="hold" grpId="1" nodeType="afterEffect">
                                   <p:stCondLst>
                                     <p:cond delay="0"/>
                                   </p:stCondLst>
-                                  <p:iterate type="lt" backwards="0">
+                                  <p:iterate type="lt">
                                     <p:tmAbs val="0"/>
                                   </p:iterate>
                                   <p:childTnLst>
@@ -8302,11 +8331,11 @@
                                 </p:cTn>
                               </p:par>
                               <p:par>
-                                <p:cTn id="9" presetClass="entr" nodeType="withEffect" presetSubtype="8" presetID="2" grpId="1" fill="hold">
+                                <p:cTn id="9" presetID="2" presetClass="entr" presetSubtype="8" fill="hold" grpId="1" nodeType="withEffect">
                                   <p:stCondLst>
                                     <p:cond delay="0"/>
                                   </p:stCondLst>
-                                  <p:iterate type="lt" backwards="0">
+                                  <p:iterate type="lt">
                                     <p:tmAbs val="0"/>
                                   </p:iterate>
                                   <p:childTnLst>
@@ -8395,11 +8424,11 @@
                             </p:stCondLst>
                             <p:childTnLst>
                               <p:par>
-                                <p:cTn id="14" presetClass="entr" nodeType="afterEffect" presetSubtype="8" presetID="2" grpId="1" fill="hold">
+                                <p:cTn id="14" presetID="2" presetClass="entr" presetSubtype="8" fill="hold" grpId="1" nodeType="afterEffect">
                                   <p:stCondLst>
                                     <p:cond delay="0"/>
                                   </p:stCondLst>
-                                  <p:iterate type="lt" backwards="0">
+                                  <p:iterate type="lt">
                                     <p:tmAbs val="0"/>
                                   </p:iterate>
                                   <p:childTnLst>
@@ -8488,11 +8517,11 @@
                             </p:stCondLst>
                             <p:childTnLst>
                               <p:par>
-                                <p:cTn id="19" presetClass="entr" nodeType="afterEffect" presetSubtype="8" presetID="2" grpId="1" fill="hold">
+                                <p:cTn id="19" presetID="2" presetClass="entr" presetSubtype="8" fill="hold" grpId="1" nodeType="afterEffect">
                                   <p:stCondLst>
                                     <p:cond delay="0"/>
                                   </p:stCondLst>
-                                  <p:iterate type="lt" backwards="0">
+                                  <p:iterate type="lt">
                                     <p:tmAbs val="0"/>
                                   </p:iterate>
                                   <p:childTnLst>
@@ -8581,11 +8610,11 @@
                             </p:stCondLst>
                             <p:childTnLst>
                               <p:par>
-                                <p:cTn id="24" presetClass="entr" nodeType="afterEffect" presetSubtype="8" presetID="2" grpId="1" fill="hold">
+                                <p:cTn id="24" presetID="2" presetClass="entr" presetSubtype="8" fill="hold" grpId="1" nodeType="afterEffect">
                                   <p:stCondLst>
                                     <p:cond delay="0"/>
                                   </p:stCondLst>
-                                  <p:iterate type="lt" backwards="0">
+                                  <p:iterate type="lt">
                                     <p:tmAbs val="0"/>
                                   </p:iterate>
                                   <p:childTnLst>
@@ -8674,11 +8703,11 @@
                             </p:stCondLst>
                             <p:childTnLst>
                               <p:par>
-                                <p:cTn id="29" presetClass="entr" nodeType="afterEffect" presetSubtype="8" presetID="2" grpId="1" fill="hold">
+                                <p:cTn id="29" presetID="2" presetClass="entr" presetSubtype="8" fill="hold" grpId="1" nodeType="afterEffect">
                                   <p:stCondLst>
                                     <p:cond delay="0"/>
                                   </p:stCondLst>
-                                  <p:iterate type="lt" backwards="0">
+                                  <p:iterate type="lt">
                                     <p:tmAbs val="0"/>
                                   </p:iterate>
                                   <p:childTnLst>
@@ -8767,11 +8796,11 @@
                             </p:stCondLst>
                             <p:childTnLst>
                               <p:par>
-                                <p:cTn id="34" presetClass="entr" nodeType="afterEffect" presetSubtype="5" presetID="3" grpId="2" fill="hold">
+                                <p:cTn id="34" presetID="3" presetClass="entr" presetSubtype="5" fill="hold" grpId="2" nodeType="afterEffect">
                                   <p:stCondLst>
                                     <p:cond delay="0"/>
                                   </p:stCondLst>
-                                  <p:iterate type="el" backwards="0">
+                                  <p:iterate>
                                     <p:tmAbs val="0"/>
                                   </p:iterate>
                                   <p:childTnLst>
@@ -8789,7 +8818,7 @@
                                         <p:strVal val="visible"/>
                                       </p:to>
                                     </p:set>
-                                    <p:animEffect filter="blinds(vertical)" transition="in">
+                                    <p:animEffect transition="in" filter="blinds(vertical)">
                                       <p:cBhvr>
                                         <p:cTn id="36" dur="1000"/>
                                         <p:tgtEl>
@@ -8809,14 +8838,14 @@
                 </p:childTnLst>
               </p:cTn>
               <p:prevCondLst>
-                <p:cond evt="onPrev">
+                <p:cond evt="onPrev" delay="0">
                   <p:tgtEl>
                     <p:sldTgt/>
                   </p:tgtEl>
                 </p:cond>
               </p:prevCondLst>
               <p:nextCondLst>
-                <p:cond evt="onNext">
+                <p:cond evt="onNext" delay="0">
                   <p:tgtEl>
                     <p:sldTgt/>
                   </p:tgtEl>
@@ -8828,15 +8857,15 @@
       </p:par>
     </p:tnLst>
     <p:bldLst>
-      <p:bldP build="whole" bldLvl="1" animBg="1" rev="0" advAuto="0" spid="178" grpId="2"/>
-      <p:bldP build="p" bldLvl="5" animBg="1" rev="0" advAuto="0" spid="179" grpId="1"/>
+      <p:bldP spid="178" grpId="2" animBg="1" advAuto="0"/>
+      <p:bldP spid="179" grpId="1" build="p" bldLvl="5" animBg="1" advAuto="0"/>
     </p:bldLst>
   </p:timing>
 </p:sld>
 </file>
 
 <file path=ppt/slides/slide4.xml><?xml version="1.0" encoding="utf-8"?>
-<p:sld xmlns:a="http://schemas.openxmlformats.org/drawingml/2006/main" xmlns:r="http://schemas.openxmlformats.org/officeDocument/2006/relationships" xmlns:p="http://schemas.openxmlformats.org/presentationml/2006/main" xmlns:m="http://schemas.openxmlformats.org/officeDocument/2006/math" xmlns:a14="http://schemas.microsoft.com/office/drawing/2010/main" showMasterSp="1" showMasterPhAnim="1">
+<p:sld xmlns:a="http://schemas.openxmlformats.org/drawingml/2006/main" xmlns:r="http://schemas.openxmlformats.org/officeDocument/2006/relationships" xmlns:p="http://schemas.openxmlformats.org/presentationml/2006/main">
   <p:cSld>
     <p:spTree>
       <p:nvGrpSpPr>
@@ -8861,9 +8890,7 @@
           <p:nvPr/>
         </p:nvPicPr>
         <p:blipFill>
-          <a:blip r:embed="rId2">
-            <a:extLst/>
-          </a:blip>
+          <a:blip r:embed="rId2"/>
           <a:stretch>
             <a:fillRect/>
           </a:stretch>
@@ -8884,7 +8911,9 @@
       <p:sp>
         <p:nvSpPr>
           <p:cNvPr id="183" name="The singleton is a design pattern where there is at most one object of a particular type throughout the entire application.…"/>
-          <p:cNvSpPr txBox="1"/>
+          <p:cNvSpPr txBox="1">
+            <a:spLocks noGrp="1"/>
+          </p:cNvSpPr>
           <p:nvPr>
             <p:ph type="body" sz="half" idx="1"/>
           </p:nvPr>
@@ -8902,7 +8931,7 @@
           <a:bodyPr/>
           <a:lstStyle/>
           <a:p>
-            <a:pPr lvl="1" marL="557784" indent="-278892" defTabSz="1487386">
+            <a:pPr marL="557784" lvl="1" indent="-278892" defTabSz="1487386">
               <a:spcBef>
                 <a:spcPts val="2800"/>
               </a:spcBef>
@@ -8937,7 +8966,7 @@
             </a:r>
           </a:p>
           <a:p>
-            <a:pPr lvl="2" marL="836676" indent="-278892" defTabSz="1487386">
+            <a:pPr marL="836676" lvl="2" indent="-278892" defTabSz="1487386">
               <a:spcBef>
                 <a:spcPts val="2800"/>
               </a:spcBef>
@@ -8948,7 +8977,7 @@
             </a:r>
           </a:p>
           <a:p>
-            <a:pPr lvl="1" marL="557784" indent="-278892" defTabSz="1487386">
+            <a:pPr marL="557784" lvl="1" indent="-278892" defTabSz="1487386">
               <a:spcBef>
                 <a:spcPts val="2800"/>
               </a:spcBef>
@@ -8959,7 +8988,7 @@
             </a:r>
           </a:p>
           <a:p>
-            <a:pPr lvl="2" marL="836676" indent="-278892" defTabSz="1487386">
+            <a:pPr marL="836676" lvl="2" indent="-278892" defTabSz="1487386">
               <a:spcBef>
                 <a:spcPts val="2800"/>
               </a:spcBef>
@@ -8970,7 +8999,7 @@
             </a:r>
           </a:p>
           <a:p>
-            <a:pPr lvl="2" marL="836676" indent="-278892" defTabSz="1487386">
+            <a:pPr marL="836676" lvl="2" indent="-278892" defTabSz="1487386">
               <a:spcBef>
                 <a:spcPts val="2800"/>
               </a:spcBef>
@@ -8981,7 +9010,7 @@
             </a:r>
           </a:p>
           <a:p>
-            <a:pPr lvl="2" marL="836676" indent="-278892" defTabSz="1487386">
+            <a:pPr marL="836676" lvl="2" indent="-278892" defTabSz="1487386">
               <a:spcBef>
                 <a:spcPts val="2800"/>
               </a:spcBef>
@@ -8992,7 +9021,7 @@
             </a:r>
           </a:p>
           <a:p>
-            <a:pPr lvl="2" marL="836676" indent="-278892" defTabSz="1487386">
+            <a:pPr marL="836676" lvl="2" indent="-278892" defTabSz="1487386">
               <a:spcBef>
                 <a:spcPts val="2800"/>
               </a:spcBef>
@@ -9003,7 +9032,7 @@
             </a:r>
           </a:p>
           <a:p>
-            <a:pPr lvl="2" marL="836676" indent="-278892" defTabSz="1487386">
+            <a:pPr marL="836676" lvl="2" indent="-278892" defTabSz="1487386">
               <a:spcBef>
                 <a:spcPts val="2800"/>
               </a:spcBef>
@@ -9014,7 +9043,7 @@
             </a:r>
           </a:p>
           <a:p>
-            <a:pPr lvl="1" marL="557784" indent="-278892" defTabSz="1487386">
+            <a:pPr marL="557784" lvl="1" indent="-278892" defTabSz="1487386">
               <a:spcBef>
                 <a:spcPts val="2800"/>
               </a:spcBef>
@@ -9025,7 +9054,7 @@
             </a:r>
           </a:p>
           <a:p>
-            <a:pPr lvl="2" marL="836676" indent="-278892" defTabSz="1487386">
+            <a:pPr marL="836676" lvl="2" indent="-278892" defTabSz="1487386">
               <a:spcBef>
                 <a:spcPts val="2800"/>
               </a:spcBef>
@@ -9040,7 +9069,9 @@
       <p:sp>
         <p:nvSpPr>
           <p:cNvPr id="184" name="The Singleton"/>
-          <p:cNvSpPr txBox="1"/>
+          <p:cNvSpPr txBox="1">
+            <a:spLocks noGrp="1"/>
+          </p:cNvSpPr>
           <p:nvPr>
             <p:ph type="title"/>
           </p:nvPr>
@@ -9058,11 +9089,10 @@
           <a:bodyPr/>
           <a:lstStyle>
             <a:lvl1pPr defTabSz="2316421">
-              <a:defRPr spc="-95" sz="9500"/>
+              <a:defRPr sz="9500" spc="-95"/>
             </a:lvl1pPr>
           </a:lstStyle>
           <a:p>
-            <a:pPr/>
             <a:r>
               <a:t>The Singleton</a:t>
             </a:r>
@@ -9074,13 +9104,13 @@
   <p:clrMapOvr>
     <a:masterClrMapping/>
   </p:clrMapOvr>
-  <mc:AlternateContent xmlns:mc="http://schemas.openxmlformats.org/markup-compatibility/2006">
-    <mc:Choice xmlns:p14="http://schemas.microsoft.com/office/powerpoint/2010/main" Requires="p14">
-      <p:transition spd="slow" advClick="1" p14:dur="1500">
+  <mc:AlternateContent xmlns:mc="http://schemas.openxmlformats.org/markup-compatibility/2006" xmlns:p14="http://schemas.microsoft.com/office/powerpoint/2010/main">
+    <mc:Choice Requires="p14">
+      <p:transition spd="slow" p14:dur="1500">
         <p:push dir="u"/>
       </p:transition>
     </mc:Choice>
-    <mc:Fallback>
+    <mc:Fallback xmlns:a14="http://schemas.microsoft.com/office/drawing/2010/main" xmlns:m="http://schemas.openxmlformats.org/officeDocument/2006/math" xmlns="">
       <p:transition spd="slow">
         <p:fade/>
       </p:transition>
@@ -9089,16 +9119,16 @@
   <p:timing>
     <p:tnLst>
       <p:par>
-        <p:cTn id="1" nodeType="tmRoot" restart="never" dur="indefinite" fill="hold">
+        <p:cTn id="1" dur="indefinite" restart="never" fill="hold" nodeType="tmRoot">
           <p:childTnLst>
             <p:seq concurrent="1" prevAc="none" nextAc="seek">
-              <p:cTn id="2" nodeType="mainSeq" dur="indefinite" fill="hold">
+              <p:cTn id="2" dur="indefinite" fill="hold" nodeType="mainSeq">
                 <p:childTnLst>
                   <p:par>
                     <p:cTn id="3" fill="hold">
                       <p:stCondLst>
                         <p:cond delay="indefinite"/>
-                        <p:cond evt="onBegin">
+                        <p:cond evt="onBegin" delay="0">
                           <p:tn val="2"/>
                         </p:cond>
                       </p:stCondLst>
@@ -9110,11 +9140,11 @@
                             </p:stCondLst>
                             <p:childTnLst>
                               <p:par>
-                                <p:cTn id="5" presetClass="entr" nodeType="afterEffect" presetSubtype="16" presetID="23" grpId="1" fill="hold">
+                                <p:cTn id="5" presetID="23" presetClass="entr" presetSubtype="16" fill="hold" grpId="1" nodeType="afterEffect">
                                   <p:stCondLst>
                                     <p:cond delay="0"/>
                                   </p:stCondLst>
-                                  <p:iterate type="el" backwards="0">
+                                  <p:iterate>
                                     <p:tmAbs val="0"/>
                                   </p:iterate>
                                   <p:childTnLst>
@@ -9188,11 +9218,11 @@
                                 </p:cTn>
                               </p:par>
                               <p:par>
-                                <p:cTn id="9" presetClass="entr" nodeType="withEffect" presetSubtype="16" presetID="23" grpId="1" fill="hold">
+                                <p:cTn id="9" presetID="23" presetClass="entr" presetSubtype="16" fill="hold" grpId="1" nodeType="withEffect">
                                   <p:stCondLst>
                                     <p:cond delay="0"/>
                                   </p:stCondLst>
-                                  <p:iterate type="el" backwards="0">
+                                  <p:iterate>
                                     <p:tmAbs val="0"/>
                                   </p:iterate>
                                   <p:childTnLst>
@@ -9281,11 +9311,11 @@
                             </p:stCondLst>
                             <p:childTnLst>
                               <p:par>
-                                <p:cTn id="14" presetClass="entr" nodeType="afterEffect" presetSubtype="16" presetID="23" grpId="1" fill="hold">
+                                <p:cTn id="14" presetID="23" presetClass="entr" presetSubtype="16" fill="hold" grpId="1" nodeType="afterEffect">
                                   <p:stCondLst>
                                     <p:cond delay="0"/>
                                   </p:stCondLst>
-                                  <p:iterate type="el" backwards="0">
+                                  <p:iterate>
                                     <p:tmAbs val="0"/>
                                   </p:iterate>
                                   <p:childTnLst>
@@ -9374,11 +9404,11 @@
                             </p:stCondLst>
                             <p:childTnLst>
                               <p:par>
-                                <p:cTn id="19" presetClass="entr" nodeType="afterEffect" presetSubtype="16" presetID="23" grpId="1" fill="hold">
+                                <p:cTn id="19" presetID="23" presetClass="entr" presetSubtype="16" fill="hold" grpId="1" nodeType="afterEffect">
                                   <p:stCondLst>
                                     <p:cond delay="0"/>
                                   </p:stCondLst>
-                                  <p:iterate type="el" backwards="0">
+                                  <p:iterate>
                                     <p:tmAbs val="0"/>
                                   </p:iterate>
                                   <p:childTnLst>
@@ -9467,11 +9497,11 @@
                             </p:stCondLst>
                             <p:childTnLst>
                               <p:par>
-                                <p:cTn id="24" presetClass="entr" nodeType="afterEffect" presetSubtype="16" presetID="23" grpId="1" fill="hold">
+                                <p:cTn id="24" presetID="23" presetClass="entr" presetSubtype="16" fill="hold" grpId="1" nodeType="afterEffect">
                                   <p:stCondLst>
                                     <p:cond delay="0"/>
                                   </p:stCondLst>
-                                  <p:iterate type="el" backwards="0">
+                                  <p:iterate>
                                     <p:tmAbs val="0"/>
                                   </p:iterate>
                                   <p:childTnLst>
@@ -9560,11 +9590,11 @@
                             </p:stCondLst>
                             <p:childTnLst>
                               <p:par>
-                                <p:cTn id="29" presetClass="entr" nodeType="afterEffect" presetSubtype="16" presetID="23" grpId="1" fill="hold">
+                                <p:cTn id="29" presetID="23" presetClass="entr" presetSubtype="16" fill="hold" grpId="1" nodeType="afterEffect">
                                   <p:stCondLst>
                                     <p:cond delay="0"/>
                                   </p:stCondLst>
-                                  <p:iterate type="el" backwards="0">
+                                  <p:iterate>
                                     <p:tmAbs val="0"/>
                                   </p:iterate>
                                   <p:childTnLst>
@@ -9653,11 +9683,11 @@
                             </p:stCondLst>
                             <p:childTnLst>
                               <p:par>
-                                <p:cTn id="34" presetClass="entr" nodeType="afterEffect" presetSubtype="16" presetID="23" grpId="1" fill="hold">
+                                <p:cTn id="34" presetID="23" presetClass="entr" presetSubtype="16" fill="hold" grpId="1" nodeType="afterEffect">
                                   <p:stCondLst>
                                     <p:cond delay="0"/>
                                   </p:stCondLst>
-                                  <p:iterate type="el" backwards="0">
+                                  <p:iterate>
                                     <p:tmAbs val="0"/>
                                   </p:iterate>
                                   <p:childTnLst>
@@ -9746,11 +9776,11 @@
                             </p:stCondLst>
                             <p:childTnLst>
                               <p:par>
-                                <p:cTn id="39" presetClass="entr" nodeType="afterEffect" presetSubtype="16" presetID="23" grpId="1" fill="hold">
+                                <p:cTn id="39" presetID="23" presetClass="entr" presetSubtype="16" fill="hold" grpId="1" nodeType="afterEffect">
                                   <p:stCondLst>
                                     <p:cond delay="0"/>
                                   </p:stCondLst>
-                                  <p:iterate type="el" backwards="0">
+                                  <p:iterate>
                                     <p:tmAbs val="0"/>
                                   </p:iterate>
                                   <p:childTnLst>
@@ -9839,11 +9869,11 @@
                             </p:stCondLst>
                             <p:childTnLst>
                               <p:par>
-                                <p:cTn id="44" presetClass="entr" nodeType="afterEffect" presetSubtype="16" presetID="23" grpId="1" fill="hold">
+                                <p:cTn id="44" presetID="23" presetClass="entr" presetSubtype="16" fill="hold" grpId="1" nodeType="afterEffect">
                                   <p:stCondLst>
                                     <p:cond delay="0"/>
                                   </p:stCondLst>
-                                  <p:iterate type="el" backwards="0">
+                                  <p:iterate>
                                     <p:tmAbs val="0"/>
                                   </p:iterate>
                                   <p:childTnLst>
@@ -9932,11 +9962,11 @@
                             </p:stCondLst>
                             <p:childTnLst>
                               <p:par>
-                                <p:cTn id="49" presetClass="entr" nodeType="afterEffect" presetSubtype="16" presetID="23" grpId="1" fill="hold">
+                                <p:cTn id="49" presetID="23" presetClass="entr" presetSubtype="16" fill="hold" grpId="1" nodeType="afterEffect">
                                   <p:stCondLst>
                                     <p:cond delay="0"/>
                                   </p:stCondLst>
-                                  <p:iterate type="el" backwards="0">
+                                  <p:iterate>
                                     <p:tmAbs val="0"/>
                                   </p:iterate>
                                   <p:childTnLst>
@@ -10025,11 +10055,11 @@
                             </p:stCondLst>
                             <p:childTnLst>
                               <p:par>
-                                <p:cTn id="54" presetClass="entr" nodeType="afterEffect" presetSubtype="16" presetID="23" grpId="1" fill="hold">
+                                <p:cTn id="54" presetID="23" presetClass="entr" presetSubtype="16" fill="hold" grpId="1" nodeType="afterEffect">
                                   <p:stCondLst>
                                     <p:cond delay="0"/>
                                   </p:stCondLst>
-                                  <p:iterate type="el" backwards="0">
+                                  <p:iterate>
                                     <p:tmAbs val="0"/>
                                   </p:iterate>
                                   <p:childTnLst>
@@ -10118,11 +10148,11 @@
                             </p:stCondLst>
                             <p:childTnLst>
                               <p:par>
-                                <p:cTn id="59" presetClass="entr" nodeType="afterEffect" presetSubtype="32" presetID="4" grpId="2" fill="hold">
+                                <p:cTn id="59" presetID="4" presetClass="entr" presetSubtype="32" fill="hold" grpId="2" nodeType="afterEffect">
                                   <p:stCondLst>
                                     <p:cond delay="0"/>
                                   </p:stCondLst>
-                                  <p:iterate type="el" backwards="0">
+                                  <p:iterate>
                                     <p:tmAbs val="0"/>
                                   </p:iterate>
                                   <p:childTnLst>
@@ -10140,7 +10170,7 @@
                                         <p:strVal val="visible"/>
                                       </p:to>
                                     </p:set>
-                                    <p:animEffect filter="box(out)" transition="in">
+                                    <p:animEffect transition="in" filter="box(out)">
                                       <p:cBhvr>
                                         <p:cTn id="61" dur="500"/>
                                         <p:tgtEl>
@@ -10160,14 +10190,14 @@
                 </p:childTnLst>
               </p:cTn>
               <p:prevCondLst>
-                <p:cond evt="onPrev">
+                <p:cond evt="onPrev" delay="0">
                   <p:tgtEl>
                     <p:sldTgt/>
                   </p:tgtEl>
                 </p:cond>
               </p:prevCondLst>
               <p:nextCondLst>
-                <p:cond evt="onNext">
+                <p:cond evt="onNext" delay="0">
                   <p:tgtEl>
                     <p:sldTgt/>
                   </p:tgtEl>
@@ -10179,15 +10209,15 @@
       </p:par>
     </p:tnLst>
     <p:bldLst>
-      <p:bldP build="whole" bldLvl="1" animBg="1" rev="0" advAuto="0" spid="182" grpId="2"/>
-      <p:bldP build="p" bldLvl="5" animBg="1" rev="0" advAuto="0" spid="183" grpId="1"/>
+      <p:bldP spid="182" grpId="2" animBg="1" advAuto="0"/>
+      <p:bldP spid="183" grpId="1" build="p" bldLvl="5" animBg="1" advAuto="0"/>
     </p:bldLst>
   </p:timing>
 </p:sld>
 </file>
 
 <file path=ppt/slides/slide5.xml><?xml version="1.0" encoding="utf-8"?>
-<p:sld xmlns:a="http://schemas.openxmlformats.org/drawingml/2006/main" xmlns:r="http://schemas.openxmlformats.org/officeDocument/2006/relationships" xmlns:p="http://schemas.openxmlformats.org/presentationml/2006/main" xmlns:m="http://schemas.openxmlformats.org/officeDocument/2006/math" xmlns:a14="http://schemas.microsoft.com/office/drawing/2010/main" showMasterSp="1" showMasterPhAnim="1">
+<p:sld xmlns:a="http://schemas.openxmlformats.org/drawingml/2006/main" xmlns:r="http://schemas.openxmlformats.org/officeDocument/2006/relationships" xmlns:p="http://schemas.openxmlformats.org/presentationml/2006/main">
   <p:cSld>
     <p:spTree>
       <p:nvGrpSpPr>
@@ -10206,7 +10236,9 @@
       <p:sp>
         <p:nvSpPr>
           <p:cNvPr id="186" name="Breaking Dependencies w/ Singleton"/>
-          <p:cNvSpPr txBox="1"/>
+          <p:cNvSpPr txBox="1">
+            <a:spLocks noGrp="1"/>
+          </p:cNvSpPr>
           <p:nvPr>
             <p:ph type="title"/>
           </p:nvPr>
@@ -10220,11 +10252,10 @@
           <a:bodyPr/>
           <a:lstStyle>
             <a:lvl1pPr defTabSz="2316421">
-              <a:defRPr spc="-95" sz="9500"/>
+              <a:defRPr sz="9500" spc="-95"/>
             </a:lvl1pPr>
           </a:lstStyle>
           <a:p>
-            <a:pPr/>
             <a:r>
               <a:t>Breaking Dependencies w/ Singleton </a:t>
             </a:r>
@@ -10234,7 +10265,9 @@
       <p:sp>
         <p:nvSpPr>
           <p:cNvPr id="187" name="There are two primary ways to work with breaking dependencies of a singleton.…"/>
-          <p:cNvSpPr txBox="1"/>
+          <p:cNvSpPr txBox="1">
+            <a:spLocks noGrp="1"/>
+          </p:cNvSpPr>
           <p:nvPr>
             <p:ph type="body" sz="half" idx="1"/>
           </p:nvPr>
@@ -10263,7 +10296,7 @@
             </a:r>
           </a:p>
           <a:p>
-            <a:pPr lvl="1" marL="621791" indent="-310895" defTabSz="1658070">
+            <a:pPr marL="621791" lvl="1" indent="-310895" defTabSz="1658070">
               <a:spcBef>
                 <a:spcPts val="3100"/>
               </a:spcBef>
@@ -10274,7 +10307,7 @@
             </a:r>
           </a:p>
           <a:p>
-            <a:pPr lvl="2" marL="932688" indent="-310895" defTabSz="1658070">
+            <a:pPr marL="932688" lvl="2" indent="-310895" defTabSz="1658070">
               <a:spcBef>
                 <a:spcPts val="3100"/>
               </a:spcBef>
@@ -10285,7 +10318,7 @@
             </a:r>
           </a:p>
           <a:p>
-            <a:pPr lvl="3" marL="1243583" indent="-310895" defTabSz="1658070">
+            <a:pPr marL="1243583" lvl="3" indent="-310895" defTabSz="1658070">
               <a:spcBef>
                 <a:spcPts val="3100"/>
               </a:spcBef>
@@ -10296,7 +10329,7 @@
             </a:r>
           </a:p>
           <a:p>
-            <a:pPr lvl="3" marL="1243583" indent="-310895" defTabSz="1658070">
+            <a:pPr marL="1243583" lvl="3" indent="-310895" defTabSz="1658070">
               <a:spcBef>
                 <a:spcPts val="3100"/>
               </a:spcBef>
@@ -10307,7 +10340,7 @@
             </a:r>
           </a:p>
           <a:p>
-            <a:pPr lvl="2" marL="932688" indent="-310895" defTabSz="1658070">
+            <a:pPr marL="932688" lvl="2" indent="-310895" defTabSz="1658070">
               <a:spcBef>
                 <a:spcPts val="3100"/>
               </a:spcBef>
@@ -10318,7 +10351,7 @@
             </a:r>
           </a:p>
           <a:p>
-            <a:pPr lvl="3" marL="1243583" indent="-310895" defTabSz="1658070">
+            <a:pPr marL="1243583" lvl="3" indent="-310895" defTabSz="1658070">
               <a:spcBef>
                 <a:spcPts val="3100"/>
               </a:spcBef>
@@ -10329,7 +10362,7 @@
             </a:r>
           </a:p>
           <a:p>
-            <a:pPr lvl="3" marL="1243583" indent="-310895" defTabSz="1658070">
+            <a:pPr marL="1243583" lvl="3" indent="-310895" defTabSz="1658070">
               <a:spcBef>
                 <a:spcPts val="3100"/>
               </a:spcBef>
@@ -10340,7 +10373,7 @@
             </a:r>
           </a:p>
           <a:p>
-            <a:pPr lvl="3" marL="1243583" indent="-310895" defTabSz="1658070">
+            <a:pPr marL="1243583" lvl="3" indent="-310895" defTabSz="1658070">
               <a:spcBef>
                 <a:spcPts val="3100"/>
               </a:spcBef>
@@ -10351,7 +10384,7 @@
             </a:r>
           </a:p>
           <a:p>
-            <a:pPr lvl="1" marL="621791" indent="-310895" defTabSz="1658070">
+            <a:pPr marL="621791" lvl="1" indent="-310895" defTabSz="1658070">
               <a:spcBef>
                 <a:spcPts val="3100"/>
               </a:spcBef>
@@ -10372,9 +10405,7 @@
           <p:nvPr/>
         </p:nvPicPr>
         <p:blipFill>
-          <a:blip r:embed="rId2">
-            <a:extLst/>
-          </a:blip>
+          <a:blip r:embed="rId2"/>
           <a:stretch>
             <a:fillRect/>
           </a:stretch>
@@ -10397,13 +10428,13 @@
   <p:clrMapOvr>
     <a:masterClrMapping/>
   </p:clrMapOvr>
-  <mc:AlternateContent xmlns:mc="http://schemas.openxmlformats.org/markup-compatibility/2006">
-    <mc:Choice xmlns:p14="http://schemas.microsoft.com/office/powerpoint/2010/main" Requires="p14">
-      <p:transition spd="slow" advClick="1" p14:dur="1500">
+  <mc:AlternateContent xmlns:mc="http://schemas.openxmlformats.org/markup-compatibility/2006" xmlns:p14="http://schemas.microsoft.com/office/powerpoint/2010/main">
+    <mc:Choice Requires="p14">
+      <p:transition spd="slow" p14:dur="1500">
         <p:push dir="u"/>
       </p:transition>
     </mc:Choice>
-    <mc:Fallback>
+    <mc:Fallback xmlns:a14="http://schemas.microsoft.com/office/drawing/2010/main" xmlns:m="http://schemas.openxmlformats.org/officeDocument/2006/math" xmlns="">
       <p:transition spd="slow">
         <p:fade/>
       </p:transition>
@@ -10412,16 +10443,16 @@
   <p:timing>
     <p:tnLst>
       <p:par>
-        <p:cTn id="1" nodeType="tmRoot" restart="never" dur="indefinite" fill="hold">
+        <p:cTn id="1" dur="indefinite" restart="never" fill="hold" nodeType="tmRoot">
           <p:childTnLst>
             <p:seq concurrent="1" prevAc="none" nextAc="seek">
-              <p:cTn id="2" nodeType="mainSeq" dur="indefinite" fill="hold">
+              <p:cTn id="2" dur="indefinite" fill="hold" nodeType="mainSeq">
                 <p:childTnLst>
                   <p:par>
                     <p:cTn id="3" fill="hold">
                       <p:stCondLst>
                         <p:cond delay="indefinite"/>
-                        <p:cond evt="onBegin">
+                        <p:cond evt="onBegin" delay="0">
                           <p:tn val="2"/>
                         </p:cond>
                       </p:stCondLst>
@@ -10433,11 +10464,11 @@
                             </p:stCondLst>
                             <p:childTnLst>
                               <p:par>
-                                <p:cTn id="5" presetClass="entr" nodeType="afterEffect" presetSubtype="8" presetID="22" grpId="1" fill="hold">
+                                <p:cTn id="5" presetID="22" presetClass="entr" presetSubtype="8" fill="hold" grpId="1" nodeType="afterEffect">
                                   <p:stCondLst>
                                     <p:cond delay="0"/>
                                   </p:stCondLst>
-                                  <p:iterate type="el" backwards="0">
+                                  <p:iterate>
                                     <p:tmAbs val="0"/>
                                   </p:iterate>
                                   <p:childTnLst>
@@ -10457,7 +10488,7 @@
                                         <p:strVal val="visible"/>
                                       </p:to>
                                     </p:set>
-                                    <p:animEffect filter="wipe(left)" transition="in">
+                                    <p:animEffect transition="in" filter="wipe(left)">
                                       <p:cBhvr>
                                         <p:cTn id="7" dur="1000"/>
                                         <p:tgtEl>
@@ -10471,11 +10502,11 @@
                                 </p:cTn>
                               </p:par>
                               <p:par>
-                                <p:cTn id="8" presetClass="entr" nodeType="withEffect" presetSubtype="8" presetID="22" grpId="1" fill="hold">
+                                <p:cTn id="8" presetID="22" presetClass="entr" presetSubtype="8" fill="hold" grpId="1" nodeType="withEffect">
                                   <p:stCondLst>
                                     <p:cond delay="0"/>
                                   </p:stCondLst>
-                                  <p:iterate type="el" backwards="0">
+                                  <p:iterate>
                                     <p:tmAbs val="0"/>
                                   </p:iterate>
                                   <p:childTnLst>
@@ -10497,7 +10528,7 @@
                                         <p:strVal val="visible"/>
                                       </p:to>
                                     </p:set>
-                                    <p:animEffect filter="wipe(left)" transition="in">
+                                    <p:animEffect transition="in" filter="wipe(left)">
                                       <p:cBhvr>
                                         <p:cTn id="10" dur="1000"/>
                                         <p:tgtEl>
@@ -10522,11 +10553,11 @@
                             </p:stCondLst>
                             <p:childTnLst>
                               <p:par>
-                                <p:cTn id="12" presetClass="entr" nodeType="afterEffect" presetSubtype="8" presetID="22" grpId="1" fill="hold">
+                                <p:cTn id="12" presetID="22" presetClass="entr" presetSubtype="8" fill="hold" grpId="1" nodeType="afterEffect">
                                   <p:stCondLst>
                                     <p:cond delay="0"/>
                                   </p:stCondLst>
-                                  <p:iterate type="el" backwards="0">
+                                  <p:iterate>
                                     <p:tmAbs val="0"/>
                                   </p:iterate>
                                   <p:childTnLst>
@@ -10548,7 +10579,7 @@
                                         <p:strVal val="visible"/>
                                       </p:to>
                                     </p:set>
-                                    <p:animEffect filter="wipe(left)" transition="in">
+                                    <p:animEffect transition="in" filter="wipe(left)">
                                       <p:cBhvr>
                                         <p:cTn id="14" dur="1000"/>
                                         <p:tgtEl>
@@ -10573,11 +10604,11 @@
                             </p:stCondLst>
                             <p:childTnLst>
                               <p:par>
-                                <p:cTn id="16" presetClass="entr" nodeType="afterEffect" presetSubtype="8" presetID="22" grpId="1" fill="hold">
+                                <p:cTn id="16" presetID="22" presetClass="entr" presetSubtype="8" fill="hold" grpId="1" nodeType="afterEffect">
                                   <p:stCondLst>
                                     <p:cond delay="0"/>
                                   </p:stCondLst>
-                                  <p:iterate type="el" backwards="0">
+                                  <p:iterate>
                                     <p:tmAbs val="0"/>
                                   </p:iterate>
                                   <p:childTnLst>
@@ -10599,7 +10630,7 @@
                                         <p:strVal val="visible"/>
                                       </p:to>
                                     </p:set>
-                                    <p:animEffect filter="wipe(left)" transition="in">
+                                    <p:animEffect transition="in" filter="wipe(left)">
                                       <p:cBhvr>
                                         <p:cTn id="18" dur="1000"/>
                                         <p:tgtEl>
@@ -10624,11 +10655,11 @@
                             </p:stCondLst>
                             <p:childTnLst>
                               <p:par>
-                                <p:cTn id="20" presetClass="entr" nodeType="afterEffect" presetSubtype="8" presetID="22" grpId="1" fill="hold">
+                                <p:cTn id="20" presetID="22" presetClass="entr" presetSubtype="8" fill="hold" grpId="1" nodeType="afterEffect">
                                   <p:stCondLst>
                                     <p:cond delay="0"/>
                                   </p:stCondLst>
-                                  <p:iterate type="el" backwards="0">
+                                  <p:iterate>
                                     <p:tmAbs val="0"/>
                                   </p:iterate>
                                   <p:childTnLst>
@@ -10650,7 +10681,7 @@
                                         <p:strVal val="visible"/>
                                       </p:to>
                                     </p:set>
-                                    <p:animEffect filter="wipe(left)" transition="in">
+                                    <p:animEffect transition="in" filter="wipe(left)">
                                       <p:cBhvr>
                                         <p:cTn id="22" dur="1000"/>
                                         <p:tgtEl>
@@ -10675,11 +10706,11 @@
                             </p:stCondLst>
                             <p:childTnLst>
                               <p:par>
-                                <p:cTn id="24" presetClass="entr" nodeType="afterEffect" presetSubtype="8" presetID="22" grpId="1" fill="hold">
+                                <p:cTn id="24" presetID="22" presetClass="entr" presetSubtype="8" fill="hold" grpId="1" nodeType="afterEffect">
                                   <p:stCondLst>
                                     <p:cond delay="0"/>
                                   </p:stCondLst>
-                                  <p:iterate type="el" backwards="0">
+                                  <p:iterate>
                                     <p:tmAbs val="0"/>
                                   </p:iterate>
                                   <p:childTnLst>
@@ -10701,7 +10732,7 @@
                                         <p:strVal val="visible"/>
                                       </p:to>
                                     </p:set>
-                                    <p:animEffect filter="wipe(left)" transition="in">
+                                    <p:animEffect transition="in" filter="wipe(left)">
                                       <p:cBhvr>
                                         <p:cTn id="26" dur="1000"/>
                                         <p:tgtEl>
@@ -10726,11 +10757,11 @@
                             </p:stCondLst>
                             <p:childTnLst>
                               <p:par>
-                                <p:cTn id="28" presetClass="entr" nodeType="afterEffect" presetSubtype="8" presetID="22" grpId="1" fill="hold">
+                                <p:cTn id="28" presetID="22" presetClass="entr" presetSubtype="8" fill="hold" grpId="1" nodeType="afterEffect">
                                   <p:stCondLst>
                                     <p:cond delay="0"/>
                                   </p:stCondLst>
-                                  <p:iterate type="el" backwards="0">
+                                  <p:iterate>
                                     <p:tmAbs val="0"/>
                                   </p:iterate>
                                   <p:childTnLst>
@@ -10752,7 +10783,7 @@
                                         <p:strVal val="visible"/>
                                       </p:to>
                                     </p:set>
-                                    <p:animEffect filter="wipe(left)" transition="in">
+                                    <p:animEffect transition="in" filter="wipe(left)">
                                       <p:cBhvr>
                                         <p:cTn id="30" dur="1000"/>
                                         <p:tgtEl>
@@ -10777,11 +10808,11 @@
                             </p:stCondLst>
                             <p:childTnLst>
                               <p:par>
-                                <p:cTn id="32" presetClass="entr" nodeType="afterEffect" presetSubtype="8" presetID="22" grpId="1" fill="hold">
+                                <p:cTn id="32" presetID="22" presetClass="entr" presetSubtype="8" fill="hold" grpId="1" nodeType="afterEffect">
                                   <p:stCondLst>
                                     <p:cond delay="0"/>
                                   </p:stCondLst>
-                                  <p:iterate type="el" backwards="0">
+                                  <p:iterate>
                                     <p:tmAbs val="0"/>
                                   </p:iterate>
                                   <p:childTnLst>
@@ -10803,7 +10834,7 @@
                                         <p:strVal val="visible"/>
                                       </p:to>
                                     </p:set>
-                                    <p:animEffect filter="wipe(left)" transition="in">
+                                    <p:animEffect transition="in" filter="wipe(left)">
                                       <p:cBhvr>
                                         <p:cTn id="34" dur="1000"/>
                                         <p:tgtEl>
@@ -10828,11 +10859,11 @@
                             </p:stCondLst>
                             <p:childTnLst>
                               <p:par>
-                                <p:cTn id="36" presetClass="entr" nodeType="afterEffect" presetSubtype="8" presetID="22" grpId="1" fill="hold">
+                                <p:cTn id="36" presetID="22" presetClass="entr" presetSubtype="8" fill="hold" grpId="1" nodeType="afterEffect">
                                   <p:stCondLst>
                                     <p:cond delay="0"/>
                                   </p:stCondLst>
-                                  <p:iterate type="el" backwards="0">
+                                  <p:iterate>
                                     <p:tmAbs val="0"/>
                                   </p:iterate>
                                   <p:childTnLst>
@@ -10854,7 +10885,7 @@
                                         <p:strVal val="visible"/>
                                       </p:to>
                                     </p:set>
-                                    <p:animEffect filter="wipe(left)" transition="in">
+                                    <p:animEffect transition="in" filter="wipe(left)">
                                       <p:cBhvr>
                                         <p:cTn id="38" dur="1000"/>
                                         <p:tgtEl>
@@ -10879,11 +10910,11 @@
                             </p:stCondLst>
                             <p:childTnLst>
                               <p:par>
-                                <p:cTn id="40" presetClass="entr" nodeType="afterEffect" presetSubtype="8" presetID="22" grpId="1" fill="hold">
+                                <p:cTn id="40" presetID="22" presetClass="entr" presetSubtype="8" fill="hold" grpId="1" nodeType="afterEffect">
                                   <p:stCondLst>
                                     <p:cond delay="0"/>
                                   </p:stCondLst>
-                                  <p:iterate type="el" backwards="0">
+                                  <p:iterate>
                                     <p:tmAbs val="0"/>
                                   </p:iterate>
                                   <p:childTnLst>
@@ -10905,7 +10936,7 @@
                                         <p:strVal val="visible"/>
                                       </p:to>
                                     </p:set>
-                                    <p:animEffect filter="wipe(left)" transition="in">
+                                    <p:animEffect transition="in" filter="wipe(left)">
                                       <p:cBhvr>
                                         <p:cTn id="42" dur="1000"/>
                                         <p:tgtEl>
@@ -10930,11 +10961,11 @@
                             </p:stCondLst>
                             <p:childTnLst>
                               <p:par>
-                                <p:cTn id="44" presetClass="entr" nodeType="afterEffect" presetSubtype="8" presetID="22" grpId="1" fill="hold">
+                                <p:cTn id="44" presetID="22" presetClass="entr" presetSubtype="8" fill="hold" grpId="1" nodeType="afterEffect">
                                   <p:stCondLst>
                                     <p:cond delay="0"/>
                                   </p:stCondLst>
-                                  <p:iterate type="el" backwards="0">
+                                  <p:iterate>
                                     <p:tmAbs val="0"/>
                                   </p:iterate>
                                   <p:childTnLst>
@@ -10956,7 +10987,7 @@
                                         <p:strVal val="visible"/>
                                       </p:to>
                                     </p:set>
-                                    <p:animEffect filter="wipe(left)" transition="in">
+                                    <p:animEffect transition="in" filter="wipe(left)">
                                       <p:cBhvr>
                                         <p:cTn id="46" dur="1000"/>
                                         <p:tgtEl>
@@ -10981,11 +11012,11 @@
                             </p:stCondLst>
                             <p:childTnLst>
                               <p:par>
-                                <p:cTn id="48" presetClass="entr" nodeType="afterEffect" presetSubtype="16" presetID="23" grpId="2" fill="hold">
+                                <p:cTn id="48" presetID="23" presetClass="entr" presetSubtype="16" fill="hold" grpId="2" nodeType="afterEffect">
                                   <p:stCondLst>
                                     <p:cond delay="0"/>
                                   </p:stCondLst>
-                                  <p:iterate type="el" backwards="0">
+                                  <p:iterate>
                                     <p:tmAbs val="0"/>
                                   </p:iterate>
                                   <p:childTnLst>
@@ -11061,14 +11092,14 @@
                 </p:childTnLst>
               </p:cTn>
               <p:prevCondLst>
-                <p:cond evt="onPrev">
+                <p:cond evt="onPrev" delay="0">
                   <p:tgtEl>
                     <p:sldTgt/>
                   </p:tgtEl>
                 </p:cond>
               </p:prevCondLst>
               <p:nextCondLst>
-                <p:cond evt="onNext">
+                <p:cond evt="onNext" delay="0">
                   <p:tgtEl>
                     <p:sldTgt/>
                   </p:tgtEl>
@@ -11080,15 +11111,15 @@
       </p:par>
     </p:tnLst>
     <p:bldLst>
-      <p:bldP build="p" bldLvl="5" animBg="1" rev="0" advAuto="0" spid="187" grpId="1"/>
-      <p:bldP build="whole" bldLvl="1" animBg="1" rev="0" advAuto="0" spid="188" grpId="2"/>
+      <p:bldP spid="187" grpId="1" build="p" bldLvl="5" animBg="1" advAuto="0"/>
+      <p:bldP spid="188" grpId="2" animBg="1" advAuto="0"/>
     </p:bldLst>
   </p:timing>
 </p:sld>
 </file>
 
 <file path=ppt/slides/slide6.xml><?xml version="1.0" encoding="utf-8"?>
-<p:sld xmlns:a="http://schemas.openxmlformats.org/drawingml/2006/main" xmlns:r="http://schemas.openxmlformats.org/officeDocument/2006/relationships" xmlns:p="http://schemas.openxmlformats.org/presentationml/2006/main" xmlns:m="http://schemas.openxmlformats.org/officeDocument/2006/math" xmlns:a14="http://schemas.microsoft.com/office/drawing/2010/main" showMasterSp="1" showMasterPhAnim="1">
+<p:sld xmlns:a="http://schemas.openxmlformats.org/drawingml/2006/main" xmlns:r="http://schemas.openxmlformats.org/officeDocument/2006/relationships" xmlns:p="http://schemas.openxmlformats.org/presentationml/2006/main">
   <p:cSld>
     <p:spTree>
       <p:nvGrpSpPr>
@@ -11107,7 +11138,9 @@
       <p:sp>
         <p:nvSpPr>
           <p:cNvPr id="190" name="Demo Part 1"/>
-          <p:cNvSpPr txBox="1"/>
+          <p:cNvSpPr txBox="1">
+            <a:spLocks noGrp="1"/>
+          </p:cNvSpPr>
           <p:nvPr>
             <p:ph type="title"/>
           </p:nvPr>
@@ -11125,11 +11158,10 @@
           <a:bodyPr/>
           <a:lstStyle>
             <a:lvl1pPr defTabSz="2316421">
-              <a:defRPr spc="-95" sz="9500"/>
+              <a:defRPr sz="9500" spc="-95"/>
             </a:lvl1pPr>
           </a:lstStyle>
           <a:p>
-            <a:pPr/>
             <a:r>
               <a:t>Demo Part 1</a:t>
             </a:r>
@@ -11141,13 +11173,13 @@
   <p:clrMapOvr>
     <a:masterClrMapping/>
   </p:clrMapOvr>
-  <mc:AlternateContent xmlns:mc="http://schemas.openxmlformats.org/markup-compatibility/2006">
-    <mc:Choice xmlns:p14="http://schemas.microsoft.com/office/powerpoint/2010/main" Requires="p14">
-      <p:transition spd="slow" advClick="1" p14:dur="1500">
+  <mc:AlternateContent xmlns:mc="http://schemas.openxmlformats.org/markup-compatibility/2006" xmlns:p14="http://schemas.microsoft.com/office/powerpoint/2010/main">
+    <mc:Choice Requires="p14">
+      <p:transition spd="slow" p14:dur="1500">
         <p:push dir="u"/>
       </p:transition>
     </mc:Choice>
-    <mc:Fallback>
+    <mc:Fallback xmlns:a14="http://schemas.microsoft.com/office/drawing/2010/main" xmlns:m="http://schemas.openxmlformats.org/officeDocument/2006/math" xmlns="">
       <p:transition spd="slow">
         <p:fade/>
       </p:transition>
@@ -11157,7 +11189,7 @@
 </file>
 
 <file path=ppt/slides/slide7.xml><?xml version="1.0" encoding="utf-8"?>
-<p:sld xmlns:a="http://schemas.openxmlformats.org/drawingml/2006/main" xmlns:r="http://schemas.openxmlformats.org/officeDocument/2006/relationships" xmlns:p="http://schemas.openxmlformats.org/presentationml/2006/main" xmlns:m="http://schemas.openxmlformats.org/officeDocument/2006/math" xmlns:a14="http://schemas.microsoft.com/office/drawing/2010/main" showMasterSp="1" showMasterPhAnim="1">
+<p:sld xmlns:a="http://schemas.openxmlformats.org/drawingml/2006/main" xmlns:r="http://schemas.openxmlformats.org/officeDocument/2006/relationships" xmlns:p="http://schemas.openxmlformats.org/presentationml/2006/main">
   <p:cSld>
     <p:spTree>
       <p:nvGrpSpPr>
@@ -11176,7 +11208,9 @@
       <p:sp>
         <p:nvSpPr>
           <p:cNvPr id="192" name="Working with Import Dependencies"/>
-          <p:cNvSpPr txBox="1"/>
+          <p:cNvSpPr txBox="1">
+            <a:spLocks noGrp="1"/>
+          </p:cNvSpPr>
           <p:nvPr>
             <p:ph type="title"/>
           </p:nvPr>
@@ -11190,11 +11224,10 @@
           <a:bodyPr/>
           <a:lstStyle>
             <a:lvl1pPr defTabSz="2316421">
-              <a:defRPr spc="-95" sz="9500"/>
+              <a:defRPr sz="9500" spc="-95"/>
             </a:lvl1pPr>
           </a:lstStyle>
           <a:p>
-            <a:pPr/>
             <a:r>
               <a:t>Working with Import Dependencies </a:t>
             </a:r>
@@ -11204,7 +11237,9 @@
       <p:sp>
         <p:nvSpPr>
           <p:cNvPr id="193" name="Often when working with large projects, there are a variety of imports from either from other parts of our codebase (potentially legacy) or external libraries from other developers.…"/>
-          <p:cNvSpPr txBox="1"/>
+          <p:cNvSpPr txBox="1">
+            <a:spLocks noGrp="1"/>
+          </p:cNvSpPr>
           <p:nvPr>
             <p:ph type="body" sz="half" idx="1"/>
           </p:nvPr>
@@ -11265,9 +11300,7 @@
           <p:nvPr/>
         </p:nvPicPr>
         <p:blipFill>
-          <a:blip r:embed="rId2">
-            <a:extLst/>
-          </a:blip>
+          <a:blip r:embed="rId2"/>
           <a:stretch>
             <a:fillRect/>
           </a:stretch>
@@ -11294,9 +11327,7 @@
           <p:nvPr/>
         </p:nvPicPr>
         <p:blipFill>
-          <a:blip r:embed="rId3">
-            <a:extLst/>
-          </a:blip>
+          <a:blip r:embed="rId3"/>
           <a:stretch>
             <a:fillRect/>
           </a:stretch>
@@ -11319,13 +11350,13 @@
   <p:clrMapOvr>
     <a:masterClrMapping/>
   </p:clrMapOvr>
-  <mc:AlternateContent xmlns:mc="http://schemas.openxmlformats.org/markup-compatibility/2006">
-    <mc:Choice xmlns:p14="http://schemas.microsoft.com/office/powerpoint/2010/main" Requires="p14">
-      <p:transition spd="slow" advClick="1" p14:dur="1500">
+  <mc:AlternateContent xmlns:mc="http://schemas.openxmlformats.org/markup-compatibility/2006" xmlns:p14="http://schemas.microsoft.com/office/powerpoint/2010/main">
+    <mc:Choice Requires="p14">
+      <p:transition spd="slow" p14:dur="1500">
         <p:push dir="u"/>
       </p:transition>
     </mc:Choice>
-    <mc:Fallback>
+    <mc:Fallback xmlns:a14="http://schemas.microsoft.com/office/drawing/2010/main" xmlns:m="http://schemas.openxmlformats.org/officeDocument/2006/math" xmlns="">
       <p:transition spd="slow">
         <p:fade/>
       </p:transition>
@@ -11334,16 +11365,16 @@
   <p:timing>
     <p:tnLst>
       <p:par>
-        <p:cTn id="1" nodeType="tmRoot" restart="never" dur="indefinite" fill="hold">
+        <p:cTn id="1" dur="indefinite" restart="never" fill="hold" nodeType="tmRoot">
           <p:childTnLst>
             <p:seq concurrent="1" prevAc="none" nextAc="seek">
-              <p:cTn id="2" nodeType="mainSeq" dur="indefinite" fill="hold">
+              <p:cTn id="2" dur="indefinite" fill="hold" nodeType="mainSeq">
                 <p:childTnLst>
                   <p:par>
                     <p:cTn id="3" fill="hold">
                       <p:stCondLst>
                         <p:cond delay="indefinite"/>
-                        <p:cond evt="onBegin">
+                        <p:cond evt="onBegin" delay="0">
                           <p:tn val="2"/>
                         </p:cond>
                       </p:stCondLst>
@@ -11355,11 +11386,11 @@
                             </p:stCondLst>
                             <p:childTnLst>
                               <p:par>
-                                <p:cTn id="5" presetClass="entr" nodeType="afterEffect" presetID="10" grpId="1" fill="hold">
+                                <p:cTn id="5" presetID="10" presetClass="entr" fill="hold" grpId="1" nodeType="afterEffect">
                                   <p:stCondLst>
                                     <p:cond delay="0"/>
                                   </p:stCondLst>
-                                  <p:iterate type="el" backwards="0">
+                                  <p:iterate>
                                     <p:tmAbs val="0"/>
                                   </p:iterate>
                                   <p:childTnLst>
@@ -11379,7 +11410,7 @@
                                         <p:strVal val="visible"/>
                                       </p:to>
                                     </p:set>
-                                    <p:animEffect filter="fade" transition="in">
+                                    <p:animEffect transition="in" filter="fade">
                                       <p:cBhvr>
                                         <p:cTn id="7" dur="1000"/>
                                         <p:tgtEl>
@@ -11393,11 +11424,11 @@
                                 </p:cTn>
                               </p:par>
                               <p:par>
-                                <p:cTn id="8" presetClass="entr" nodeType="withEffect" presetSubtype="0" presetID="10" grpId="1" fill="hold">
+                                <p:cTn id="8" presetID="10" presetClass="entr" presetSubtype="0" fill="hold" grpId="1" nodeType="withEffect">
                                   <p:stCondLst>
                                     <p:cond delay="0"/>
                                   </p:stCondLst>
-                                  <p:iterate type="el" backwards="0">
+                                  <p:iterate>
                                     <p:tmAbs val="0"/>
                                   </p:iterate>
                                   <p:childTnLst>
@@ -11419,7 +11450,7 @@
                                         <p:strVal val="visible"/>
                                       </p:to>
                                     </p:set>
-                                    <p:animEffect filter="fade" transition="in">
+                                    <p:animEffect transition="in" filter="fade">
                                       <p:cBhvr>
                                         <p:cTn id="10" dur="1000"/>
                                         <p:tgtEl>
@@ -11444,11 +11475,11 @@
                             </p:stCondLst>
                             <p:childTnLst>
                               <p:par>
-                                <p:cTn id="12" presetClass="entr" nodeType="afterEffect" presetID="10" grpId="1" fill="hold">
+                                <p:cTn id="12" presetID="10" presetClass="entr" fill="hold" grpId="1" nodeType="afterEffect">
                                   <p:stCondLst>
                                     <p:cond delay="0"/>
                                   </p:stCondLst>
-                                  <p:iterate type="el" backwards="0">
+                                  <p:iterate>
                                     <p:tmAbs val="0"/>
                                   </p:iterate>
                                   <p:childTnLst>
@@ -11470,7 +11501,7 @@
                                         <p:strVal val="visible"/>
                                       </p:to>
                                     </p:set>
-                                    <p:animEffect filter="fade" transition="in">
+                                    <p:animEffect transition="in" filter="fade">
                                       <p:cBhvr>
                                         <p:cTn id="14" dur="1000"/>
                                         <p:tgtEl>
@@ -11495,11 +11526,11 @@
                             </p:stCondLst>
                             <p:childTnLst>
                               <p:par>
-                                <p:cTn id="16" presetClass="entr" nodeType="afterEffect" presetID="10" grpId="1" fill="hold">
+                                <p:cTn id="16" presetID="10" presetClass="entr" fill="hold" grpId="1" nodeType="afterEffect">
                                   <p:stCondLst>
                                     <p:cond delay="0"/>
                                   </p:stCondLst>
-                                  <p:iterate type="el" backwards="0">
+                                  <p:iterate>
                                     <p:tmAbs val="0"/>
                                   </p:iterate>
                                   <p:childTnLst>
@@ -11521,7 +11552,7 @@
                                         <p:strVal val="visible"/>
                                       </p:to>
                                     </p:set>
-                                    <p:animEffect filter="fade" transition="in">
+                                    <p:animEffect transition="in" filter="fade">
                                       <p:cBhvr>
                                         <p:cTn id="18" dur="1000"/>
                                         <p:tgtEl>
@@ -11546,11 +11577,11 @@
                             </p:stCondLst>
                             <p:childTnLst>
                               <p:par>
-                                <p:cTn id="20" presetClass="entr" nodeType="afterEffect" presetSubtype="16" presetID="23" grpId="2" fill="hold">
+                                <p:cTn id="20" presetID="23" presetClass="entr" presetSubtype="16" fill="hold" grpId="2" nodeType="afterEffect">
                                   <p:stCondLst>
                                     <p:cond delay="0"/>
                                   </p:stCondLst>
-                                  <p:iterate type="el" backwards="0">
+                                  <p:iterate>
                                     <p:tmAbs val="0"/>
                                   </p:iterate>
                                   <p:childTnLst>
@@ -11636,11 +11667,11 @@
                             </p:stCondLst>
                             <p:childTnLst>
                               <p:par>
-                                <p:cTn id="26" presetClass="exit" nodeType="clickEffect" presetSubtype="0" presetID="1" grpId="3" fill="hold">
+                                <p:cTn id="26" presetID="1" presetClass="exit" presetSubtype="0" fill="hold" grpId="3" nodeType="clickEffect">
                                   <p:stCondLst>
                                     <p:cond delay="0"/>
                                   </p:stCondLst>
-                                  <p:iterate type="el" backwards="0">
+                                  <p:iterate>
                                     <p:tmAbs val="0"/>
                                   </p:iterate>
                                   <p:childTnLst>
@@ -11675,11 +11706,11 @@
                             </p:stCondLst>
                             <p:childTnLst>
                               <p:par>
-                                <p:cTn id="29" presetClass="entr" nodeType="afterEffect" presetSubtype="16" presetID="23" grpId="4" fill="hold">
+                                <p:cTn id="29" presetID="23" presetClass="entr" presetSubtype="16" fill="hold" grpId="4" nodeType="afterEffect">
                                   <p:stCondLst>
                                     <p:cond delay="0"/>
                                   </p:stCondLst>
-                                  <p:iterate type="el" backwards="0">
+                                  <p:iterate>
                                     <p:tmAbs val="0"/>
                                   </p:iterate>
                                   <p:childTnLst>
@@ -11755,14 +11786,14 @@
                 </p:childTnLst>
               </p:cTn>
               <p:prevCondLst>
-                <p:cond evt="onPrev">
+                <p:cond evt="onPrev" delay="0">
                   <p:tgtEl>
                     <p:sldTgt/>
                   </p:tgtEl>
                 </p:cond>
               </p:prevCondLst>
               <p:nextCondLst>
-                <p:cond evt="onNext">
+                <p:cond evt="onNext" delay="0">
                   <p:tgtEl>
                     <p:sldTgt/>
                   </p:tgtEl>
@@ -11774,17 +11805,17 @@
       </p:par>
     </p:tnLst>
     <p:bldLst>
-      <p:bldP build="whole" bldLvl="1" animBg="1" rev="0" advAuto="0" spid="195" grpId="2"/>
-      <p:bldP build="whole" bldLvl="1" animBg="1" rev="0" advAuto="0" spid="195" grpId="3"/>
-      <p:bldP build="p" bldLvl="5" animBg="1" rev="0" advAuto="0" spid="193" grpId="1"/>
-      <p:bldP build="whole" bldLvl="1" animBg="1" rev="0" advAuto="0" spid="194" grpId="4"/>
+      <p:bldP spid="193" grpId="1" build="p" bldLvl="5" animBg="1" advAuto="0"/>
+      <p:bldP spid="194" grpId="4" animBg="1" advAuto="0"/>
+      <p:bldP spid="195" grpId="2" animBg="1" advAuto="0"/>
+      <p:bldP spid="195" grpId="3" animBg="1" advAuto="0"/>
     </p:bldLst>
   </p:timing>
 </p:sld>
 </file>
 
 <file path=ppt/slides/slide8.xml><?xml version="1.0" encoding="utf-8"?>
-<p:sld xmlns:a="http://schemas.openxmlformats.org/drawingml/2006/main" xmlns:r="http://schemas.openxmlformats.org/officeDocument/2006/relationships" xmlns:p="http://schemas.openxmlformats.org/presentationml/2006/main" xmlns:m="http://schemas.openxmlformats.org/officeDocument/2006/math" xmlns:a14="http://schemas.microsoft.com/office/drawing/2010/main" showMasterSp="1" showMasterPhAnim="1">
+<p:sld xmlns:a="http://schemas.openxmlformats.org/drawingml/2006/main" xmlns:r="http://schemas.openxmlformats.org/officeDocument/2006/relationships" xmlns:p="http://schemas.openxmlformats.org/presentationml/2006/main">
   <p:cSld>
     <p:spTree>
       <p:nvGrpSpPr>
@@ -11803,7 +11834,9 @@
       <p:sp>
         <p:nvSpPr>
           <p:cNvPr id="197" name="Import Dependencies Continued"/>
-          <p:cNvSpPr txBox="1"/>
+          <p:cNvSpPr txBox="1">
+            <a:spLocks noGrp="1"/>
+          </p:cNvSpPr>
           <p:nvPr>
             <p:ph type="title"/>
           </p:nvPr>
@@ -11821,11 +11854,10 @@
           <a:bodyPr/>
           <a:lstStyle>
             <a:lvl1pPr defTabSz="2316421">
-              <a:defRPr spc="-95" sz="9500"/>
+              <a:defRPr sz="9500" spc="-95"/>
             </a:lvl1pPr>
           </a:lstStyle>
           <a:p>
-            <a:pPr/>
             <a:r>
               <a:t>Import Dependencies Continued</a:t>
             </a:r>
@@ -11835,7 +11867,9 @@
       <p:sp>
         <p:nvSpPr>
           <p:cNvPr id="198" name="Legacy codebases often have their required dependencies hidden in their source code instead of shared header files.…"/>
-          <p:cNvSpPr txBox="1"/>
+          <p:cNvSpPr txBox="1">
+            <a:spLocks noGrp="1"/>
+          </p:cNvSpPr>
           <p:nvPr>
             <p:ph type="body" idx="1"/>
           </p:nvPr>
@@ -11853,7 +11887,6 @@
           <a:bodyPr/>
           <a:lstStyle/>
           <a:p>
-            <a:pPr/>
             <a:r>
               <a:t>Legacy codebases often have their required dependencies hidden in their source code instead of shared header files.</a:t>
             </a:r>
@@ -11898,9 +11931,7 @@
           <p:nvPr/>
         </p:nvPicPr>
         <p:blipFill>
-          <a:blip r:embed="rId2">
-            <a:extLst/>
-          </a:blip>
+          <a:blip r:embed="rId2"/>
           <a:stretch>
             <a:fillRect/>
           </a:stretch>
@@ -11917,7 +11948,7 @@
             <a:miter lim="400000"/>
           </a:ln>
           <a:effectLst>
-            <a:reflection blurRad="0" stA="50000" stPos="0" endA="0" endPos="40000" dist="0" dir="5400000" fadeDir="5400000" sx="100000" sy="-100000" kx="0" ky="0" algn="bl" rotWithShape="0"/>
+            <a:reflection stA="50000" endPos="40000" dir="5400000" sy="-100000" algn="bl" rotWithShape="0"/>
           </a:effectLst>
         </p:spPr>
       </p:pic>
@@ -11926,13 +11957,13 @@
   <p:clrMapOvr>
     <a:masterClrMapping/>
   </p:clrMapOvr>
-  <mc:AlternateContent xmlns:mc="http://schemas.openxmlformats.org/markup-compatibility/2006">
-    <mc:Choice xmlns:p14="http://schemas.microsoft.com/office/powerpoint/2010/main" Requires="p14">
-      <p:transition spd="slow" advClick="1" p14:dur="1500">
+  <mc:AlternateContent xmlns:mc="http://schemas.openxmlformats.org/markup-compatibility/2006" xmlns:p14="http://schemas.microsoft.com/office/powerpoint/2010/main">
+    <mc:Choice Requires="p14">
+      <p:transition spd="slow" p14:dur="1500">
         <p:push dir="u"/>
       </p:transition>
     </mc:Choice>
-    <mc:Fallback>
+    <mc:Fallback xmlns:a14="http://schemas.microsoft.com/office/drawing/2010/main" xmlns:m="http://schemas.openxmlformats.org/officeDocument/2006/math" xmlns="">
       <p:transition spd="slow">
         <p:fade/>
       </p:transition>
@@ -11941,16 +11972,16 @@
   <p:timing>
     <p:tnLst>
       <p:par>
-        <p:cTn id="1" nodeType="tmRoot" restart="never" dur="indefinite" fill="hold">
+        <p:cTn id="1" dur="indefinite" restart="never" fill="hold" nodeType="tmRoot">
           <p:childTnLst>
             <p:seq concurrent="1" prevAc="none" nextAc="seek">
-              <p:cTn id="2" nodeType="mainSeq" dur="indefinite" fill="hold">
+              <p:cTn id="2" dur="indefinite" fill="hold" nodeType="mainSeq">
                 <p:childTnLst>
                   <p:par>
                     <p:cTn id="3" fill="hold">
                       <p:stCondLst>
                         <p:cond delay="indefinite"/>
-                        <p:cond evt="onBegin">
+                        <p:cond evt="onBegin" delay="0">
                           <p:tn val="2"/>
                         </p:cond>
                       </p:stCondLst>
@@ -11962,11 +11993,11 @@
                             </p:stCondLst>
                             <p:childTnLst>
                               <p:par>
-                                <p:cTn id="5" presetClass="entr" nodeType="afterEffect" presetSubtype="32" presetID="23" grpId="1" fill="hold">
+                                <p:cTn id="5" presetID="23" presetClass="entr" presetSubtype="32" fill="hold" grpId="1" nodeType="afterEffect">
                                   <p:stCondLst>
                                     <p:cond delay="0"/>
                                   </p:stCondLst>
-                                  <p:iterate type="el" backwards="0">
+                                  <p:iterate>
                                     <p:tmAbs val="0"/>
                                   </p:iterate>
                                   <p:childTnLst>
@@ -12040,11 +12071,11 @@
                                 </p:cTn>
                               </p:par>
                               <p:par>
-                                <p:cTn id="9" presetClass="entr" nodeType="withEffect" presetSubtype="32" presetID="23" grpId="1" fill="hold">
+                                <p:cTn id="9" presetID="23" presetClass="entr" presetSubtype="32" fill="hold" grpId="1" nodeType="withEffect">
                                   <p:stCondLst>
                                     <p:cond delay="0"/>
                                   </p:stCondLst>
-                                  <p:iterate type="el" backwards="0">
+                                  <p:iterate>
                                     <p:tmAbs val="0"/>
                                   </p:iterate>
                                   <p:childTnLst>
@@ -12133,11 +12164,11 @@
                             </p:stCondLst>
                             <p:childTnLst>
                               <p:par>
-                                <p:cTn id="14" presetClass="entr" nodeType="afterEffect" presetSubtype="32" presetID="23" grpId="1" fill="hold">
+                                <p:cTn id="14" presetID="23" presetClass="entr" presetSubtype="32" fill="hold" grpId="1" nodeType="afterEffect">
                                   <p:stCondLst>
                                     <p:cond delay="0"/>
                                   </p:stCondLst>
-                                  <p:iterate type="el" backwards="0">
+                                  <p:iterate>
                                     <p:tmAbs val="0"/>
                                   </p:iterate>
                                   <p:childTnLst>
@@ -12226,11 +12257,11 @@
                             </p:stCondLst>
                             <p:childTnLst>
                               <p:par>
-                                <p:cTn id="19" presetClass="entr" nodeType="afterEffect" presetSubtype="32" presetID="23" grpId="1" fill="hold">
+                                <p:cTn id="19" presetID="23" presetClass="entr" presetSubtype="32" fill="hold" grpId="1" nodeType="afterEffect">
                                   <p:stCondLst>
                                     <p:cond delay="0"/>
                                   </p:stCondLst>
-                                  <p:iterate type="el" backwards="0">
+                                  <p:iterate>
                                     <p:tmAbs val="0"/>
                                   </p:iterate>
                                   <p:childTnLst>
@@ -12319,11 +12350,11 @@
                             </p:stCondLst>
                             <p:childTnLst>
                               <p:par>
-                                <p:cTn id="24" presetClass="entr" nodeType="afterEffect" presetSubtype="32" presetID="23" grpId="1" fill="hold">
+                                <p:cTn id="24" presetID="23" presetClass="entr" presetSubtype="32" fill="hold" grpId="1" nodeType="afterEffect">
                                   <p:stCondLst>
                                     <p:cond delay="0"/>
                                   </p:stCondLst>
-                                  <p:iterate type="el" backwards="0">
+                                  <p:iterate>
                                     <p:tmAbs val="0"/>
                                   </p:iterate>
                                   <p:childTnLst>
@@ -12412,11 +12443,11 @@
                             </p:stCondLst>
                             <p:childTnLst>
                               <p:par>
-                                <p:cTn id="29" presetClass="entr" nodeType="afterEffect" presetSubtype="32" presetID="23" grpId="1" fill="hold">
+                                <p:cTn id="29" presetID="23" presetClass="entr" presetSubtype="32" fill="hold" grpId="1" nodeType="afterEffect">
                                   <p:stCondLst>
                                     <p:cond delay="0"/>
                                   </p:stCondLst>
-                                  <p:iterate type="el" backwards="0">
+                                  <p:iterate>
                                     <p:tmAbs val="0"/>
                                   </p:iterate>
                                   <p:childTnLst>
@@ -12505,11 +12536,11 @@
                             </p:stCondLst>
                             <p:childTnLst>
                               <p:par>
-                                <p:cTn id="34" presetClass="entr" nodeType="afterEffect" presetSubtype="10" presetID="19" grpId="2" fill="hold">
+                                <p:cTn id="34" presetID="19" presetClass="entr" presetSubtype="10" fill="hold" grpId="2" nodeType="afterEffect">
                                   <p:stCondLst>
                                     <p:cond delay="0"/>
                                   </p:stCondLst>
-                                  <p:iterate type="el" backwards="0">
+                                  <p:iterate>
                                     <p:tmAbs val="0"/>
                                   </p:iterate>
                                   <p:childTnLst>
@@ -12585,14 +12616,14 @@
                 </p:childTnLst>
               </p:cTn>
               <p:prevCondLst>
-                <p:cond evt="onPrev">
+                <p:cond evt="onPrev" delay="0">
                   <p:tgtEl>
                     <p:sldTgt/>
                   </p:tgtEl>
                 </p:cond>
               </p:prevCondLst>
               <p:nextCondLst>
-                <p:cond evt="onNext">
+                <p:cond evt="onNext" delay="0">
                   <p:tgtEl>
                     <p:sldTgt/>
                   </p:tgtEl>
@@ -12604,15 +12635,15 @@
       </p:par>
     </p:tnLst>
     <p:bldLst>
-      <p:bldP build="p" bldLvl="5" animBg="1" rev="0" advAuto="0" spid="198" grpId="1"/>
-      <p:bldP build="whole" bldLvl="1" animBg="1" rev="0" advAuto="0" spid="199" grpId="2"/>
+      <p:bldP spid="198" grpId="1" build="p" bldLvl="5" animBg="1" advAuto="0"/>
+      <p:bldP spid="199" grpId="2" animBg="1" advAuto="0"/>
     </p:bldLst>
   </p:timing>
 </p:sld>
 </file>
 
 <file path=ppt/slides/slide9.xml><?xml version="1.0" encoding="utf-8"?>
-<p:sld xmlns:a="http://schemas.openxmlformats.org/drawingml/2006/main" xmlns:r="http://schemas.openxmlformats.org/officeDocument/2006/relationships" xmlns:p="http://schemas.openxmlformats.org/presentationml/2006/main" xmlns:m="http://schemas.openxmlformats.org/officeDocument/2006/math" xmlns:a14="http://schemas.microsoft.com/office/drawing/2010/main" showMasterSp="1" showMasterPhAnim="1">
+<p:sld xmlns:a="http://schemas.openxmlformats.org/drawingml/2006/main" xmlns:r="http://schemas.openxmlformats.org/officeDocument/2006/relationships" xmlns:p="http://schemas.openxmlformats.org/presentationml/2006/main">
   <p:cSld>
     <p:spTree>
       <p:nvGrpSpPr>
@@ -12637,9 +12668,7 @@
           <p:nvPr/>
         </p:nvPicPr>
         <p:blipFill>
-          <a:blip r:embed="rId2">
-            <a:extLst/>
-          </a:blip>
+          <a:blip r:embed="rId2"/>
           <a:stretch>
             <a:fillRect/>
           </a:stretch>
@@ -12660,7 +12689,9 @@
       <p:sp>
         <p:nvSpPr>
           <p:cNvPr id="202" name="Onion Parameters"/>
-          <p:cNvSpPr txBox="1"/>
+          <p:cNvSpPr txBox="1">
+            <a:spLocks noGrp="1"/>
+          </p:cNvSpPr>
           <p:nvPr>
             <p:ph type="title"/>
           </p:nvPr>
@@ -12674,11 +12705,10 @@
           <a:bodyPr/>
           <a:lstStyle>
             <a:lvl1pPr defTabSz="2316421">
-              <a:defRPr spc="-95" sz="9500"/>
+              <a:defRPr sz="9500" spc="-95"/>
             </a:lvl1pPr>
           </a:lstStyle>
           <a:p>
-            <a:pPr/>
             <a:r>
               <a:t>Onion Parameters </a:t>
             </a:r>
@@ -12688,7 +12718,9 @@
       <p:sp>
         <p:nvSpPr>
           <p:cNvPr id="203" name="Parameters of a constructor of an object often require other objects.…"/>
-          <p:cNvSpPr txBox="1"/>
+          <p:cNvSpPr txBox="1">
+            <a:spLocks noGrp="1"/>
+          </p:cNvSpPr>
           <p:nvPr>
             <p:ph type="body" sz="half" idx="1"/>
           </p:nvPr>
@@ -12706,7 +12738,6 @@
           <a:bodyPr/>
           <a:lstStyle/>
           <a:p>
-            <a:pPr/>
             <a:r>
               <a:t>Parameters of a constructor of an object often require </a:t>
             </a:r>
@@ -12719,12 +12750,6 @@
               </a:rPr>
               <a:t>other objects.</a:t>
             </a:r>
-            <a:endParaRPr b="1">
-              <a:latin typeface="Graphik"/>
-              <a:ea typeface="Graphik"/>
-              <a:cs typeface="Graphik"/>
-              <a:sym typeface="Graphik"/>
-            </a:endParaRPr>
           </a:p>
           <a:p>
             <a:pPr lvl="1"/>
@@ -12755,9 +12780,7 @@
           <p:nvPr/>
         </p:nvPicPr>
         <p:blipFill>
-          <a:blip r:embed="rId3">
-            <a:extLst/>
-          </a:blip>
+          <a:blip r:embed="rId3"/>
           <a:stretch>
             <a:fillRect/>
           </a:stretch>
@@ -12780,13 +12803,13 @@
   <p:clrMapOvr>
     <a:masterClrMapping/>
   </p:clrMapOvr>
-  <mc:AlternateContent xmlns:mc="http://schemas.openxmlformats.org/markup-compatibility/2006">
-    <mc:Choice xmlns:p14="http://schemas.microsoft.com/office/powerpoint/2010/main" Requires="p14">
-      <p:transition spd="slow" advClick="1" p14:dur="1500">
+  <mc:AlternateContent xmlns:mc="http://schemas.openxmlformats.org/markup-compatibility/2006" xmlns:p14="http://schemas.microsoft.com/office/powerpoint/2010/main">
+    <mc:Choice Requires="p14">
+      <p:transition spd="slow" p14:dur="1500">
         <p:push dir="u"/>
       </p:transition>
     </mc:Choice>
-    <mc:Fallback>
+    <mc:Fallback xmlns:a14="http://schemas.microsoft.com/office/drawing/2010/main" xmlns:m="http://schemas.openxmlformats.org/officeDocument/2006/math" xmlns="">
       <p:transition spd="slow">
         <p:fade/>
       </p:transition>
@@ -12795,16 +12818,16 @@
   <p:timing>
     <p:tnLst>
       <p:par>
-        <p:cTn id="1" nodeType="tmRoot" restart="never" dur="indefinite" fill="hold">
+        <p:cTn id="1" dur="indefinite" restart="never" fill="hold" nodeType="tmRoot">
           <p:childTnLst>
             <p:seq concurrent="1" prevAc="none" nextAc="seek">
-              <p:cTn id="2" nodeType="mainSeq" dur="indefinite" fill="hold">
+              <p:cTn id="2" dur="indefinite" fill="hold" nodeType="mainSeq">
                 <p:childTnLst>
                   <p:par>
                     <p:cTn id="3" fill="hold">
                       <p:stCondLst>
                         <p:cond delay="indefinite"/>
-                        <p:cond evt="onBegin">
+                        <p:cond evt="onBegin" delay="0">
                           <p:tn val="2"/>
                         </p:cond>
                       </p:stCondLst>
@@ -12816,11 +12839,11 @@
                             </p:stCondLst>
                             <p:childTnLst>
                               <p:par>
-                                <p:cTn id="5" presetClass="entr" nodeType="afterEffect" presetSubtype="16" presetID="23" grpId="1" fill="hold">
+                                <p:cTn id="5" presetID="23" presetClass="entr" presetSubtype="16" fill="hold" grpId="1" nodeType="afterEffect">
                                   <p:stCondLst>
                                     <p:cond delay="0"/>
                                   </p:stCondLst>
-                                  <p:iterate type="el" backwards="0">
+                                  <p:iterate>
                                     <p:tmAbs val="0"/>
                                   </p:iterate>
                                   <p:childTnLst>
@@ -12897,11 +12920,11 @@
                             </p:stCondLst>
                             <p:childTnLst>
                               <p:par>
-                                <p:cTn id="10" presetClass="entr" nodeType="afterEffect" presetSubtype="10" presetID="19" grpId="2" fill="hold">
+                                <p:cTn id="10" presetID="19" presetClass="entr" presetSubtype="10" fill="hold" grpId="2" nodeType="afterEffect">
                                   <p:stCondLst>
                                     <p:cond delay="0"/>
                                   </p:stCondLst>
-                                  <p:iterate type="el" backwards="0">
+                                  <p:iterate>
                                     <p:tmAbs val="0"/>
                                   </p:iterate>
                                   <p:childTnLst>
@@ -12987,11 +13010,11 @@
                             </p:stCondLst>
                             <p:childTnLst>
                               <p:par>
-                                <p:cTn id="16" presetClass="exit" nodeType="clickEffect" presetSubtype="2" presetID="2" grpId="3" fill="hold">
+                                <p:cTn id="16" presetID="2" presetClass="exit" presetSubtype="2" fill="hold" grpId="3" nodeType="clickEffect">
                                   <p:stCondLst>
                                     <p:cond delay="0"/>
                                   </p:stCondLst>
-                                  <p:iterate type="el" backwards="0">
+                                  <p:iterate>
                                     <p:tmAbs val="0"/>
                                   </p:iterate>
                                   <p:childTnLst>
@@ -13072,11 +13095,11 @@
                             </p:stCondLst>
                             <p:childTnLst>
                               <p:par>
-                                <p:cTn id="21" presetClass="exit" nodeType="afterEffect" presetSubtype="2" presetID="2" grpId="4" fill="hold">
+                                <p:cTn id="21" presetID="2" presetClass="exit" presetSubtype="2" fill="hold" grpId="4" nodeType="afterEffect">
                                   <p:stCondLst>
                                     <p:cond delay="0"/>
                                   </p:stCondLst>
-                                  <p:iterate type="el" backwards="0">
+                                  <p:iterate>
                                     <p:tmAbs val="0"/>
                                   </p:iterate>
                                   <p:childTnLst>
@@ -13156,14 +13179,14 @@
                 </p:childTnLst>
               </p:cTn>
               <p:prevCondLst>
-                <p:cond evt="onPrev">
+                <p:cond evt="onPrev" delay="0">
                   <p:tgtEl>
                     <p:sldTgt/>
                   </p:tgtEl>
                 </p:cond>
               </p:prevCondLst>
               <p:nextCondLst>
-                <p:cond evt="onNext">
+                <p:cond evt="onNext" delay="0">
                   <p:tgtEl>
                     <p:sldTgt/>
                   </p:tgtEl>
@@ -13175,17 +13198,17 @@
       </p:par>
     </p:tnLst>
     <p:bldLst>
-      <p:bldP build="whole" bldLvl="1" animBg="1" rev="0" advAuto="0" spid="204" grpId="3"/>
-      <p:bldP build="whole" bldLvl="1" animBg="1" rev="0" advAuto="0" spid="203" grpId="1"/>
-      <p:bldP build="whole" bldLvl="1" animBg="1" rev="0" advAuto="0" spid="201" grpId="4"/>
-      <p:bldP build="whole" bldLvl="1" animBg="1" rev="0" advAuto="0" spid="204" grpId="2"/>
+      <p:bldP spid="201" grpId="4" animBg="1" advAuto="0"/>
+      <p:bldP spid="203" grpId="1" animBg="1" advAuto="0"/>
+      <p:bldP spid="204" grpId="2" animBg="1" advAuto="0"/>
+      <p:bldP spid="204" grpId="3" animBg="1" advAuto="0"/>
     </p:bldLst>
   </p:timing>
 </p:sld>
 </file>
 
 <file path=ppt/theme/theme1.xml><?xml version="1.0" encoding="utf-8"?>
-<a:theme xmlns:a="http://schemas.openxmlformats.org/drawingml/2006/main" xmlns:r="http://schemas.openxmlformats.org/officeDocument/2006/relationships" name="37_MinimalistDark">
+<a:theme xmlns:a="http://schemas.openxmlformats.org/drawingml/2006/main" name="37_MinimalistDark">
   <a:themeElements>
     <a:clrScheme name="37_MinimalistDark">
       <a:dk1>
@@ -13384,7 +13407,7 @@
         <a:effectLst/>
         <a:sp3d/>
       </a:spPr>
-      <a:bodyPr rot="0" spcFirstLastPara="1" vertOverflow="overflow" horzOverflow="overflow" vert="horz" wrap="square" lIns="50800" tIns="50800" rIns="50800" bIns="50800" numCol="1" spcCol="38100" rtlCol="0" anchor="ctr" upright="0">
+      <a:bodyPr rot="0" spcFirstLastPara="1" vertOverflow="overflow" horzOverflow="overflow" vert="horz" wrap="square" lIns="50800" tIns="50800" rIns="50800" bIns="50800" numCol="1" spcCol="38100" rtlCol="0" anchor="ctr">
         <a:spAutoFit/>
       </a:bodyPr>
       <a:lstStyle>
@@ -13403,7 +13426,7 @@
           <a:buFontTx/>
           <a:buNone/>
           <a:tabLst/>
-          <a:defRPr b="0" baseline="0" cap="none" i="0" spc="0" strike="noStrike" sz="3200" u="none" kumimoji="0" normalizeH="0">
+          <a:defRPr kumimoji="0" sz="3200" b="0" i="0" u="none" strike="noStrike" cap="none" spc="0" normalizeH="0" baseline="0">
             <a:ln>
               <a:noFill/>
             </a:ln>
@@ -13415,9 +13438,9 @@
             </a:solidFill>
             <a:effectLst/>
             <a:uFillTx/>
-            <a:latin typeface="Graphik Light"/>
-            <a:ea typeface="Graphik Light"/>
-            <a:cs typeface="Graphik Light"/>
+            <a:latin typeface="Graphik-Light"/>
+            <a:ea typeface="Graphik-Light"/>
+            <a:cs typeface="Graphik-Light"/>
             <a:sym typeface="Graphik Light"/>
           </a:defRPr>
         </a:defPPr>
@@ -13436,7 +13459,7 @@
           <a:buFontTx/>
           <a:buNone/>
           <a:tabLst/>
-          <a:defRPr b="0" baseline="0" cap="none" i="0" spc="0" strike="noStrike" sz="1800" u="none" kumimoji="0" normalizeH="0">
+          <a:defRPr kumimoji="0" sz="1800" b="0" i="0" u="none" strike="noStrike" cap="none" spc="0" normalizeH="0" baseline="0">
             <a:ln>
               <a:noFill/>
             </a:ln>
@@ -13462,7 +13485,7 @@
           <a:buFontTx/>
           <a:buNone/>
           <a:tabLst/>
-          <a:defRPr b="0" baseline="0" cap="none" i="0" spc="0" strike="noStrike" sz="1800" u="none" kumimoji="0" normalizeH="0">
+          <a:defRPr kumimoji="0" sz="1800" b="0" i="0" u="none" strike="noStrike" cap="none" spc="0" normalizeH="0" baseline="0">
             <a:ln>
               <a:noFill/>
             </a:ln>
@@ -13488,7 +13511,7 @@
           <a:buFontTx/>
           <a:buNone/>
           <a:tabLst/>
-          <a:defRPr b="0" baseline="0" cap="none" i="0" spc="0" strike="noStrike" sz="1800" u="none" kumimoji="0" normalizeH="0">
+          <a:defRPr kumimoji="0" sz="1800" b="0" i="0" u="none" strike="noStrike" cap="none" spc="0" normalizeH="0" baseline="0">
             <a:ln>
               <a:noFill/>
             </a:ln>
@@ -13514,7 +13537,7 @@
           <a:buFontTx/>
           <a:buNone/>
           <a:tabLst/>
-          <a:defRPr b="0" baseline="0" cap="none" i="0" spc="0" strike="noStrike" sz="1800" u="none" kumimoji="0" normalizeH="0">
+          <a:defRPr kumimoji="0" sz="1800" b="0" i="0" u="none" strike="noStrike" cap="none" spc="0" normalizeH="0" baseline="0">
             <a:ln>
               <a:noFill/>
             </a:ln>
@@ -13540,7 +13563,7 @@
           <a:buFontTx/>
           <a:buNone/>
           <a:tabLst/>
-          <a:defRPr b="0" baseline="0" cap="none" i="0" spc="0" strike="noStrike" sz="1800" u="none" kumimoji="0" normalizeH="0">
+          <a:defRPr kumimoji="0" sz="1800" b="0" i="0" u="none" strike="noStrike" cap="none" spc="0" normalizeH="0" baseline="0">
             <a:ln>
               <a:noFill/>
             </a:ln>
@@ -13566,7 +13589,7 @@
           <a:buFontTx/>
           <a:buNone/>
           <a:tabLst/>
-          <a:defRPr b="0" baseline="0" cap="none" i="0" spc="0" strike="noStrike" sz="1800" u="none" kumimoji="0" normalizeH="0">
+          <a:defRPr kumimoji="0" sz="1800" b="0" i="0" u="none" strike="noStrike" cap="none" spc="0" normalizeH="0" baseline="0">
             <a:ln>
               <a:noFill/>
             </a:ln>
@@ -13592,7 +13615,7 @@
           <a:buFontTx/>
           <a:buNone/>
           <a:tabLst/>
-          <a:defRPr b="0" baseline="0" cap="none" i="0" spc="0" strike="noStrike" sz="1800" u="none" kumimoji="0" normalizeH="0">
+          <a:defRPr kumimoji="0" sz="1800" b="0" i="0" u="none" strike="noStrike" cap="none" spc="0" normalizeH="0" baseline="0">
             <a:ln>
               <a:noFill/>
             </a:ln>
@@ -13618,7 +13641,7 @@
           <a:buFontTx/>
           <a:buNone/>
           <a:tabLst/>
-          <a:defRPr b="0" baseline="0" cap="none" i="0" spc="0" strike="noStrike" sz="1800" u="none" kumimoji="0" normalizeH="0">
+          <a:defRPr kumimoji="0" sz="1800" b="0" i="0" u="none" strike="noStrike" cap="none" spc="0" normalizeH="0" baseline="0">
             <a:ln>
               <a:noFill/>
             </a:ln>
@@ -13644,7 +13667,7 @@
           <a:buFontTx/>
           <a:buNone/>
           <a:tabLst/>
-          <a:defRPr b="0" baseline="0" cap="none" i="0" spc="0" strike="noStrike" sz="1800" u="none" kumimoji="0" normalizeH="0">
+          <a:defRPr kumimoji="0" sz="1800" b="0" i="0" u="none" strike="noStrike" cap="none" spc="0" normalizeH="0" baseline="0">
             <a:ln>
               <a:noFill/>
             </a:ln>
@@ -13657,9 +13680,15 @@
         </a:lvl9pPr>
       </a:lstStyle>
       <a:style>
-        <a:lnRef idx="0"/>
-        <a:fillRef idx="0"/>
-        <a:effectRef idx="0"/>
+        <a:lnRef idx="0">
+          <a:scrgbClr r="0" g="0" b="0"/>
+        </a:lnRef>
+        <a:fillRef idx="0">
+          <a:scrgbClr r="0" g="0" b="0"/>
+        </a:fillRef>
+        <a:effectRef idx="0">
+          <a:scrgbClr r="0" g="0" b="0"/>
+        </a:effectRef>
         <a:fontRef idx="none"/>
       </a:style>
     </a:spDef>
@@ -13676,7 +13705,7 @@
         <a:effectLst/>
         <a:sp3d/>
       </a:spPr>
-      <a:bodyPr rot="0" spcFirstLastPara="1" vertOverflow="overflow" horzOverflow="overflow" vert="horz" wrap="square" lIns="91439" tIns="45719" rIns="91439" bIns="45719" numCol="1" spcCol="38100" rtlCol="0" anchor="t" upright="0">
+      <a:bodyPr rot="0" spcFirstLastPara="1" vertOverflow="overflow" horzOverflow="overflow" vert="horz" wrap="square" lIns="91439" tIns="45719" rIns="91439" bIns="45719" numCol="1" spcCol="38100" rtlCol="0" anchor="t">
         <a:noAutofit/>
       </a:bodyPr>
       <a:lstStyle>
@@ -13695,7 +13724,7 @@
           <a:buFontTx/>
           <a:buNone/>
           <a:tabLst/>
-          <a:defRPr b="0" baseline="0" cap="none" i="0" spc="0" strike="noStrike" sz="1800" u="none" kumimoji="0" normalizeH="0">
+          <a:defRPr kumimoji="0" sz="1800" b="0" i="0" u="none" strike="noStrike" cap="none" spc="0" normalizeH="0" baseline="0">
             <a:ln>
               <a:noFill/>
             </a:ln>
@@ -13721,7 +13750,7 @@
           <a:buFontTx/>
           <a:buNone/>
           <a:tabLst/>
-          <a:defRPr b="0" baseline="0" cap="none" i="0" spc="0" strike="noStrike" sz="1800" u="none" kumimoji="0" normalizeH="0">
+          <a:defRPr kumimoji="0" sz="1800" b="0" i="0" u="none" strike="noStrike" cap="none" spc="0" normalizeH="0" baseline="0">
             <a:ln>
               <a:noFill/>
             </a:ln>
@@ -13747,7 +13776,7 @@
           <a:buFontTx/>
           <a:buNone/>
           <a:tabLst/>
-          <a:defRPr b="0" baseline="0" cap="none" i="0" spc="0" strike="noStrike" sz="1800" u="none" kumimoji="0" normalizeH="0">
+          <a:defRPr kumimoji="0" sz="1800" b="0" i="0" u="none" strike="noStrike" cap="none" spc="0" normalizeH="0" baseline="0">
             <a:ln>
               <a:noFill/>
             </a:ln>
@@ -13773,7 +13802,7 @@
           <a:buFontTx/>
           <a:buNone/>
           <a:tabLst/>
-          <a:defRPr b="0" baseline="0" cap="none" i="0" spc="0" strike="noStrike" sz="1800" u="none" kumimoji="0" normalizeH="0">
+          <a:defRPr kumimoji="0" sz="1800" b="0" i="0" u="none" strike="noStrike" cap="none" spc="0" normalizeH="0" baseline="0">
             <a:ln>
               <a:noFill/>
             </a:ln>
@@ -13799,7 +13828,7 @@
           <a:buFontTx/>
           <a:buNone/>
           <a:tabLst/>
-          <a:defRPr b="0" baseline="0" cap="none" i="0" spc="0" strike="noStrike" sz="1800" u="none" kumimoji="0" normalizeH="0">
+          <a:defRPr kumimoji="0" sz="1800" b="0" i="0" u="none" strike="noStrike" cap="none" spc="0" normalizeH="0" baseline="0">
             <a:ln>
               <a:noFill/>
             </a:ln>
@@ -13825,7 +13854,7 @@
           <a:buFontTx/>
           <a:buNone/>
           <a:tabLst/>
-          <a:defRPr b="0" baseline="0" cap="none" i="0" spc="0" strike="noStrike" sz="1800" u="none" kumimoji="0" normalizeH="0">
+          <a:defRPr kumimoji="0" sz="1800" b="0" i="0" u="none" strike="noStrike" cap="none" spc="0" normalizeH="0" baseline="0">
             <a:ln>
               <a:noFill/>
             </a:ln>
@@ -13851,7 +13880,7 @@
           <a:buFontTx/>
           <a:buNone/>
           <a:tabLst/>
-          <a:defRPr b="0" baseline="0" cap="none" i="0" spc="0" strike="noStrike" sz="1800" u="none" kumimoji="0" normalizeH="0">
+          <a:defRPr kumimoji="0" sz="1800" b="0" i="0" u="none" strike="noStrike" cap="none" spc="0" normalizeH="0" baseline="0">
             <a:ln>
               <a:noFill/>
             </a:ln>
@@ -13877,7 +13906,7 @@
           <a:buFontTx/>
           <a:buNone/>
           <a:tabLst/>
-          <a:defRPr b="0" baseline="0" cap="none" i="0" spc="0" strike="noStrike" sz="1800" u="none" kumimoji="0" normalizeH="0">
+          <a:defRPr kumimoji="0" sz="1800" b="0" i="0" u="none" strike="noStrike" cap="none" spc="0" normalizeH="0" baseline="0">
             <a:ln>
               <a:noFill/>
             </a:ln>
@@ -13903,7 +13932,7 @@
           <a:buFontTx/>
           <a:buNone/>
           <a:tabLst/>
-          <a:defRPr b="0" baseline="0" cap="none" i="0" spc="0" strike="noStrike" sz="1800" u="none" kumimoji="0" normalizeH="0">
+          <a:defRPr kumimoji="0" sz="1800" b="0" i="0" u="none" strike="noStrike" cap="none" spc="0" normalizeH="0" baseline="0">
             <a:ln>
               <a:noFill/>
             </a:ln>
@@ -13929,7 +13958,7 @@
           <a:buFontTx/>
           <a:buNone/>
           <a:tabLst/>
-          <a:defRPr b="0" baseline="0" cap="none" i="0" spc="0" strike="noStrike" sz="1800" u="none" kumimoji="0" normalizeH="0">
+          <a:defRPr kumimoji="0" sz="1800" b="0" i="0" u="none" strike="noStrike" cap="none" spc="0" normalizeH="0" baseline="0">
             <a:ln>
               <a:noFill/>
             </a:ln>
@@ -13942,9 +13971,15 @@
         </a:lvl9pPr>
       </a:lstStyle>
       <a:style>
-        <a:lnRef idx="0"/>
-        <a:fillRef idx="0"/>
-        <a:effectRef idx="0"/>
+        <a:lnRef idx="0">
+          <a:scrgbClr r="0" g="0" b="0"/>
+        </a:lnRef>
+        <a:fillRef idx="0">
+          <a:scrgbClr r="0" g="0" b="0"/>
+        </a:fillRef>
+        <a:effectRef idx="0">
+          <a:scrgbClr r="0" g="0" b="0"/>
+        </a:effectRef>
         <a:fontRef idx="none"/>
       </a:style>
     </a:lnDef>
@@ -13958,7 +13993,7 @@
         <a:effectLst/>
         <a:sp3d/>
       </a:spPr>
-      <a:bodyPr rot="0" spcFirstLastPara="1" vertOverflow="overflow" horzOverflow="overflow" vert="horz" wrap="square" lIns="50800" tIns="50800" rIns="50800" bIns="50800" numCol="1" spcCol="38100" rtlCol="0" anchor="ctr" upright="0">
+      <a:bodyPr rot="0" spcFirstLastPara="1" vertOverflow="overflow" horzOverflow="overflow" vert="horz" wrap="square" lIns="50800" tIns="50800" rIns="50800" bIns="50800" numCol="1" spcCol="38100" rtlCol="0" anchor="ctr">
         <a:spAutoFit/>
       </a:bodyPr>
       <a:lstStyle>
@@ -13977,7 +14012,7 @@
           <a:buFontTx/>
           <a:buNone/>
           <a:tabLst/>
-          <a:defRPr b="0" baseline="0" cap="none" i="0" spc="0" strike="noStrike" sz="4000" u="none" kumimoji="0" normalizeH="0">
+          <a:defRPr kumimoji="0" sz="4000" b="0" i="0" u="none" strike="noStrike" cap="none" spc="0" normalizeH="0" baseline="0">
             <a:ln>
               <a:noFill/>
             </a:ln>
@@ -13986,9 +14021,9 @@
             </a:solidFill>
             <a:effectLst/>
             <a:uFillTx/>
-            <a:latin typeface="Graphik Light"/>
-            <a:ea typeface="Graphik Light"/>
-            <a:cs typeface="Graphik Light"/>
+            <a:latin typeface="Graphik-Light"/>
+            <a:ea typeface="Graphik-Light"/>
+            <a:cs typeface="Graphik-Light"/>
             <a:sym typeface="Graphik Light"/>
           </a:defRPr>
         </a:defPPr>
@@ -14007,7 +14042,7 @@
           <a:buFontTx/>
           <a:buNone/>
           <a:tabLst/>
-          <a:defRPr b="0" baseline="0" cap="none" i="0" spc="0" strike="noStrike" sz="1800" u="none" kumimoji="0" normalizeH="0">
+          <a:defRPr kumimoji="0" sz="1800" b="0" i="0" u="none" strike="noStrike" cap="none" spc="0" normalizeH="0" baseline="0">
             <a:ln>
               <a:noFill/>
             </a:ln>
@@ -14033,7 +14068,7 @@
           <a:buFontTx/>
           <a:buNone/>
           <a:tabLst/>
-          <a:defRPr b="0" baseline="0" cap="none" i="0" spc="0" strike="noStrike" sz="1800" u="none" kumimoji="0" normalizeH="0">
+          <a:defRPr kumimoji="0" sz="1800" b="0" i="0" u="none" strike="noStrike" cap="none" spc="0" normalizeH="0" baseline="0">
             <a:ln>
               <a:noFill/>
             </a:ln>
@@ -14059,7 +14094,7 @@
           <a:buFontTx/>
           <a:buNone/>
           <a:tabLst/>
-          <a:defRPr b="0" baseline="0" cap="none" i="0" spc="0" strike="noStrike" sz="1800" u="none" kumimoji="0" normalizeH="0">
+          <a:defRPr kumimoji="0" sz="1800" b="0" i="0" u="none" strike="noStrike" cap="none" spc="0" normalizeH="0" baseline="0">
             <a:ln>
               <a:noFill/>
             </a:ln>
@@ -14085,7 +14120,7 @@
           <a:buFontTx/>
           <a:buNone/>
           <a:tabLst/>
-          <a:defRPr b="0" baseline="0" cap="none" i="0" spc="0" strike="noStrike" sz="1800" u="none" kumimoji="0" normalizeH="0">
+          <a:defRPr kumimoji="0" sz="1800" b="0" i="0" u="none" strike="noStrike" cap="none" spc="0" normalizeH="0" baseline="0">
             <a:ln>
               <a:noFill/>
             </a:ln>
@@ -14111,7 +14146,7 @@
           <a:buFontTx/>
           <a:buNone/>
           <a:tabLst/>
-          <a:defRPr b="0" baseline="0" cap="none" i="0" spc="0" strike="noStrike" sz="1800" u="none" kumimoji="0" normalizeH="0">
+          <a:defRPr kumimoji="0" sz="1800" b="0" i="0" u="none" strike="noStrike" cap="none" spc="0" normalizeH="0" baseline="0">
             <a:ln>
               <a:noFill/>
             </a:ln>
@@ -14137,7 +14172,7 @@
           <a:buFontTx/>
           <a:buNone/>
           <a:tabLst/>
-          <a:defRPr b="0" baseline="0" cap="none" i="0" spc="0" strike="noStrike" sz="1800" u="none" kumimoji="0" normalizeH="0">
+          <a:defRPr kumimoji="0" sz="1800" b="0" i="0" u="none" strike="noStrike" cap="none" spc="0" normalizeH="0" baseline="0">
             <a:ln>
               <a:noFill/>
             </a:ln>
@@ -14163,7 +14198,7 @@
           <a:buFontTx/>
           <a:buNone/>
           <a:tabLst/>
-          <a:defRPr b="0" baseline="0" cap="none" i="0" spc="0" strike="noStrike" sz="1800" u="none" kumimoji="0" normalizeH="0">
+          <a:defRPr kumimoji="0" sz="1800" b="0" i="0" u="none" strike="noStrike" cap="none" spc="0" normalizeH="0" baseline="0">
             <a:ln>
               <a:noFill/>
             </a:ln>
@@ -14189,7 +14224,7 @@
           <a:buFontTx/>
           <a:buNone/>
           <a:tabLst/>
-          <a:defRPr b="0" baseline="0" cap="none" i="0" spc="0" strike="noStrike" sz="1800" u="none" kumimoji="0" normalizeH="0">
+          <a:defRPr kumimoji="0" sz="1800" b="0" i="0" u="none" strike="noStrike" cap="none" spc="0" normalizeH="0" baseline="0">
             <a:ln>
               <a:noFill/>
             </a:ln>
@@ -14215,7 +14250,7 @@
           <a:buFontTx/>
           <a:buNone/>
           <a:tabLst/>
-          <a:defRPr b="0" baseline="0" cap="none" i="0" spc="0" strike="noStrike" sz="1800" u="none" kumimoji="0" normalizeH="0">
+          <a:defRPr kumimoji="0" sz="1800" b="0" i="0" u="none" strike="noStrike" cap="none" spc="0" normalizeH="0" baseline="0">
             <a:ln>
               <a:noFill/>
             </a:ln>
@@ -14228,18 +14263,25 @@
         </a:lvl9pPr>
       </a:lstStyle>
       <a:style>
-        <a:lnRef idx="0"/>
-        <a:fillRef idx="0"/>
-        <a:effectRef idx="0"/>
+        <a:lnRef idx="0">
+          <a:scrgbClr r="0" g="0" b="0"/>
+        </a:lnRef>
+        <a:fillRef idx="0">
+          <a:scrgbClr r="0" g="0" b="0"/>
+        </a:fillRef>
+        <a:effectRef idx="0">
+          <a:scrgbClr r="0" g="0" b="0"/>
+        </a:effectRef>
         <a:fontRef idx="none"/>
       </a:style>
     </a:txDef>
   </a:objectDefaults>
+  <a:extraClrSchemeLst/>
 </a:theme>
 </file>
 
 <file path=ppt/theme/theme2.xml><?xml version="1.0" encoding="utf-8"?>
-<a:theme xmlns:a="http://schemas.openxmlformats.org/drawingml/2006/main" xmlns:r="http://schemas.openxmlformats.org/officeDocument/2006/relationships" name="37_MinimalistDark">
+<a:theme xmlns:a="http://schemas.openxmlformats.org/drawingml/2006/main" name="37_MinimalistDark">
   <a:themeElements>
     <a:clrScheme name="37_MinimalistDark">
       <a:dk1>
@@ -14438,7 +14480,7 @@
         <a:effectLst/>
         <a:sp3d/>
       </a:spPr>
-      <a:bodyPr rot="0" spcFirstLastPara="1" vertOverflow="overflow" horzOverflow="overflow" vert="horz" wrap="square" lIns="50800" tIns="50800" rIns="50800" bIns="50800" numCol="1" spcCol="38100" rtlCol="0" anchor="ctr" upright="0">
+      <a:bodyPr rot="0" spcFirstLastPara="1" vertOverflow="overflow" horzOverflow="overflow" vert="horz" wrap="square" lIns="50800" tIns="50800" rIns="50800" bIns="50800" numCol="1" spcCol="38100" rtlCol="0" anchor="ctr">
         <a:spAutoFit/>
       </a:bodyPr>
       <a:lstStyle>
@@ -14457,7 +14499,7 @@
           <a:buFontTx/>
           <a:buNone/>
           <a:tabLst/>
-          <a:defRPr b="0" baseline="0" cap="none" i="0" spc="0" strike="noStrike" sz="3200" u="none" kumimoji="0" normalizeH="0">
+          <a:defRPr kumimoji="0" sz="3200" b="0" i="0" u="none" strike="noStrike" cap="none" spc="0" normalizeH="0" baseline="0">
             <a:ln>
               <a:noFill/>
             </a:ln>
@@ -14469,9 +14511,9 @@
             </a:solidFill>
             <a:effectLst/>
             <a:uFillTx/>
-            <a:latin typeface="Graphik Light"/>
-            <a:ea typeface="Graphik Light"/>
-            <a:cs typeface="Graphik Light"/>
+            <a:latin typeface="Graphik-Light"/>
+            <a:ea typeface="Graphik-Light"/>
+            <a:cs typeface="Graphik-Light"/>
             <a:sym typeface="Graphik Light"/>
           </a:defRPr>
         </a:defPPr>
@@ -14490,7 +14532,7 @@
           <a:buFontTx/>
           <a:buNone/>
           <a:tabLst/>
-          <a:defRPr b="0" baseline="0" cap="none" i="0" spc="0" strike="noStrike" sz="1800" u="none" kumimoji="0" normalizeH="0">
+          <a:defRPr kumimoji="0" sz="1800" b="0" i="0" u="none" strike="noStrike" cap="none" spc="0" normalizeH="0" baseline="0">
             <a:ln>
               <a:noFill/>
             </a:ln>
@@ -14516,7 +14558,7 @@
           <a:buFontTx/>
           <a:buNone/>
           <a:tabLst/>
-          <a:defRPr b="0" baseline="0" cap="none" i="0" spc="0" strike="noStrike" sz="1800" u="none" kumimoji="0" normalizeH="0">
+          <a:defRPr kumimoji="0" sz="1800" b="0" i="0" u="none" strike="noStrike" cap="none" spc="0" normalizeH="0" baseline="0">
             <a:ln>
               <a:noFill/>
             </a:ln>
@@ -14542,7 +14584,7 @@
           <a:buFontTx/>
           <a:buNone/>
           <a:tabLst/>
-          <a:defRPr b="0" baseline="0" cap="none" i="0" spc="0" strike="noStrike" sz="1800" u="none" kumimoji="0" normalizeH="0">
+          <a:defRPr kumimoji="0" sz="1800" b="0" i="0" u="none" strike="noStrike" cap="none" spc="0" normalizeH="0" baseline="0">
             <a:ln>
               <a:noFill/>
             </a:ln>
@@ -14568,7 +14610,7 @@
           <a:buFontTx/>
           <a:buNone/>
           <a:tabLst/>
-          <a:defRPr b="0" baseline="0" cap="none" i="0" spc="0" strike="noStrike" sz="1800" u="none" kumimoji="0" normalizeH="0">
+          <a:defRPr kumimoji="0" sz="1800" b="0" i="0" u="none" strike="noStrike" cap="none" spc="0" normalizeH="0" baseline="0">
             <a:ln>
               <a:noFill/>
             </a:ln>
@@ -14594,7 +14636,7 @@
           <a:buFontTx/>
           <a:buNone/>
           <a:tabLst/>
-          <a:defRPr b="0" baseline="0" cap="none" i="0" spc="0" strike="noStrike" sz="1800" u="none" kumimoji="0" normalizeH="0">
+          <a:defRPr kumimoji="0" sz="1800" b="0" i="0" u="none" strike="noStrike" cap="none" spc="0" normalizeH="0" baseline="0">
             <a:ln>
               <a:noFill/>
             </a:ln>
@@ -14620,7 +14662,7 @@
           <a:buFontTx/>
           <a:buNone/>
           <a:tabLst/>
-          <a:defRPr b="0" baseline="0" cap="none" i="0" spc="0" strike="noStrike" sz="1800" u="none" kumimoji="0" normalizeH="0">
+          <a:defRPr kumimoji="0" sz="1800" b="0" i="0" u="none" strike="noStrike" cap="none" spc="0" normalizeH="0" baseline="0">
             <a:ln>
               <a:noFill/>
             </a:ln>
@@ -14646,7 +14688,7 @@
           <a:buFontTx/>
           <a:buNone/>
           <a:tabLst/>
-          <a:defRPr b="0" baseline="0" cap="none" i="0" spc="0" strike="noStrike" sz="1800" u="none" kumimoji="0" normalizeH="0">
+          <a:defRPr kumimoji="0" sz="1800" b="0" i="0" u="none" strike="noStrike" cap="none" spc="0" normalizeH="0" baseline="0">
             <a:ln>
               <a:noFill/>
             </a:ln>
@@ -14672,7 +14714,7 @@
           <a:buFontTx/>
           <a:buNone/>
           <a:tabLst/>
-          <a:defRPr b="0" baseline="0" cap="none" i="0" spc="0" strike="noStrike" sz="1800" u="none" kumimoji="0" normalizeH="0">
+          <a:defRPr kumimoji="0" sz="1800" b="0" i="0" u="none" strike="noStrike" cap="none" spc="0" normalizeH="0" baseline="0">
             <a:ln>
               <a:noFill/>
             </a:ln>
@@ -14698,7 +14740,7 @@
           <a:buFontTx/>
           <a:buNone/>
           <a:tabLst/>
-          <a:defRPr b="0" baseline="0" cap="none" i="0" spc="0" strike="noStrike" sz="1800" u="none" kumimoji="0" normalizeH="0">
+          <a:defRPr kumimoji="0" sz="1800" b="0" i="0" u="none" strike="noStrike" cap="none" spc="0" normalizeH="0" baseline="0">
             <a:ln>
               <a:noFill/>
             </a:ln>
@@ -14711,9 +14753,15 @@
         </a:lvl9pPr>
       </a:lstStyle>
       <a:style>
-        <a:lnRef idx="0"/>
-        <a:fillRef idx="0"/>
-        <a:effectRef idx="0"/>
+        <a:lnRef idx="0">
+          <a:scrgbClr r="0" g="0" b="0"/>
+        </a:lnRef>
+        <a:fillRef idx="0">
+          <a:scrgbClr r="0" g="0" b="0"/>
+        </a:fillRef>
+        <a:effectRef idx="0">
+          <a:scrgbClr r="0" g="0" b="0"/>
+        </a:effectRef>
         <a:fontRef idx="none"/>
       </a:style>
     </a:spDef>
@@ -14730,7 +14778,7 @@
         <a:effectLst/>
         <a:sp3d/>
       </a:spPr>
-      <a:bodyPr rot="0" spcFirstLastPara="1" vertOverflow="overflow" horzOverflow="overflow" vert="horz" wrap="square" lIns="91439" tIns="45719" rIns="91439" bIns="45719" numCol="1" spcCol="38100" rtlCol="0" anchor="t" upright="0">
+      <a:bodyPr rot="0" spcFirstLastPara="1" vertOverflow="overflow" horzOverflow="overflow" vert="horz" wrap="square" lIns="91439" tIns="45719" rIns="91439" bIns="45719" numCol="1" spcCol="38100" rtlCol="0" anchor="t">
         <a:noAutofit/>
       </a:bodyPr>
       <a:lstStyle>
@@ -14749,7 +14797,7 @@
           <a:buFontTx/>
           <a:buNone/>
           <a:tabLst/>
-          <a:defRPr b="0" baseline="0" cap="none" i="0" spc="0" strike="noStrike" sz="1800" u="none" kumimoji="0" normalizeH="0">
+          <a:defRPr kumimoji="0" sz="1800" b="0" i="0" u="none" strike="noStrike" cap="none" spc="0" normalizeH="0" baseline="0">
             <a:ln>
               <a:noFill/>
             </a:ln>
@@ -14775,7 +14823,7 @@
           <a:buFontTx/>
           <a:buNone/>
           <a:tabLst/>
-          <a:defRPr b="0" baseline="0" cap="none" i="0" spc="0" strike="noStrike" sz="1800" u="none" kumimoji="0" normalizeH="0">
+          <a:defRPr kumimoji="0" sz="1800" b="0" i="0" u="none" strike="noStrike" cap="none" spc="0" normalizeH="0" baseline="0">
             <a:ln>
               <a:noFill/>
             </a:ln>
@@ -14801,7 +14849,7 @@
           <a:buFontTx/>
           <a:buNone/>
           <a:tabLst/>
-          <a:defRPr b="0" baseline="0" cap="none" i="0" spc="0" strike="noStrike" sz="1800" u="none" kumimoji="0" normalizeH="0">
+          <a:defRPr kumimoji="0" sz="1800" b="0" i="0" u="none" strike="noStrike" cap="none" spc="0" normalizeH="0" baseline="0">
             <a:ln>
               <a:noFill/>
             </a:ln>
@@ -14827,7 +14875,7 @@
           <a:buFontTx/>
           <a:buNone/>
           <a:tabLst/>
-          <a:defRPr b="0" baseline="0" cap="none" i="0" spc="0" strike="noStrike" sz="1800" u="none" kumimoji="0" normalizeH="0">
+          <a:defRPr kumimoji="0" sz="1800" b="0" i="0" u="none" strike="noStrike" cap="none" spc="0" normalizeH="0" baseline="0">
             <a:ln>
               <a:noFill/>
             </a:ln>
@@ -14853,7 +14901,7 @@
           <a:buFontTx/>
           <a:buNone/>
           <a:tabLst/>
-          <a:defRPr b="0" baseline="0" cap="none" i="0" spc="0" strike="noStrike" sz="1800" u="none" kumimoji="0" normalizeH="0">
+          <a:defRPr kumimoji="0" sz="1800" b="0" i="0" u="none" strike="noStrike" cap="none" spc="0" normalizeH="0" baseline="0">
             <a:ln>
               <a:noFill/>
             </a:ln>
@@ -14879,7 +14927,7 @@
           <a:buFontTx/>
           <a:buNone/>
           <a:tabLst/>
-          <a:defRPr b="0" baseline="0" cap="none" i="0" spc="0" strike="noStrike" sz="1800" u="none" kumimoji="0" normalizeH="0">
+          <a:defRPr kumimoji="0" sz="1800" b="0" i="0" u="none" strike="noStrike" cap="none" spc="0" normalizeH="0" baseline="0">
             <a:ln>
               <a:noFill/>
             </a:ln>
@@ -14905,7 +14953,7 @@
           <a:buFontTx/>
           <a:buNone/>
           <a:tabLst/>
-          <a:defRPr b="0" baseline="0" cap="none" i="0" spc="0" strike="noStrike" sz="1800" u="none" kumimoji="0" normalizeH="0">
+          <a:defRPr kumimoji="0" sz="1800" b="0" i="0" u="none" strike="noStrike" cap="none" spc="0" normalizeH="0" baseline="0">
             <a:ln>
               <a:noFill/>
             </a:ln>
@@ -14931,7 +14979,7 @@
           <a:buFontTx/>
           <a:buNone/>
           <a:tabLst/>
-          <a:defRPr b="0" baseline="0" cap="none" i="0" spc="0" strike="noStrike" sz="1800" u="none" kumimoji="0" normalizeH="0">
+          <a:defRPr kumimoji="0" sz="1800" b="0" i="0" u="none" strike="noStrike" cap="none" spc="0" normalizeH="0" baseline="0">
             <a:ln>
               <a:noFill/>
             </a:ln>
@@ -14957,7 +15005,7 @@
           <a:buFontTx/>
           <a:buNone/>
           <a:tabLst/>
-          <a:defRPr b="0" baseline="0" cap="none" i="0" spc="0" strike="noStrike" sz="1800" u="none" kumimoji="0" normalizeH="0">
+          <a:defRPr kumimoji="0" sz="1800" b="0" i="0" u="none" strike="noStrike" cap="none" spc="0" normalizeH="0" baseline="0">
             <a:ln>
               <a:noFill/>
             </a:ln>
@@ -14983,7 +15031,7 @@
           <a:buFontTx/>
           <a:buNone/>
           <a:tabLst/>
-          <a:defRPr b="0" baseline="0" cap="none" i="0" spc="0" strike="noStrike" sz="1800" u="none" kumimoji="0" normalizeH="0">
+          <a:defRPr kumimoji="0" sz="1800" b="0" i="0" u="none" strike="noStrike" cap="none" spc="0" normalizeH="0" baseline="0">
             <a:ln>
               <a:noFill/>
             </a:ln>
@@ -14996,9 +15044,15 @@
         </a:lvl9pPr>
       </a:lstStyle>
       <a:style>
-        <a:lnRef idx="0"/>
-        <a:fillRef idx="0"/>
-        <a:effectRef idx="0"/>
+        <a:lnRef idx="0">
+          <a:scrgbClr r="0" g="0" b="0"/>
+        </a:lnRef>
+        <a:fillRef idx="0">
+          <a:scrgbClr r="0" g="0" b="0"/>
+        </a:fillRef>
+        <a:effectRef idx="0">
+          <a:scrgbClr r="0" g="0" b="0"/>
+        </a:effectRef>
         <a:fontRef idx="none"/>
       </a:style>
     </a:lnDef>
@@ -15012,7 +15066,7 @@
         <a:effectLst/>
         <a:sp3d/>
       </a:spPr>
-      <a:bodyPr rot="0" spcFirstLastPara="1" vertOverflow="overflow" horzOverflow="overflow" vert="horz" wrap="square" lIns="50800" tIns="50800" rIns="50800" bIns="50800" numCol="1" spcCol="38100" rtlCol="0" anchor="ctr" upright="0">
+      <a:bodyPr rot="0" spcFirstLastPara="1" vertOverflow="overflow" horzOverflow="overflow" vert="horz" wrap="square" lIns="50800" tIns="50800" rIns="50800" bIns="50800" numCol="1" spcCol="38100" rtlCol="0" anchor="ctr">
         <a:spAutoFit/>
       </a:bodyPr>
       <a:lstStyle>
@@ -15031,7 +15085,7 @@
           <a:buFontTx/>
           <a:buNone/>
           <a:tabLst/>
-          <a:defRPr b="0" baseline="0" cap="none" i="0" spc="0" strike="noStrike" sz="4000" u="none" kumimoji="0" normalizeH="0">
+          <a:defRPr kumimoji="0" sz="4000" b="0" i="0" u="none" strike="noStrike" cap="none" spc="0" normalizeH="0" baseline="0">
             <a:ln>
               <a:noFill/>
             </a:ln>
@@ -15040,9 +15094,9 @@
             </a:solidFill>
             <a:effectLst/>
             <a:uFillTx/>
-            <a:latin typeface="Graphik Light"/>
-            <a:ea typeface="Graphik Light"/>
-            <a:cs typeface="Graphik Light"/>
+            <a:latin typeface="Graphik-Light"/>
+            <a:ea typeface="Graphik-Light"/>
+            <a:cs typeface="Graphik-Light"/>
             <a:sym typeface="Graphik Light"/>
           </a:defRPr>
         </a:defPPr>
@@ -15061,7 +15115,7 @@
           <a:buFontTx/>
           <a:buNone/>
           <a:tabLst/>
-          <a:defRPr b="0" baseline="0" cap="none" i="0" spc="0" strike="noStrike" sz="1800" u="none" kumimoji="0" normalizeH="0">
+          <a:defRPr kumimoji="0" sz="1800" b="0" i="0" u="none" strike="noStrike" cap="none" spc="0" normalizeH="0" baseline="0">
             <a:ln>
               <a:noFill/>
             </a:ln>
@@ -15087,7 +15141,7 @@
           <a:buFontTx/>
           <a:buNone/>
           <a:tabLst/>
-          <a:defRPr b="0" baseline="0" cap="none" i="0" spc="0" strike="noStrike" sz="1800" u="none" kumimoji="0" normalizeH="0">
+          <a:defRPr kumimoji="0" sz="1800" b="0" i="0" u="none" strike="noStrike" cap="none" spc="0" normalizeH="0" baseline="0">
             <a:ln>
               <a:noFill/>
             </a:ln>
@@ -15113,7 +15167,7 @@
           <a:buFontTx/>
           <a:buNone/>
           <a:tabLst/>
-          <a:defRPr b="0" baseline="0" cap="none" i="0" spc="0" strike="noStrike" sz="1800" u="none" kumimoji="0" normalizeH="0">
+          <a:defRPr kumimoji="0" sz="1800" b="0" i="0" u="none" strike="noStrike" cap="none" spc="0" normalizeH="0" baseline="0">
             <a:ln>
               <a:noFill/>
             </a:ln>
@@ -15139,7 +15193,7 @@
           <a:buFontTx/>
           <a:buNone/>
           <a:tabLst/>
-          <a:defRPr b="0" baseline="0" cap="none" i="0" spc="0" strike="noStrike" sz="1800" u="none" kumimoji="0" normalizeH="0">
+          <a:defRPr kumimoji="0" sz="1800" b="0" i="0" u="none" strike="noStrike" cap="none" spc="0" normalizeH="0" baseline="0">
             <a:ln>
               <a:noFill/>
             </a:ln>
@@ -15165,7 +15219,7 @@
           <a:buFontTx/>
           <a:buNone/>
           <a:tabLst/>
-          <a:defRPr b="0" baseline="0" cap="none" i="0" spc="0" strike="noStrike" sz="1800" u="none" kumimoji="0" normalizeH="0">
+          <a:defRPr kumimoji="0" sz="1800" b="0" i="0" u="none" strike="noStrike" cap="none" spc="0" normalizeH="0" baseline="0">
             <a:ln>
               <a:noFill/>
             </a:ln>
@@ -15191,7 +15245,7 @@
           <a:buFontTx/>
           <a:buNone/>
           <a:tabLst/>
-          <a:defRPr b="0" baseline="0" cap="none" i="0" spc="0" strike="noStrike" sz="1800" u="none" kumimoji="0" normalizeH="0">
+          <a:defRPr kumimoji="0" sz="1800" b="0" i="0" u="none" strike="noStrike" cap="none" spc="0" normalizeH="0" baseline="0">
             <a:ln>
               <a:noFill/>
             </a:ln>
@@ -15217,7 +15271,7 @@
           <a:buFontTx/>
           <a:buNone/>
           <a:tabLst/>
-          <a:defRPr b="0" baseline="0" cap="none" i="0" spc="0" strike="noStrike" sz="1800" u="none" kumimoji="0" normalizeH="0">
+          <a:defRPr kumimoji="0" sz="1800" b="0" i="0" u="none" strike="noStrike" cap="none" spc="0" normalizeH="0" baseline="0">
             <a:ln>
               <a:noFill/>
             </a:ln>
@@ -15243,7 +15297,7 @@
           <a:buFontTx/>
           <a:buNone/>
           <a:tabLst/>
-          <a:defRPr b="0" baseline="0" cap="none" i="0" spc="0" strike="noStrike" sz="1800" u="none" kumimoji="0" normalizeH="0">
+          <a:defRPr kumimoji="0" sz="1800" b="0" i="0" u="none" strike="noStrike" cap="none" spc="0" normalizeH="0" baseline="0">
             <a:ln>
               <a:noFill/>
             </a:ln>
@@ -15269,7 +15323,7 @@
           <a:buFontTx/>
           <a:buNone/>
           <a:tabLst/>
-          <a:defRPr b="0" baseline="0" cap="none" i="0" spc="0" strike="noStrike" sz="1800" u="none" kumimoji="0" normalizeH="0">
+          <a:defRPr kumimoji="0" sz="1800" b="0" i="0" u="none" strike="noStrike" cap="none" spc="0" normalizeH="0" baseline="0">
             <a:ln>
               <a:noFill/>
             </a:ln>
@@ -15282,12 +15336,19 @@
         </a:lvl9pPr>
       </a:lstStyle>
       <a:style>
-        <a:lnRef idx="0"/>
-        <a:fillRef idx="0"/>
-        <a:effectRef idx="0"/>
+        <a:lnRef idx="0">
+          <a:scrgbClr r="0" g="0" b="0"/>
+        </a:lnRef>
+        <a:fillRef idx="0">
+          <a:scrgbClr r="0" g="0" b="0"/>
+        </a:fillRef>
+        <a:effectRef idx="0">
+          <a:scrgbClr r="0" g="0" b="0"/>
+        </a:effectRef>
         <a:fontRef idx="none"/>
       </a:style>
     </a:txDef>
   </a:objectDefaults>
+  <a:extraClrSchemeLst/>
 </a:theme>
 </file>
--- a/Breaking Dependencies Chapter 9 Part 2 406.pptx
+++ b/Breaking Dependencies Chapter 9 Part 2 406.pptx
@@ -3407,7 +3407,7 @@
           </a:ln>
           <a:extLst>
             <a:ext uri="{C572A759-6A51-4108-AA02-DFA0A04FC94B}">
-              <ma14:wrappingTextBoxFlag xmlns="" xmlns:m="http://schemas.openxmlformats.org/officeDocument/2006/math" xmlns:a14="http://schemas.microsoft.com/office/drawing/2010/main" xmlns:ma14="http://schemas.microsoft.com/office/mac/drawingml/2011/main" val="1"/>
+              <ma14:wrappingTextBoxFlag xmlns:ma14="http://schemas.microsoft.com/office/mac/drawingml/2011/main" xmlns:a14="http://schemas.microsoft.com/office/drawing/2010/main" xmlns:m="http://schemas.openxmlformats.org/officeDocument/2006/math" xmlns="" val="1"/>
             </a:ext>
           </a:extLst>
         </p:spPr>
@@ -3446,7 +3446,7 @@
           </a:ln>
           <a:extLst>
             <a:ext uri="{C572A759-6A51-4108-AA02-DFA0A04FC94B}">
-              <ma14:wrappingTextBoxFlag xmlns="" xmlns:m="http://schemas.openxmlformats.org/officeDocument/2006/math" xmlns:a14="http://schemas.microsoft.com/office/drawing/2010/main" xmlns:ma14="http://schemas.microsoft.com/office/mac/drawingml/2011/main" val="1"/>
+              <ma14:wrappingTextBoxFlag xmlns:ma14="http://schemas.microsoft.com/office/mac/drawingml/2011/main" xmlns:a14="http://schemas.microsoft.com/office/drawing/2010/main" xmlns:m="http://schemas.openxmlformats.org/officeDocument/2006/math" xmlns="" val="1"/>
             </a:ext>
           </a:extLst>
         </p:spPr>
@@ -4294,7 +4294,7 @@
           </a:prstGeom>
           <a:extLst>
             <a:ext uri="{C572A759-6A51-4108-AA02-DFA0A04FC94B}">
-              <ma14:wrappingTextBoxFlag xmlns="" xmlns:m="http://schemas.openxmlformats.org/officeDocument/2006/math" xmlns:a14="http://schemas.microsoft.com/office/drawing/2010/main" xmlns:ma14="http://schemas.microsoft.com/office/mac/drawingml/2011/main" val="1"/>
+              <ma14:wrappingTextBoxFlag xmlns:ma14="http://schemas.microsoft.com/office/mac/drawingml/2011/main" xmlns:a14="http://schemas.microsoft.com/office/drawing/2010/main" xmlns:m="http://schemas.openxmlformats.org/officeDocument/2006/math" xmlns="" val="1"/>
             </a:ext>
           </a:extLst>
         </p:spPr>
@@ -4597,7 +4597,7 @@
         <p:push dir="u"/>
       </p:transition>
     </mc:Choice>
-    <mc:Fallback xmlns="" xmlns:m="http://schemas.openxmlformats.org/officeDocument/2006/math" xmlns:a14="http://schemas.microsoft.com/office/drawing/2010/main">
+    <mc:Fallback xmlns:a14="http://schemas.microsoft.com/office/drawing/2010/main" xmlns:m="http://schemas.openxmlformats.org/officeDocument/2006/math" xmlns="">
       <p:transition spd="slow">
         <p:fade/>
       </p:transition>
@@ -5820,7 +5820,7 @@
         <p:push dir="u"/>
       </p:transition>
     </mc:Choice>
-    <mc:Fallback xmlns="" xmlns:m="http://schemas.openxmlformats.org/officeDocument/2006/math" xmlns:a14="http://schemas.microsoft.com/office/drawing/2010/main">
+    <mc:Fallback xmlns:a14="http://schemas.microsoft.com/office/drawing/2010/main" xmlns:m="http://schemas.openxmlformats.org/officeDocument/2006/math" xmlns="">
       <p:transition spd="slow">
         <p:fade/>
       </p:transition>
@@ -7025,7 +7025,7 @@
         <p:push dir="u"/>
       </p:transition>
     </mc:Choice>
-    <mc:Fallback xmlns="" xmlns:m="http://schemas.openxmlformats.org/officeDocument/2006/math" xmlns:a14="http://schemas.microsoft.com/office/drawing/2010/main">
+    <mc:Fallback xmlns:a14="http://schemas.microsoft.com/office/drawing/2010/main" xmlns:m="http://schemas.openxmlformats.org/officeDocument/2006/math" xmlns="">
       <p:transition spd="slow">
         <p:fade/>
       </p:transition>
@@ -7175,7 +7175,7 @@
         <p:push dir="u"/>
       </p:transition>
     </mc:Choice>
-    <mc:Fallback xmlns="" xmlns:m="http://schemas.openxmlformats.org/officeDocument/2006/math" xmlns:a14="http://schemas.microsoft.com/office/drawing/2010/main">
+    <mc:Fallback xmlns:a14="http://schemas.microsoft.com/office/drawing/2010/main" xmlns:m="http://schemas.openxmlformats.org/officeDocument/2006/math" xmlns="">
       <p:transition spd="slow">
         <p:fade/>
       </p:transition>
@@ -7366,7 +7366,7 @@
         <p:push dir="u"/>
       </p:transition>
     </mc:Choice>
-    <mc:Fallback xmlns="" xmlns:m="http://schemas.openxmlformats.org/officeDocument/2006/math" xmlns:a14="http://schemas.microsoft.com/office/drawing/2010/main">
+    <mc:Fallback xmlns:a14="http://schemas.microsoft.com/office/drawing/2010/main" xmlns:m="http://schemas.openxmlformats.org/officeDocument/2006/math" xmlns="">
       <p:transition spd="slow">
         <p:fade/>
       </p:transition>
@@ -7461,7 +7461,7 @@
         <p:push dir="u"/>
       </p:transition>
     </mc:Choice>
-    <mc:Fallback xmlns="" xmlns:m="http://schemas.openxmlformats.org/officeDocument/2006/math" xmlns:a14="http://schemas.microsoft.com/office/drawing/2010/main">
+    <mc:Fallback xmlns:a14="http://schemas.microsoft.com/office/drawing/2010/main" xmlns:m="http://schemas.openxmlformats.org/officeDocument/2006/math" xmlns="">
       <p:transition spd="slow">
         <p:fade/>
       </p:transition>
@@ -7662,7 +7662,7 @@
         <p:push dir="u"/>
       </p:transition>
     </mc:Choice>
-    <mc:Fallback xmlns="" xmlns:m="http://schemas.openxmlformats.org/officeDocument/2006/math" xmlns:a14="http://schemas.microsoft.com/office/drawing/2010/main">
+    <mc:Fallback xmlns:a14="http://schemas.microsoft.com/office/drawing/2010/main" xmlns:m="http://schemas.openxmlformats.org/officeDocument/2006/math" xmlns="">
       <p:transition spd="slow">
         <p:fade/>
       </p:transition>
@@ -8228,7 +8228,7 @@
         <p:push dir="u"/>
       </p:transition>
     </mc:Choice>
-    <mc:Fallback xmlns="" xmlns:m="http://schemas.openxmlformats.org/officeDocument/2006/math" xmlns:a14="http://schemas.microsoft.com/office/drawing/2010/main">
+    <mc:Fallback xmlns:a14="http://schemas.microsoft.com/office/drawing/2010/main" xmlns:m="http://schemas.openxmlformats.org/officeDocument/2006/math" xmlns="">
       <p:transition spd="slow">
         <p:fade/>
       </p:transition>
@@ -9115,7 +9115,7 @@
         <p:push dir="u"/>
       </p:transition>
     </mc:Choice>
-    <mc:Fallback xmlns="" xmlns:m="http://schemas.openxmlformats.org/officeDocument/2006/math" xmlns:a14="http://schemas.microsoft.com/office/drawing/2010/main">
+    <mc:Fallback xmlns:a14="http://schemas.microsoft.com/office/drawing/2010/main" xmlns:m="http://schemas.openxmlformats.org/officeDocument/2006/math" xmlns="">
       <p:transition spd="slow">
         <p:fade/>
       </p:transition>
@@ -10439,7 +10439,7 @@
         <p:push dir="u"/>
       </p:transition>
     </mc:Choice>
-    <mc:Fallback xmlns="" xmlns:m="http://schemas.openxmlformats.org/officeDocument/2006/math" xmlns:a14="http://schemas.microsoft.com/office/drawing/2010/main">
+    <mc:Fallback xmlns:a14="http://schemas.microsoft.com/office/drawing/2010/main" xmlns:m="http://schemas.openxmlformats.org/officeDocument/2006/math" xmlns="">
       <p:transition spd="slow">
         <p:fade/>
       </p:transition>
@@ -11184,7 +11184,7 @@
         <p:push dir="u"/>
       </p:transition>
     </mc:Choice>
-    <mc:Fallback xmlns="" xmlns:m="http://schemas.openxmlformats.org/officeDocument/2006/math" xmlns:a14="http://schemas.microsoft.com/office/drawing/2010/main">
+    <mc:Fallback xmlns:a14="http://schemas.microsoft.com/office/drawing/2010/main" xmlns:m="http://schemas.openxmlformats.org/officeDocument/2006/math" xmlns="">
       <p:transition spd="slow">
         <p:fade/>
       </p:transition>
@@ -11361,7 +11361,7 @@
         <p:push dir="u"/>
       </p:transition>
     </mc:Choice>
-    <mc:Fallback xmlns="" xmlns:m="http://schemas.openxmlformats.org/officeDocument/2006/math" xmlns:a14="http://schemas.microsoft.com/office/drawing/2010/main">
+    <mc:Fallback xmlns:a14="http://schemas.microsoft.com/office/drawing/2010/main" xmlns:m="http://schemas.openxmlformats.org/officeDocument/2006/math" xmlns="">
       <p:transition spd="slow">
         <p:fade/>
       </p:transition>
@@ -11968,7 +11968,7 @@
         <p:push dir="u"/>
       </p:transition>
     </mc:Choice>
-    <mc:Fallback xmlns="" xmlns:m="http://schemas.openxmlformats.org/officeDocument/2006/math" xmlns:a14="http://schemas.microsoft.com/office/drawing/2010/main">
+    <mc:Fallback xmlns:a14="http://schemas.microsoft.com/office/drawing/2010/main" xmlns:m="http://schemas.openxmlformats.org/officeDocument/2006/math" xmlns="">
       <p:transition spd="slow">
         <p:fade/>
       </p:transition>
@@ -12680,7 +12680,7 @@
         </p:blipFill>
         <p:spPr>
           <a:xfrm>
-            <a:off x="11456272" y="1304371"/>
+            <a:off x="10761759" y="952872"/>
             <a:ext cx="13622241" cy="11810256"/>
           </a:xfrm>
           <a:prstGeom prst="rect">
@@ -12744,10 +12744,11 @@
           <a:lstStyle/>
           <a:p>
             <a:r>
+              <a:rPr dirty="0"/>
               <a:t>Parameters of a constructor of an object often require </a:t>
             </a:r>
             <a:r>
-              <a:rPr b="1">
+              <a:rPr b="1" dirty="0">
                 <a:latin typeface="Graphik"/>
                 <a:ea typeface="Graphik"/>
                 <a:cs typeface="Graphik"/>
@@ -12759,18 +12760,21 @@
           <a:p>
             <a:pPr lvl="1"/>
             <a:r>
+              <a:rPr dirty="0"/>
               <a:t>These objects themselves depend on other smaller objects for their creation.</a:t>
             </a:r>
           </a:p>
           <a:p>
             <a:pPr lvl="1"/>
             <a:r>
+              <a:rPr dirty="0"/>
               <a:t>Nested objects are challenging to unit test as they require a lot of setup to evaluate a single function.</a:t>
             </a:r>
           </a:p>
           <a:p>
             <a:pPr lvl="1"/>
             <a:r>
+              <a:rPr dirty="0"/>
               <a:t>Not all classes can be cleanly broken into interfaces as they are nested in a deep hierarchy.  </a:t>
             </a:r>
           </a:p>
@@ -12814,7 +12818,7 @@
         <p:push dir="u"/>
       </p:transition>
     </mc:Choice>
-    <mc:Fallback xmlns="" xmlns:m="http://schemas.openxmlformats.org/officeDocument/2006/math" xmlns:a14="http://schemas.microsoft.com/office/drawing/2010/main">
+    <mc:Fallback xmlns:a14="http://schemas.microsoft.com/office/drawing/2010/main" xmlns:m="http://schemas.openxmlformats.org/officeDocument/2006/math" xmlns="">
       <p:transition spd="slow">
         <p:fade/>
       </p:transition>
@@ -13093,14 +13097,23 @@
                             </p:childTnLst>
                           </p:cTn>
                         </p:par>
+                      </p:childTnLst>
+                    </p:cTn>
+                  </p:par>
+                  <p:par>
+                    <p:cTn id="20" fill="hold">
+                      <p:stCondLst>
+                        <p:cond delay="indefinite"/>
+                      </p:stCondLst>
+                      <p:childTnLst>
                         <p:par>
-                          <p:cTn id="20" fill="hold">
+                          <p:cTn id="21" fill="hold">
                             <p:stCondLst>
-                              <p:cond delay="1000"/>
+                              <p:cond delay="0"/>
                             </p:stCondLst>
                             <p:childTnLst>
                               <p:par>
-                                <p:cTn id="21" presetID="2" presetClass="exit" presetSubtype="2" fill="hold" grpId="4" nodeType="afterEffect">
+                                <p:cTn id="22" presetID="2" presetClass="exit" presetSubtype="2" fill="hold" grpId="4" nodeType="clickEffect">
                                   <p:stCondLst>
                                     <p:cond delay="0"/>
                                   </p:stCondLst>
@@ -13110,7 +13123,7 @@
                                   <p:childTnLst>
                                     <p:anim calcmode="lin" valueType="num">
                                       <p:cBhvr>
-                                        <p:cTn id="22" dur="1000" fill="hold"/>
+                                        <p:cTn id="23" dur="1000" fill="hold"/>
                                         <p:tgtEl>
                                           <p:spTgt spid="201"/>
                                         </p:tgtEl>
@@ -13133,7 +13146,7 @@
                                     </p:anim>
                                     <p:anim calcmode="lin" valueType="num">
                                       <p:cBhvr>
-                                        <p:cTn id="23" dur="1000" fill="hold"/>
+                                        <p:cTn id="24" dur="1000" fill="hold"/>
                                         <p:tgtEl>
                                           <p:spTgt spid="201"/>
                                         </p:tgtEl>
@@ -13156,7 +13169,7 @@
                                     </p:anim>
                                     <p:set>
                                       <p:cBhvr>
-                                        <p:cTn id="24" fill="hold">
+                                        <p:cTn id="25" fill="hold">
                                           <p:stCondLst>
                                             <p:cond delay="999"/>
                                           </p:stCondLst>
